--- a/Presentations/Findings Presentation/Findings.pptx
+++ b/Presentations/Findings Presentation/Findings.pptx
@@ -267,7 +267,7 @@
           <a:p>
             <a:fld id="{C63CCCAA-046B-4FA1-910A-554349CB7EF0}" type="datetimeFigureOut">
               <a:rPr lang="en-GB" smtClean="0"/>
-              <a:t>08/03/2018</a:t>
+              <a:t>11/03/2018</a:t>
             </a:fld>
             <a:endParaRPr lang="en-GB"/>
           </a:p>
@@ -467,7 +467,7 @@
           <a:p>
             <a:fld id="{C63CCCAA-046B-4FA1-910A-554349CB7EF0}" type="datetimeFigureOut">
               <a:rPr lang="en-GB" smtClean="0"/>
-              <a:t>08/03/2018</a:t>
+              <a:t>11/03/2018</a:t>
             </a:fld>
             <a:endParaRPr lang="en-GB"/>
           </a:p>
@@ -677,7 +677,7 @@
           <a:p>
             <a:fld id="{C63CCCAA-046B-4FA1-910A-554349CB7EF0}" type="datetimeFigureOut">
               <a:rPr lang="en-GB" smtClean="0"/>
-              <a:t>08/03/2018</a:t>
+              <a:t>11/03/2018</a:t>
             </a:fld>
             <a:endParaRPr lang="en-GB"/>
           </a:p>
@@ -877,7 +877,7 @@
           <a:p>
             <a:fld id="{C63CCCAA-046B-4FA1-910A-554349CB7EF0}" type="datetimeFigureOut">
               <a:rPr lang="en-GB" smtClean="0"/>
-              <a:t>08/03/2018</a:t>
+              <a:t>11/03/2018</a:t>
             </a:fld>
             <a:endParaRPr lang="en-GB"/>
           </a:p>
@@ -1153,7 +1153,7 @@
           <a:p>
             <a:fld id="{C63CCCAA-046B-4FA1-910A-554349CB7EF0}" type="datetimeFigureOut">
               <a:rPr lang="en-GB" smtClean="0"/>
-              <a:t>08/03/2018</a:t>
+              <a:t>11/03/2018</a:t>
             </a:fld>
             <a:endParaRPr lang="en-GB"/>
           </a:p>
@@ -1421,7 +1421,7 @@
           <a:p>
             <a:fld id="{C63CCCAA-046B-4FA1-910A-554349CB7EF0}" type="datetimeFigureOut">
               <a:rPr lang="en-GB" smtClean="0"/>
-              <a:t>08/03/2018</a:t>
+              <a:t>11/03/2018</a:t>
             </a:fld>
             <a:endParaRPr lang="en-GB"/>
           </a:p>
@@ -1836,7 +1836,7 @@
           <a:p>
             <a:fld id="{C63CCCAA-046B-4FA1-910A-554349CB7EF0}" type="datetimeFigureOut">
               <a:rPr lang="en-GB" smtClean="0"/>
-              <a:t>08/03/2018</a:t>
+              <a:t>11/03/2018</a:t>
             </a:fld>
             <a:endParaRPr lang="en-GB"/>
           </a:p>
@@ -1978,7 +1978,7 @@
           <a:p>
             <a:fld id="{C63CCCAA-046B-4FA1-910A-554349CB7EF0}" type="datetimeFigureOut">
               <a:rPr lang="en-GB" smtClean="0"/>
-              <a:t>08/03/2018</a:t>
+              <a:t>11/03/2018</a:t>
             </a:fld>
             <a:endParaRPr lang="en-GB"/>
           </a:p>
@@ -2091,7 +2091,7 @@
           <a:p>
             <a:fld id="{C63CCCAA-046B-4FA1-910A-554349CB7EF0}" type="datetimeFigureOut">
               <a:rPr lang="en-GB" smtClean="0"/>
-              <a:t>08/03/2018</a:t>
+              <a:t>11/03/2018</a:t>
             </a:fld>
             <a:endParaRPr lang="en-GB"/>
           </a:p>
@@ -2404,7 +2404,7 @@
           <a:p>
             <a:fld id="{C63CCCAA-046B-4FA1-910A-554349CB7EF0}" type="datetimeFigureOut">
               <a:rPr lang="en-GB" smtClean="0"/>
-              <a:t>08/03/2018</a:t>
+              <a:t>11/03/2018</a:t>
             </a:fld>
             <a:endParaRPr lang="en-GB"/>
           </a:p>
@@ -2693,7 +2693,7 @@
           <a:p>
             <a:fld id="{C63CCCAA-046B-4FA1-910A-554349CB7EF0}" type="datetimeFigureOut">
               <a:rPr lang="en-GB" smtClean="0"/>
-              <a:t>08/03/2018</a:t>
+              <a:t>11/03/2018</a:t>
             </a:fld>
             <a:endParaRPr lang="en-GB"/>
           </a:p>
@@ -2936,7 +2936,7 @@
           <a:p>
             <a:fld id="{C63CCCAA-046B-4FA1-910A-554349CB7EF0}" type="datetimeFigureOut">
               <a:rPr lang="en-GB" smtClean="0"/>
-              <a:t>08/03/2018</a:t>
+              <a:t>11/03/2018</a:t>
             </a:fld>
             <a:endParaRPr lang="en-GB"/>
           </a:p>
@@ -3449,10 +3449,10 @@
       </p:sp>
       <p:sp>
         <p:nvSpPr>
-          <p:cNvPr id="6" name="TextBox 5">
-            <a:extLst>
-              <a:ext uri="{FF2B5EF4-FFF2-40B4-BE49-F238E27FC236}">
-                <a16:creationId xmlns:a16="http://schemas.microsoft.com/office/drawing/2014/main" id="{D26F9928-474E-4943-A3C7-FD9ACE34AD02}"/>
+          <p:cNvPr id="7" name="TextBox 6">
+            <a:extLst>
+              <a:ext uri="{FF2B5EF4-FFF2-40B4-BE49-F238E27FC236}">
+                <a16:creationId xmlns:a16="http://schemas.microsoft.com/office/drawing/2014/main" id="{E3384245-F67D-43B5-9836-EBF90AD8DB27}"/>
               </a:ext>
             </a:extLst>
           </p:cNvPr>
@@ -3461,7 +3461,57 @@
         </p:nvSpPr>
         <p:spPr>
           <a:xfrm>
-            <a:off x="298579" y="3921644"/>
+            <a:off x="175487" y="5227121"/>
+            <a:ext cx="9075576" cy="1200329"/>
+          </a:xfrm>
+          <a:prstGeom prst="rect">
+            <a:avLst/>
+          </a:prstGeom>
+          <a:noFill/>
+        </p:spPr>
+        <p:txBody>
+          <a:bodyPr wrap="square" rtlCol="0">
+            <a:spAutoFit/>
+          </a:bodyPr>
+          <a:lstStyle/>
+          <a:p>
+            <a:r>
+              <a:rPr lang="en-GB" dirty="0"/>
+              <a:t>Hypothesis:</a:t>
+            </a:r>
+          </a:p>
+          <a:p>
+            <a:endParaRPr lang="en-GB" dirty="0"/>
+          </a:p>
+          <a:p>
+            <a:r>
+              <a:rPr lang="en-GB" dirty="0"/>
+              <a:t>Analysis of different MCTS improvements for GVG-AI</a:t>
+            </a:r>
+          </a:p>
+          <a:p>
+            <a:r>
+              <a:rPr lang="en-GB" dirty="0"/>
+              <a:t>Does  </a:t>
+            </a:r>
+          </a:p>
+        </p:txBody>
+      </p:sp>
+      <p:sp>
+        <p:nvSpPr>
+          <p:cNvPr id="8" name="TextBox 7">
+            <a:extLst>
+              <a:ext uri="{FF2B5EF4-FFF2-40B4-BE49-F238E27FC236}">
+                <a16:creationId xmlns:a16="http://schemas.microsoft.com/office/drawing/2014/main" id="{046CEED7-4C30-4FDF-AD61-A809875F5BD7}"/>
+              </a:ext>
+            </a:extLst>
+          </p:cNvPr>
+          <p:cNvSpPr txBox="1"/>
+          <p:nvPr/>
+        </p:nvSpPr>
+        <p:spPr>
+          <a:xfrm>
+            <a:off x="298579" y="2828835"/>
             <a:ext cx="9075576" cy="1477328"/>
           </a:xfrm>
           <a:prstGeom prst="rect">
@@ -3477,66 +3527,21 @@
           <a:p>
             <a:r>
               <a:rPr lang="en-US" dirty="0"/>
-              <a:t>How will answering these questions contribute to the state of knowledge in the field of your project?</a:t>
-            </a:r>
-          </a:p>
-          <a:p>
-            <a:endParaRPr lang="en-US" dirty="0"/>
-          </a:p>
-          <a:p>
-            <a:pPr marL="285750" indent="-285750">
-              <a:buFont typeface="Arial" panose="020B0604020202020204" pitchFamily="34" charset="0"/>
-              <a:buChar char="•"/>
-            </a:pPr>
+              <a:t> Can visualizing the actions an agent may take in the competition lead to insights about the strengths and weakness’ of each tree search algorithm </a:t>
+            </a:r>
+          </a:p>
+          <a:p>
             <a:r>
               <a:rPr lang="en-US" dirty="0"/>
-              <a:t>This research will help gather knowledge into the limitations of different game tree search techniques for AI.</a:t>
+              <a:t>How can the scaling of different metrics within the competition affect the performance of different tree search algorithms </a:t>
+            </a:r>
+          </a:p>
+          <a:p>
+            <a:r>
+              <a:rPr lang="en-US" dirty="0"/>
+              <a:t>Could a hyper-heuristic be created from the strengths of multiple tree search algorithms</a:t>
             </a:r>
             <a:endParaRPr lang="en-GB" dirty="0"/>
-          </a:p>
-        </p:txBody>
-      </p:sp>
-      <p:sp>
-        <p:nvSpPr>
-          <p:cNvPr id="7" name="TextBox 6">
-            <a:extLst>
-              <a:ext uri="{FF2B5EF4-FFF2-40B4-BE49-F238E27FC236}">
-                <a16:creationId xmlns:a16="http://schemas.microsoft.com/office/drawing/2014/main" id="{E3384245-F67D-43B5-9836-EBF90AD8DB27}"/>
-              </a:ext>
-            </a:extLst>
-          </p:cNvPr>
-          <p:cNvSpPr txBox="1"/>
-          <p:nvPr/>
-        </p:nvSpPr>
-        <p:spPr>
-          <a:xfrm>
-            <a:off x="298579" y="2721313"/>
-            <a:ext cx="9075576" cy="923330"/>
-          </a:xfrm>
-          <a:prstGeom prst="rect">
-            <a:avLst/>
-          </a:prstGeom>
-          <a:noFill/>
-        </p:spPr>
-        <p:txBody>
-          <a:bodyPr wrap="square" rtlCol="0">
-            <a:spAutoFit/>
-          </a:bodyPr>
-          <a:lstStyle/>
-          <a:p>
-            <a:r>
-              <a:rPr lang="en-GB" dirty="0"/>
-              <a:t>Hypothesis:</a:t>
-            </a:r>
-          </a:p>
-          <a:p>
-            <a:endParaRPr lang="en-GB" dirty="0"/>
-          </a:p>
-          <a:p>
-            <a:r>
-              <a:rPr lang="en-GB" dirty="0"/>
-              <a:t>Analysis of different MCTS improvements for GVG-AI </a:t>
-            </a:r>
           </a:p>
         </p:txBody>
       </p:sp>
@@ -3572,10 +3577,10 @@
       </p:grpSpPr>
       <p:sp>
         <p:nvSpPr>
-          <p:cNvPr id="4" name="TextBox 3">
-            <a:extLst>
-              <a:ext uri="{FF2B5EF4-FFF2-40B4-BE49-F238E27FC236}">
-                <a16:creationId xmlns:a16="http://schemas.microsoft.com/office/drawing/2014/main" id="{0D421A23-4C62-4BA8-BC69-FD7475CCFB27}"/>
+          <p:cNvPr id="3" name="TextBox 2">
+            <a:extLst>
+              <a:ext uri="{FF2B5EF4-FFF2-40B4-BE49-F238E27FC236}">
+                <a16:creationId xmlns:a16="http://schemas.microsoft.com/office/drawing/2014/main" id="{68C80D07-2D9E-4EF1-B881-78700500CE25}"/>
               </a:ext>
             </a:extLst>
           </p:cNvPr>
@@ -3584,8 +3589,8 @@
         </p:nvSpPr>
         <p:spPr>
           <a:xfrm>
-            <a:off x="298579" y="230157"/>
-            <a:ext cx="7564017" cy="646331"/>
+            <a:off x="263410" y="220083"/>
+            <a:ext cx="9075576" cy="1477328"/>
           </a:xfrm>
           <a:prstGeom prst="rect">
             <a:avLst/>
@@ -3601,6 +3606,79 @@
             <a:r>
               <a:rPr lang="en-US" dirty="0"/>
               <a:t>How will answering these questions contribute to the state of knowledge in the field of your project?</a:t>
+            </a:r>
+          </a:p>
+          <a:p>
+            <a:endParaRPr lang="en-US" dirty="0"/>
+          </a:p>
+          <a:p>
+            <a:pPr marL="285750" indent="-285750">
+              <a:buFont typeface="Arial" panose="020B0604020202020204" pitchFamily="34" charset="0"/>
+              <a:buChar char="•"/>
+            </a:pPr>
+            <a:r>
+              <a:rPr lang="en-US" dirty="0"/>
+              <a:t>This research will help gather knowledge into the limitations of different game tree search techniques for AI.</a:t>
+            </a:r>
+            <a:endParaRPr lang="en-GB" dirty="0"/>
+          </a:p>
+        </p:txBody>
+      </p:sp>
+      <p:sp>
+        <p:nvSpPr>
+          <p:cNvPr id="5" name="TextBox 4">
+            <a:extLst>
+              <a:ext uri="{FF2B5EF4-FFF2-40B4-BE49-F238E27FC236}">
+                <a16:creationId xmlns:a16="http://schemas.microsoft.com/office/drawing/2014/main" id="{18D3A235-65E9-43D6-B80C-6CB81816A0A6}"/>
+              </a:ext>
+            </a:extLst>
+          </p:cNvPr>
+          <p:cNvSpPr txBox="1"/>
+          <p:nvPr/>
+        </p:nvSpPr>
+        <p:spPr>
+          <a:xfrm>
+            <a:off x="263410" y="2429883"/>
+            <a:ext cx="9075576" cy="1754326"/>
+          </a:xfrm>
+          <a:prstGeom prst="rect">
+            <a:avLst/>
+          </a:prstGeom>
+          <a:noFill/>
+        </p:spPr>
+        <p:txBody>
+          <a:bodyPr wrap="square" rtlCol="0">
+            <a:spAutoFit/>
+          </a:bodyPr>
+          <a:lstStyle/>
+          <a:p>
+            <a:pPr marL="285750" indent="-285750">
+              <a:buFont typeface="Arial" panose="020B0604020202020204" pitchFamily="34" charset="0"/>
+              <a:buChar char="•"/>
+            </a:pPr>
+            <a:r>
+              <a:rPr lang="en-US" dirty="0"/>
+              <a:t>To create a hyper heuristic agent that has been modified from the strengths and weaknesses found in different tree search techniques. </a:t>
+            </a:r>
+          </a:p>
+          <a:p>
+            <a:pPr marL="285750" indent="-285750">
+              <a:buFont typeface="Arial" panose="020B0604020202020204" pitchFamily="34" charset="0"/>
+              <a:buChar char="•"/>
+            </a:pPr>
+            <a:r>
+              <a:rPr lang="en-US" dirty="0"/>
+              <a:t>The strengths and weaknesses will be found by visualizing and analyzing the search space of a tree search algorithm. </a:t>
+            </a:r>
+          </a:p>
+          <a:p>
+            <a:pPr marL="285750" indent="-285750">
+              <a:buFont typeface="Arial" panose="020B0604020202020204" pitchFamily="34" charset="0"/>
+              <a:buChar char="•"/>
+            </a:pPr>
+            <a:r>
+              <a:rPr lang="en-US" dirty="0"/>
+              <a:t>Also by looking at how the scaling of different metrics within the competition frame work and seeing how they affect the performance of different agents.</a:t>
             </a:r>
             <a:endParaRPr lang="en-GB" dirty="0"/>
           </a:p>
@@ -3776,9 +3854,151 @@
           <a:p>
             <a:r>
               <a:rPr lang="en-US" dirty="0"/>
-              <a:t>What results have you obtained?</a:t>
-            </a:r>
-            <a:endParaRPr lang="en-GB" dirty="0"/>
+              <a:t>Basic Results:</a:t>
+            </a:r>
+          </a:p>
+        </p:txBody>
+      </p:sp>
+      <p:pic>
+        <p:nvPicPr>
+          <p:cNvPr id="3" name="Picture 2">
+            <a:extLst>
+              <a:ext uri="{FF2B5EF4-FFF2-40B4-BE49-F238E27FC236}">
+                <a16:creationId xmlns:a16="http://schemas.microsoft.com/office/drawing/2014/main" id="{332603B8-6CBE-4361-8DF7-96C49E91E2AE}"/>
+              </a:ext>
+            </a:extLst>
+          </p:cNvPr>
+          <p:cNvPicPr>
+            <a:picLocks noChangeAspect="1"/>
+          </p:cNvPicPr>
+          <p:nvPr/>
+        </p:nvPicPr>
+        <p:blipFill>
+          <a:blip r:embed="rId2">
+            <a:extLst>
+              <a:ext uri="{28A0092B-C50C-407E-A947-70E740481C1C}">
+                <a14:useLocalDpi xmlns:a14="http://schemas.microsoft.com/office/drawing/2010/main" val="0"/>
+              </a:ext>
+            </a:extLst>
+          </a:blip>
+          <a:stretch>
+            <a:fillRect/>
+          </a:stretch>
+        </p:blipFill>
+        <p:spPr>
+          <a:xfrm>
+            <a:off x="7275487" y="1692312"/>
+            <a:ext cx="4251230" cy="1437190"/>
+          </a:xfrm>
+          <a:prstGeom prst="rect">
+            <a:avLst/>
+          </a:prstGeom>
+        </p:spPr>
+      </p:pic>
+      <p:pic>
+        <p:nvPicPr>
+          <p:cNvPr id="6" name="Picture 5">
+            <a:extLst>
+              <a:ext uri="{FF2B5EF4-FFF2-40B4-BE49-F238E27FC236}">
+                <a16:creationId xmlns:a16="http://schemas.microsoft.com/office/drawing/2014/main" id="{1564A6E9-7BAF-439B-B923-0E74F6729408}"/>
+              </a:ext>
+            </a:extLst>
+          </p:cNvPr>
+          <p:cNvPicPr>
+            <a:picLocks noChangeAspect="1"/>
+          </p:cNvPicPr>
+          <p:nvPr/>
+        </p:nvPicPr>
+        <p:blipFill>
+          <a:blip r:embed="rId3">
+            <a:extLst>
+              <a:ext uri="{28A0092B-C50C-407E-A947-70E740481C1C}">
+                <a14:useLocalDpi xmlns:a14="http://schemas.microsoft.com/office/drawing/2010/main" val="0"/>
+              </a:ext>
+            </a:extLst>
+          </a:blip>
+          <a:stretch>
+            <a:fillRect/>
+          </a:stretch>
+        </p:blipFill>
+        <p:spPr>
+          <a:xfrm>
+            <a:off x="7442539" y="3164056"/>
+            <a:ext cx="4251230" cy="1437190"/>
+          </a:xfrm>
+          <a:prstGeom prst="rect">
+            <a:avLst/>
+          </a:prstGeom>
+        </p:spPr>
+      </p:pic>
+      <p:pic>
+        <p:nvPicPr>
+          <p:cNvPr id="8" name="Picture 7">
+            <a:extLst>
+              <a:ext uri="{FF2B5EF4-FFF2-40B4-BE49-F238E27FC236}">
+                <a16:creationId xmlns:a16="http://schemas.microsoft.com/office/drawing/2014/main" id="{CE6845B2-998D-49A6-8C6D-E6ADF187677D}"/>
+              </a:ext>
+            </a:extLst>
+          </p:cNvPr>
+          <p:cNvPicPr>
+            <a:picLocks noChangeAspect="1"/>
+          </p:cNvPicPr>
+          <p:nvPr/>
+        </p:nvPicPr>
+        <p:blipFill>
+          <a:blip r:embed="rId4">
+            <a:extLst>
+              <a:ext uri="{28A0092B-C50C-407E-A947-70E740481C1C}">
+                <a14:useLocalDpi xmlns:a14="http://schemas.microsoft.com/office/drawing/2010/main" val="0"/>
+              </a:ext>
+            </a:extLst>
+          </a:blip>
+          <a:stretch>
+            <a:fillRect/>
+          </a:stretch>
+        </p:blipFill>
+        <p:spPr>
+          <a:xfrm>
+            <a:off x="498231" y="3164056"/>
+            <a:ext cx="4175045" cy="2890416"/>
+          </a:xfrm>
+          <a:prstGeom prst="rect">
+            <a:avLst/>
+          </a:prstGeom>
+        </p:spPr>
+      </p:pic>
+      <p:sp>
+        <p:nvSpPr>
+          <p:cNvPr id="9" name="TextBox 8">
+            <a:extLst>
+              <a:ext uri="{FF2B5EF4-FFF2-40B4-BE49-F238E27FC236}">
+                <a16:creationId xmlns:a16="http://schemas.microsoft.com/office/drawing/2014/main" id="{D101D859-425D-4DB4-9169-08E18CFA6AC8}"/>
+              </a:ext>
+            </a:extLst>
+          </p:cNvPr>
+          <p:cNvSpPr txBox="1"/>
+          <p:nvPr/>
+        </p:nvSpPr>
+        <p:spPr>
+          <a:xfrm>
+            <a:off x="498231" y="2760170"/>
+            <a:ext cx="1877245" cy="369332"/>
+          </a:xfrm>
+          <a:prstGeom prst="rect">
+            <a:avLst/>
+          </a:prstGeom>
+          <a:noFill/>
+        </p:spPr>
+        <p:txBody>
+          <a:bodyPr wrap="none" rtlCol="0">
+            <a:spAutoFit/>
+          </a:bodyPr>
+          <a:lstStyle/>
+          <a:p>
+            <a:r>
+              <a:rPr lang="en-GB" dirty="0"/>
+              <a:t>One game played:</a:t>
+            </a:r>
           </a:p>
         </p:txBody>
       </p:sp>

--- a/Presentations/Findings Presentation/Findings.pptx
+++ b/Presentations/Findings Presentation/Findings.pptx
@@ -9,9 +9,10 @@
     <p:sldId id="257" r:id="rId3"/>
     <p:sldId id="258" r:id="rId4"/>
     <p:sldId id="259" r:id="rId5"/>
-    <p:sldId id="260" r:id="rId6"/>
-    <p:sldId id="261" r:id="rId7"/>
-    <p:sldId id="262" r:id="rId8"/>
+    <p:sldId id="263" r:id="rId6"/>
+    <p:sldId id="260" r:id="rId7"/>
+    <p:sldId id="261" r:id="rId8"/>
+    <p:sldId id="262" r:id="rId9"/>
   </p:sldIdLst>
   <p:sldSz cx="12192000" cy="6858000"/>
   <p:notesSz cx="6858000" cy="9144000"/>
@@ -3854,7 +3855,7 @@
           <a:p>
             <a:r>
               <a:rPr lang="en-US" dirty="0"/>
-              <a:t>Basic Results:</a:t>
+              <a:t>Current Results:</a:t>
             </a:r>
           </a:p>
         </p:txBody>
@@ -4002,6 +4003,42 @@
           </a:p>
         </p:txBody>
       </p:sp>
+      <p:pic>
+        <p:nvPicPr>
+          <p:cNvPr id="11" name="Picture 10">
+            <a:extLst>
+              <a:ext uri="{FF2B5EF4-FFF2-40B4-BE49-F238E27FC236}">
+                <a16:creationId xmlns:a16="http://schemas.microsoft.com/office/drawing/2014/main" id="{51D833BB-F252-4D74-95AA-0C3EFAB9D18E}"/>
+              </a:ext>
+            </a:extLst>
+          </p:cNvPr>
+          <p:cNvPicPr>
+            <a:picLocks noChangeAspect="1"/>
+          </p:cNvPicPr>
+          <p:nvPr/>
+        </p:nvPicPr>
+        <p:blipFill>
+          <a:blip r:embed="rId5">
+            <a:extLst>
+              <a:ext uri="{28A0092B-C50C-407E-A947-70E740481C1C}">
+                <a14:useLocalDpi xmlns:a14="http://schemas.microsoft.com/office/drawing/2010/main" val="0"/>
+              </a:ext>
+            </a:extLst>
+          </a:blip>
+          <a:stretch>
+            <a:fillRect/>
+          </a:stretch>
+        </p:blipFill>
+        <p:spPr>
+          <a:xfrm>
+            <a:off x="4999556" y="3129502"/>
+            <a:ext cx="3968598" cy="2913881"/>
+          </a:xfrm>
+          <a:prstGeom prst="rect">
+            <a:avLst/>
+          </a:prstGeom>
+        </p:spPr>
+      </p:pic>
     </p:spTree>
     <p:extLst>
       <p:ext uri="{BB962C8B-B14F-4D97-AF65-F5344CB8AC3E}">
@@ -4032,12 +4069,83 @@
           <a:chExt cx="0" cy="0"/>
         </a:xfrm>
       </p:grpSpPr>
-      <p:sp>
-        <p:nvSpPr>
-          <p:cNvPr id="4" name="TextBox 3">
-            <a:extLst>
-              <a:ext uri="{FF2B5EF4-FFF2-40B4-BE49-F238E27FC236}">
-                <a16:creationId xmlns:a16="http://schemas.microsoft.com/office/drawing/2014/main" id="{0D421A23-4C62-4BA8-BC69-FD7475CCFB27}"/>
+      <p:pic>
+        <p:nvPicPr>
+          <p:cNvPr id="8" name="Picture 7">
+            <a:extLst>
+              <a:ext uri="{FF2B5EF4-FFF2-40B4-BE49-F238E27FC236}">
+                <a16:creationId xmlns:a16="http://schemas.microsoft.com/office/drawing/2014/main" id="{0DA260D5-5FDB-4FB9-8EB9-1E47D52150EE}"/>
+              </a:ext>
+            </a:extLst>
+          </p:cNvPr>
+          <p:cNvPicPr>
+            <a:picLocks noChangeAspect="1"/>
+          </p:cNvPicPr>
+          <p:nvPr/>
+        </p:nvPicPr>
+        <p:blipFill>
+          <a:blip r:embed="rId2">
+            <a:extLst>
+              <a:ext uri="{28A0092B-C50C-407E-A947-70E740481C1C}">
+                <a14:useLocalDpi xmlns:a14="http://schemas.microsoft.com/office/drawing/2010/main" val="0"/>
+              </a:ext>
+            </a:extLst>
+          </a:blip>
+          <a:stretch>
+            <a:fillRect/>
+          </a:stretch>
+        </p:blipFill>
+        <p:spPr>
+          <a:xfrm>
+            <a:off x="1183695" y="2444261"/>
+            <a:ext cx="4512606" cy="3313310"/>
+          </a:xfrm>
+          <a:prstGeom prst="rect">
+            <a:avLst/>
+          </a:prstGeom>
+        </p:spPr>
+      </p:pic>
+      <p:sp>
+        <p:nvSpPr>
+          <p:cNvPr id="9" name="TextBox 8">
+            <a:extLst>
+              <a:ext uri="{FF2B5EF4-FFF2-40B4-BE49-F238E27FC236}">
+                <a16:creationId xmlns:a16="http://schemas.microsoft.com/office/drawing/2014/main" id="{B98A23F0-E5DC-4BF9-8070-445C2786466A}"/>
+              </a:ext>
+            </a:extLst>
+          </p:cNvPr>
+          <p:cNvSpPr txBox="1"/>
+          <p:nvPr/>
+        </p:nvSpPr>
+        <p:spPr>
+          <a:xfrm>
+            <a:off x="1857382" y="5965672"/>
+            <a:ext cx="3165232" cy="369332"/>
+          </a:xfrm>
+          <a:prstGeom prst="rect">
+            <a:avLst/>
+          </a:prstGeom>
+          <a:noFill/>
+        </p:spPr>
+        <p:txBody>
+          <a:bodyPr wrap="square" rtlCol="0">
+            <a:spAutoFit/>
+          </a:bodyPr>
+          <a:lstStyle/>
+          <a:p>
+            <a:r>
+              <a:rPr lang="en-US" dirty="0"/>
+              <a:t>OLMCTS controller / 10 Games</a:t>
+            </a:r>
+          </a:p>
+        </p:txBody>
+      </p:sp>
+      <p:sp>
+        <p:nvSpPr>
+          <p:cNvPr id="10" name="TextBox 9">
+            <a:extLst>
+              <a:ext uri="{FF2B5EF4-FFF2-40B4-BE49-F238E27FC236}">
+                <a16:creationId xmlns:a16="http://schemas.microsoft.com/office/drawing/2014/main" id="{43B34843-0FB6-4B20-9292-5A3A7135B975}"/>
               </a:ext>
             </a:extLst>
           </p:cNvPr>
@@ -4062,24 +4170,15 @@
           <a:p>
             <a:r>
               <a:rPr lang="en-US" dirty="0"/>
-              <a:t>How have you </a:t>
-            </a:r>
-            <a:r>
-              <a:rPr lang="en-US" dirty="0" err="1"/>
-              <a:t>analysed</a:t>
-            </a:r>
-            <a:r>
-              <a:rPr lang="en-US" dirty="0"/>
-              <a:t> and interpreted these results?</a:t>
-            </a:r>
-            <a:endParaRPr lang="en-GB" dirty="0"/>
+              <a:t>Current Results:</a:t>
+            </a:r>
           </a:p>
         </p:txBody>
       </p:sp>
     </p:spTree>
     <p:extLst>
       <p:ext uri="{BB962C8B-B14F-4D97-AF65-F5344CB8AC3E}">
-        <p14:creationId xmlns:p14="http://schemas.microsoft.com/office/powerpoint/2010/main" val="376911726"/>
+        <p14:creationId xmlns:p14="http://schemas.microsoft.com/office/powerpoint/2010/main" val="3204695554"/>
       </p:ext>
     </p:extLst>
   </p:cSld>
@@ -4136,6 +4235,72 @@
           <a:p>
             <a:r>
               <a:rPr lang="en-US" dirty="0"/>
+              <a:t>How have you analyzed and interpreted these results?</a:t>
+            </a:r>
+            <a:endParaRPr lang="en-GB" dirty="0"/>
+          </a:p>
+        </p:txBody>
+      </p:sp>
+    </p:spTree>
+    <p:extLst>
+      <p:ext uri="{BB962C8B-B14F-4D97-AF65-F5344CB8AC3E}">
+        <p14:creationId xmlns:p14="http://schemas.microsoft.com/office/powerpoint/2010/main" val="376911726"/>
+      </p:ext>
+    </p:extLst>
+  </p:cSld>
+  <p:clrMapOvr>
+    <a:masterClrMapping/>
+  </p:clrMapOvr>
+</p:sld>
+</file>
+
+<file path=ppt/slides/slide7.xml><?xml version="1.0" encoding="utf-8"?>
+<p:sld xmlns:a="http://schemas.openxmlformats.org/drawingml/2006/main" xmlns:r="http://schemas.openxmlformats.org/officeDocument/2006/relationships" xmlns:p="http://schemas.openxmlformats.org/presentationml/2006/main">
+  <p:cSld>
+    <p:spTree>
+      <p:nvGrpSpPr>
+        <p:cNvPr id="1" name=""/>
+        <p:cNvGrpSpPr/>
+        <p:nvPr/>
+      </p:nvGrpSpPr>
+      <p:grpSpPr>
+        <a:xfrm>
+          <a:off x="0" y="0"/>
+          <a:ext cx="0" cy="0"/>
+          <a:chOff x="0" y="0"/>
+          <a:chExt cx="0" cy="0"/>
+        </a:xfrm>
+      </p:grpSpPr>
+      <p:sp>
+        <p:nvSpPr>
+          <p:cNvPr id="4" name="TextBox 3">
+            <a:extLst>
+              <a:ext uri="{FF2B5EF4-FFF2-40B4-BE49-F238E27FC236}">
+                <a16:creationId xmlns:a16="http://schemas.microsoft.com/office/drawing/2014/main" id="{0D421A23-4C62-4BA8-BC69-FD7475CCFB27}"/>
+              </a:ext>
+            </a:extLst>
+          </p:cNvPr>
+          <p:cNvSpPr txBox="1"/>
+          <p:nvPr/>
+        </p:nvSpPr>
+        <p:spPr>
+          <a:xfrm>
+            <a:off x="298579" y="230157"/>
+            <a:ext cx="7564017" cy="369332"/>
+          </a:xfrm>
+          <a:prstGeom prst="rect">
+            <a:avLst/>
+          </a:prstGeom>
+          <a:noFill/>
+        </p:spPr>
+        <p:txBody>
+          <a:bodyPr wrap="square" rtlCol="0">
+            <a:spAutoFit/>
+          </a:bodyPr>
+          <a:lstStyle/>
+          <a:p>
+            <a:r>
+              <a:rPr lang="en-US" dirty="0"/>
               <a:t>What are you likely to conclude on the basis of this research?</a:t>
             </a:r>
             <a:endParaRPr lang="en-GB" dirty="0"/>
@@ -4155,7 +4320,7 @@
 </p:sld>
 </file>
 
-<file path=ppt/slides/slide7.xml><?xml version="1.0" encoding="utf-8"?>
+<file path=ppt/slides/slide8.xml><?xml version="1.0" encoding="utf-8"?>
 <p:sld xmlns:a="http://schemas.openxmlformats.org/drawingml/2006/main" xmlns:r="http://schemas.openxmlformats.org/officeDocument/2006/relationships" xmlns:p="http://schemas.openxmlformats.org/presentationml/2006/main">
   <p:cSld>
     <p:spTree>

--- a/Presentations/Findings Presentation/Findings.pptx
+++ b/Presentations/Findings Presentation/Findings.pptx
@@ -10,9 +10,10 @@
     <p:sldId id="258" r:id="rId4"/>
     <p:sldId id="259" r:id="rId5"/>
     <p:sldId id="263" r:id="rId6"/>
-    <p:sldId id="260" r:id="rId7"/>
-    <p:sldId id="261" r:id="rId8"/>
-    <p:sldId id="262" r:id="rId9"/>
+    <p:sldId id="264" r:id="rId7"/>
+    <p:sldId id="260" r:id="rId8"/>
+    <p:sldId id="261" r:id="rId9"/>
+    <p:sldId id="262" r:id="rId10"/>
   </p:sldIdLst>
   <p:sldSz cx="12192000" cy="6858000"/>
   <p:notesSz cx="6858000" cy="9144000"/>
@@ -3493,7 +3494,7 @@
           <a:p>
             <a:r>
               <a:rPr lang="en-GB" dirty="0"/>
-              <a:t>Does  </a:t>
+              <a:t>What is the most effective modification to MCTS</a:t>
             </a:r>
           </a:p>
         </p:txBody>
@@ -3748,50 +3749,6 @@
               <a:t>Why have you applied particular methods in seeking answers to these questions?</a:t>
             </a:r>
             <a:endParaRPr lang="en-GB" dirty="0"/>
-          </a:p>
-        </p:txBody>
-      </p:sp>
-      <p:sp>
-        <p:nvSpPr>
-          <p:cNvPr id="3" name="TextBox 2">
-            <a:extLst>
-              <a:ext uri="{FF2B5EF4-FFF2-40B4-BE49-F238E27FC236}">
-                <a16:creationId xmlns:a16="http://schemas.microsoft.com/office/drawing/2014/main" id="{E01AB5AA-4354-4F08-B5DC-4E20D3508EF4}"/>
-              </a:ext>
-            </a:extLst>
-          </p:cNvPr>
-          <p:cNvSpPr txBox="1"/>
-          <p:nvPr/>
-        </p:nvSpPr>
-        <p:spPr>
-          <a:xfrm>
-            <a:off x="298579" y="1615129"/>
-            <a:ext cx="9075576" cy="923330"/>
-          </a:xfrm>
-          <a:prstGeom prst="rect">
-            <a:avLst/>
-          </a:prstGeom>
-          <a:noFill/>
-        </p:spPr>
-        <p:txBody>
-          <a:bodyPr wrap="square" rtlCol="0">
-            <a:spAutoFit/>
-          </a:bodyPr>
-          <a:lstStyle/>
-          <a:p>
-            <a:r>
-              <a:rPr lang="en-GB" dirty="0"/>
-              <a:t>Methods:</a:t>
-            </a:r>
-          </a:p>
-          <a:p>
-            <a:endParaRPr lang="en-GB" dirty="0"/>
-          </a:p>
-          <a:p>
-            <a:r>
-              <a:rPr lang="en-GB" dirty="0"/>
-              <a:t>Abduction, Induction, Deduction</a:t>
-            </a:r>
           </a:p>
         </p:txBody>
       </p:sp>
@@ -4069,12 +4026,82 @@
           <a:chExt cx="0" cy="0"/>
         </a:xfrm>
       </p:grpSpPr>
+      <p:sp>
+        <p:nvSpPr>
+          <p:cNvPr id="9" name="TextBox 8">
+            <a:extLst>
+              <a:ext uri="{FF2B5EF4-FFF2-40B4-BE49-F238E27FC236}">
+                <a16:creationId xmlns:a16="http://schemas.microsoft.com/office/drawing/2014/main" id="{B98A23F0-E5DC-4BF9-8070-445C2786466A}"/>
+              </a:ext>
+            </a:extLst>
+          </p:cNvPr>
+          <p:cNvSpPr txBox="1"/>
+          <p:nvPr/>
+        </p:nvSpPr>
+        <p:spPr>
+          <a:xfrm>
+            <a:off x="370369" y="3578298"/>
+            <a:ext cx="3607053" cy="369332"/>
+          </a:xfrm>
+          <a:prstGeom prst="rect">
+            <a:avLst/>
+          </a:prstGeom>
+          <a:noFill/>
+        </p:spPr>
+        <p:txBody>
+          <a:bodyPr wrap="square" rtlCol="0">
+            <a:spAutoFit/>
+          </a:bodyPr>
+          <a:lstStyle/>
+          <a:p>
+            <a:r>
+              <a:rPr lang="en-US" dirty="0"/>
+              <a:t>OLMCTS controller after 10 Games</a:t>
+            </a:r>
+          </a:p>
+        </p:txBody>
+      </p:sp>
+      <p:sp>
+        <p:nvSpPr>
+          <p:cNvPr id="10" name="TextBox 9">
+            <a:extLst>
+              <a:ext uri="{FF2B5EF4-FFF2-40B4-BE49-F238E27FC236}">
+                <a16:creationId xmlns:a16="http://schemas.microsoft.com/office/drawing/2014/main" id="{43B34843-0FB6-4B20-9292-5A3A7135B975}"/>
+              </a:ext>
+            </a:extLst>
+          </p:cNvPr>
+          <p:cNvSpPr txBox="1"/>
+          <p:nvPr/>
+        </p:nvSpPr>
+        <p:spPr>
+          <a:xfrm>
+            <a:off x="298579" y="201579"/>
+            <a:ext cx="7564017" cy="523220"/>
+          </a:xfrm>
+          <a:prstGeom prst="rect">
+            <a:avLst/>
+          </a:prstGeom>
+          <a:noFill/>
+        </p:spPr>
+        <p:txBody>
+          <a:bodyPr wrap="square" rtlCol="0">
+            <a:spAutoFit/>
+          </a:bodyPr>
+          <a:lstStyle/>
+          <a:p>
+            <a:r>
+              <a:rPr lang="en-US" sz="2800" b="1" dirty="0"/>
+              <a:t>Current Results:</a:t>
+            </a:r>
+          </a:p>
+        </p:txBody>
+      </p:sp>
       <p:pic>
         <p:nvPicPr>
-          <p:cNvPr id="8" name="Picture 7">
-            <a:extLst>
-              <a:ext uri="{FF2B5EF4-FFF2-40B4-BE49-F238E27FC236}">
-                <a16:creationId xmlns:a16="http://schemas.microsoft.com/office/drawing/2014/main" id="{0DA260D5-5FDB-4FB9-8EB9-1E47D52150EE}"/>
+          <p:cNvPr id="3" name="Picture 2">
+            <a:extLst>
+              <a:ext uri="{FF2B5EF4-FFF2-40B4-BE49-F238E27FC236}">
+                <a16:creationId xmlns:a16="http://schemas.microsoft.com/office/drawing/2014/main" id="{EED427F1-8E74-4EDF-AB39-779E478FB614}"/>
               </a:ext>
             </a:extLst>
           </p:cNvPr>
@@ -4097,20 +4124,56 @@
         </p:blipFill>
         <p:spPr>
           <a:xfrm>
-            <a:off x="1183695" y="2444261"/>
-            <a:ext cx="4512606" cy="3313310"/>
+            <a:off x="4399630" y="1118119"/>
+            <a:ext cx="3392737" cy="2348818"/>
           </a:xfrm>
           <a:prstGeom prst="rect">
             <a:avLst/>
           </a:prstGeom>
         </p:spPr>
       </p:pic>
-      <p:sp>
-        <p:nvSpPr>
-          <p:cNvPr id="9" name="TextBox 8">
-            <a:extLst>
-              <a:ext uri="{FF2B5EF4-FFF2-40B4-BE49-F238E27FC236}">
-                <a16:creationId xmlns:a16="http://schemas.microsoft.com/office/drawing/2014/main" id="{B98A23F0-E5DC-4BF9-8070-445C2786466A}"/>
+      <p:pic>
+        <p:nvPicPr>
+          <p:cNvPr id="5" name="Picture 4">
+            <a:extLst>
+              <a:ext uri="{FF2B5EF4-FFF2-40B4-BE49-F238E27FC236}">
+                <a16:creationId xmlns:a16="http://schemas.microsoft.com/office/drawing/2014/main" id="{F8E7D04A-91C8-4931-A83C-EB2970E09002}"/>
+              </a:ext>
+            </a:extLst>
+          </p:cNvPr>
+          <p:cNvPicPr>
+            <a:picLocks noChangeAspect="1"/>
+          </p:cNvPicPr>
+          <p:nvPr/>
+        </p:nvPicPr>
+        <p:blipFill>
+          <a:blip r:embed="rId3">
+            <a:extLst>
+              <a:ext uri="{28A0092B-C50C-407E-A947-70E740481C1C}">
+                <a14:useLocalDpi xmlns:a14="http://schemas.microsoft.com/office/drawing/2010/main" val="0"/>
+              </a:ext>
+            </a:extLst>
+          </a:blip>
+          <a:stretch>
+            <a:fillRect/>
+          </a:stretch>
+        </p:blipFill>
+        <p:spPr>
+          <a:xfrm>
+            <a:off x="370369" y="1118119"/>
+            <a:ext cx="3392737" cy="2348818"/>
+          </a:xfrm>
+          <a:prstGeom prst="rect">
+            <a:avLst/>
+          </a:prstGeom>
+        </p:spPr>
+      </p:pic>
+      <p:sp>
+        <p:nvSpPr>
+          <p:cNvPr id="11" name="TextBox 10">
+            <a:extLst>
+              <a:ext uri="{FF2B5EF4-FFF2-40B4-BE49-F238E27FC236}">
+                <a16:creationId xmlns:a16="http://schemas.microsoft.com/office/drawing/2014/main" id="{A39BBDF7-E670-4C9D-9FBB-ACA0CFA46BC0}"/>
               </a:ext>
             </a:extLst>
           </p:cNvPr>
@@ -4119,7 +4182,7 @@
         </p:nvSpPr>
         <p:spPr>
           <a:xfrm>
-            <a:off x="1857382" y="5965672"/>
+            <a:off x="4513383" y="3578298"/>
             <a:ext cx="3165232" cy="369332"/>
           </a:xfrm>
           <a:prstGeom prst="rect">
@@ -4135,17 +4198,53 @@
           <a:p>
             <a:r>
               <a:rPr lang="en-US" dirty="0"/>
-              <a:t>OLMCTS controller / 10 Games</a:t>
-            </a:r>
-          </a:p>
-        </p:txBody>
-      </p:sp>
-      <p:sp>
-        <p:nvSpPr>
-          <p:cNvPr id="10" name="TextBox 9">
-            <a:extLst>
-              <a:ext uri="{FF2B5EF4-FFF2-40B4-BE49-F238E27FC236}">
-                <a16:creationId xmlns:a16="http://schemas.microsoft.com/office/drawing/2014/main" id="{43B34843-0FB6-4B20-9292-5A3A7135B975}"/>
+              <a:t>MCTS controller after 10 Games</a:t>
+            </a:r>
+          </a:p>
+        </p:txBody>
+      </p:sp>
+      <p:pic>
+        <p:nvPicPr>
+          <p:cNvPr id="7" name="Picture 6">
+            <a:extLst>
+              <a:ext uri="{FF2B5EF4-FFF2-40B4-BE49-F238E27FC236}">
+                <a16:creationId xmlns:a16="http://schemas.microsoft.com/office/drawing/2014/main" id="{A45A19D7-89FC-4155-86BC-8A343C9B4936}"/>
+              </a:ext>
+            </a:extLst>
+          </p:cNvPr>
+          <p:cNvPicPr>
+            <a:picLocks noChangeAspect="1"/>
+          </p:cNvPicPr>
+          <p:nvPr/>
+        </p:nvPicPr>
+        <p:blipFill>
+          <a:blip r:embed="rId4">
+            <a:extLst>
+              <a:ext uri="{28A0092B-C50C-407E-A947-70E740481C1C}">
+                <a14:useLocalDpi xmlns:a14="http://schemas.microsoft.com/office/drawing/2010/main" val="0"/>
+              </a:ext>
+            </a:extLst>
+          </a:blip>
+          <a:stretch>
+            <a:fillRect/>
+          </a:stretch>
+        </p:blipFill>
+        <p:spPr>
+          <a:xfrm>
+            <a:off x="8428891" y="1118119"/>
+            <a:ext cx="3392736" cy="2348818"/>
+          </a:xfrm>
+          <a:prstGeom prst="rect">
+            <a:avLst/>
+          </a:prstGeom>
+        </p:spPr>
+      </p:pic>
+      <p:sp>
+        <p:nvSpPr>
+          <p:cNvPr id="12" name="TextBox 11">
+            <a:extLst>
+              <a:ext uri="{FF2B5EF4-FFF2-40B4-BE49-F238E27FC236}">
+                <a16:creationId xmlns:a16="http://schemas.microsoft.com/office/drawing/2014/main" id="{57E24049-FFEB-4DDE-AF0C-CA13C7E91B35}"/>
               </a:ext>
             </a:extLst>
           </p:cNvPr>
@@ -4154,8 +4253,8 @@
         </p:nvSpPr>
         <p:spPr>
           <a:xfrm>
-            <a:off x="298579" y="230157"/>
-            <a:ext cx="7564017" cy="369332"/>
+            <a:off x="8343899" y="3578298"/>
+            <a:ext cx="3477728" cy="369332"/>
           </a:xfrm>
           <a:prstGeom prst="rect">
             <a:avLst/>
@@ -4169,12 +4268,230 @@
           <a:lstStyle/>
           <a:p>
             <a:r>
+              <a:rPr lang="en-US" dirty="0" err="1"/>
+              <a:t>FlatMCTS</a:t>
+            </a:r>
+            <a:r>
               <a:rPr lang="en-US" dirty="0"/>
-              <a:t>Current Results:</a:t>
-            </a:r>
-          </a:p>
-        </p:txBody>
-      </p:sp>
+              <a:t> controller after 10 games</a:t>
+            </a:r>
+          </a:p>
+        </p:txBody>
+      </p:sp>
+      <p:sp>
+        <p:nvSpPr>
+          <p:cNvPr id="13" name="TextBox 12">
+            <a:extLst>
+              <a:ext uri="{FF2B5EF4-FFF2-40B4-BE49-F238E27FC236}">
+                <a16:creationId xmlns:a16="http://schemas.microsoft.com/office/drawing/2014/main" id="{222EAFA0-527C-44E1-B7A1-277C8C2142E7}"/>
+              </a:ext>
+            </a:extLst>
+          </p:cNvPr>
+          <p:cNvSpPr txBox="1"/>
+          <p:nvPr/>
+        </p:nvSpPr>
+        <p:spPr>
+          <a:xfrm>
+            <a:off x="298579" y="728752"/>
+            <a:ext cx="3607053" cy="369332"/>
+          </a:xfrm>
+          <a:prstGeom prst="rect">
+            <a:avLst/>
+          </a:prstGeom>
+          <a:noFill/>
+        </p:spPr>
+        <p:txBody>
+          <a:bodyPr wrap="square" rtlCol="0">
+            <a:spAutoFit/>
+          </a:bodyPr>
+          <a:lstStyle/>
+          <a:p>
+            <a:r>
+              <a:rPr lang="en-US" dirty="0"/>
+              <a:t>Different MCTS variations:</a:t>
+            </a:r>
+          </a:p>
+        </p:txBody>
+      </p:sp>
+      <p:sp>
+        <p:nvSpPr>
+          <p:cNvPr id="14" name="TextBox 13">
+            <a:extLst>
+              <a:ext uri="{FF2B5EF4-FFF2-40B4-BE49-F238E27FC236}">
+                <a16:creationId xmlns:a16="http://schemas.microsoft.com/office/drawing/2014/main" id="{98C36839-4ACD-4B97-8391-835246893FC0}"/>
+              </a:ext>
+            </a:extLst>
+          </p:cNvPr>
+          <p:cNvSpPr txBox="1"/>
+          <p:nvPr/>
+        </p:nvSpPr>
+        <p:spPr>
+          <a:xfrm>
+            <a:off x="370368" y="3933500"/>
+            <a:ext cx="3607053" cy="461665"/>
+          </a:xfrm>
+          <a:prstGeom prst="rect">
+            <a:avLst/>
+          </a:prstGeom>
+          <a:noFill/>
+        </p:spPr>
+        <p:txBody>
+          <a:bodyPr wrap="square" rtlCol="0">
+            <a:spAutoFit/>
+          </a:bodyPr>
+          <a:lstStyle/>
+          <a:p>
+            <a:r>
+              <a:rPr lang="en-US" sz="2400" b="1" dirty="0"/>
+              <a:t>Others</a:t>
+            </a:r>
+          </a:p>
+        </p:txBody>
+      </p:sp>
+      <p:pic>
+        <p:nvPicPr>
+          <p:cNvPr id="18" name="Picture 17">
+            <a:extLst>
+              <a:ext uri="{FF2B5EF4-FFF2-40B4-BE49-F238E27FC236}">
+                <a16:creationId xmlns:a16="http://schemas.microsoft.com/office/drawing/2014/main" id="{DA99B19B-4A0E-4BAB-B4BC-6C9371BBFA6F}"/>
+              </a:ext>
+            </a:extLst>
+          </p:cNvPr>
+          <p:cNvPicPr>
+            <a:picLocks noChangeAspect="1"/>
+          </p:cNvPicPr>
+          <p:nvPr/>
+        </p:nvPicPr>
+        <p:blipFill>
+          <a:blip r:embed="rId5">
+            <a:extLst>
+              <a:ext uri="{28A0092B-C50C-407E-A947-70E740481C1C}">
+                <a14:useLocalDpi xmlns:a14="http://schemas.microsoft.com/office/drawing/2010/main" val="0"/>
+              </a:ext>
+            </a:extLst>
+          </a:blip>
+          <a:stretch>
+            <a:fillRect/>
+          </a:stretch>
+        </p:blipFill>
+        <p:spPr>
+          <a:xfrm>
+            <a:off x="1764049" y="4540818"/>
+            <a:ext cx="3238774" cy="2242228"/>
+          </a:xfrm>
+          <a:prstGeom prst="rect">
+            <a:avLst/>
+          </a:prstGeom>
+        </p:spPr>
+      </p:pic>
+      <p:sp>
+        <p:nvSpPr>
+          <p:cNvPr id="19" name="TextBox 18">
+            <a:extLst>
+              <a:ext uri="{FF2B5EF4-FFF2-40B4-BE49-F238E27FC236}">
+                <a16:creationId xmlns:a16="http://schemas.microsoft.com/office/drawing/2014/main" id="{E4901FBB-0928-4676-A091-43880D844110}"/>
+              </a:ext>
+            </a:extLst>
+          </p:cNvPr>
+          <p:cNvSpPr txBox="1"/>
+          <p:nvPr/>
+        </p:nvSpPr>
+        <p:spPr>
+          <a:xfrm>
+            <a:off x="1764050" y="4141232"/>
+            <a:ext cx="3238774" cy="369332"/>
+          </a:xfrm>
+          <a:prstGeom prst="rect">
+            <a:avLst/>
+          </a:prstGeom>
+          <a:noFill/>
+        </p:spPr>
+        <p:txBody>
+          <a:bodyPr wrap="square" rtlCol="0">
+            <a:spAutoFit/>
+          </a:bodyPr>
+          <a:lstStyle/>
+          <a:p>
+            <a:pPr algn="ctr"/>
+            <a:r>
+              <a:rPr lang="en-US" dirty="0"/>
+              <a:t>Random</a:t>
+            </a:r>
+          </a:p>
+        </p:txBody>
+      </p:sp>
+      <p:sp>
+        <p:nvSpPr>
+          <p:cNvPr id="20" name="TextBox 19">
+            <a:extLst>
+              <a:ext uri="{FF2B5EF4-FFF2-40B4-BE49-F238E27FC236}">
+                <a16:creationId xmlns:a16="http://schemas.microsoft.com/office/drawing/2014/main" id="{FE29109A-54C2-41B5-B536-C658373175B6}"/>
+              </a:ext>
+            </a:extLst>
+          </p:cNvPr>
+          <p:cNvSpPr txBox="1"/>
+          <p:nvPr/>
+        </p:nvSpPr>
+        <p:spPr>
+          <a:xfrm>
+            <a:off x="6595194" y="4075587"/>
+            <a:ext cx="3238774" cy="369332"/>
+          </a:xfrm>
+          <a:prstGeom prst="rect">
+            <a:avLst/>
+          </a:prstGeom>
+          <a:noFill/>
+        </p:spPr>
+        <p:txBody>
+          <a:bodyPr wrap="square" rtlCol="0">
+            <a:spAutoFit/>
+          </a:bodyPr>
+          <a:lstStyle/>
+          <a:p>
+            <a:pPr algn="ctr"/>
+            <a:r>
+              <a:rPr lang="en-US" dirty="0"/>
+              <a:t>OSLA(One Step Look Ahead)</a:t>
+            </a:r>
+          </a:p>
+        </p:txBody>
+      </p:sp>
+      <p:pic>
+        <p:nvPicPr>
+          <p:cNvPr id="22" name="Picture 21">
+            <a:extLst>
+              <a:ext uri="{FF2B5EF4-FFF2-40B4-BE49-F238E27FC236}">
+                <a16:creationId xmlns:a16="http://schemas.microsoft.com/office/drawing/2014/main" id="{AB951F74-8989-400C-AD0D-EB7D2CCE7E8E}"/>
+              </a:ext>
+            </a:extLst>
+          </p:cNvPr>
+          <p:cNvPicPr>
+            <a:picLocks noChangeAspect="1"/>
+          </p:cNvPicPr>
+          <p:nvPr/>
+        </p:nvPicPr>
+        <p:blipFill>
+          <a:blip r:embed="rId6">
+            <a:extLst>
+              <a:ext uri="{28A0092B-C50C-407E-A947-70E740481C1C}">
+                <a14:useLocalDpi xmlns:a14="http://schemas.microsoft.com/office/drawing/2010/main" val="0"/>
+              </a:ext>
+            </a:extLst>
+          </a:blip>
+          <a:stretch>
+            <a:fillRect/>
+          </a:stretch>
+        </p:blipFill>
+        <p:spPr>
+          <a:xfrm>
+            <a:off x="6724512" y="4540818"/>
+            <a:ext cx="3238774" cy="2242229"/>
+          </a:xfrm>
+          <a:prstGeom prst="rect">
+            <a:avLst/>
+          </a:prstGeom>
+        </p:spPr>
+      </p:pic>
     </p:spTree>
     <p:extLst>
       <p:ext uri="{BB962C8B-B14F-4D97-AF65-F5344CB8AC3E}">
@@ -4205,12 +4522,48 @@
           <a:chExt cx="0" cy="0"/>
         </a:xfrm>
       </p:grpSpPr>
-      <p:sp>
-        <p:nvSpPr>
-          <p:cNvPr id="4" name="TextBox 3">
-            <a:extLst>
-              <a:ext uri="{FF2B5EF4-FFF2-40B4-BE49-F238E27FC236}">
-                <a16:creationId xmlns:a16="http://schemas.microsoft.com/office/drawing/2014/main" id="{0D421A23-4C62-4BA8-BC69-FD7475CCFB27}"/>
+      <p:pic>
+        <p:nvPicPr>
+          <p:cNvPr id="7" name="Picture 6">
+            <a:extLst>
+              <a:ext uri="{FF2B5EF4-FFF2-40B4-BE49-F238E27FC236}">
+                <a16:creationId xmlns:a16="http://schemas.microsoft.com/office/drawing/2014/main" id="{30C4C06C-A57F-4D51-9D46-7A716E264E60}"/>
+              </a:ext>
+            </a:extLst>
+          </p:cNvPr>
+          <p:cNvPicPr>
+            <a:picLocks noChangeAspect="1"/>
+          </p:cNvPicPr>
+          <p:nvPr/>
+        </p:nvPicPr>
+        <p:blipFill>
+          <a:blip r:embed="rId2">
+            <a:extLst>
+              <a:ext uri="{28A0092B-C50C-407E-A947-70E740481C1C}">
+                <a14:useLocalDpi xmlns:a14="http://schemas.microsoft.com/office/drawing/2010/main" val="0"/>
+              </a:ext>
+            </a:extLst>
+          </a:blip>
+          <a:stretch>
+            <a:fillRect/>
+          </a:stretch>
+        </p:blipFill>
+        <p:spPr>
+          <a:xfrm>
+            <a:off x="1127614" y="1943100"/>
+            <a:ext cx="3959225" cy="2741002"/>
+          </a:xfrm>
+          <a:prstGeom prst="rect">
+            <a:avLst/>
+          </a:prstGeom>
+        </p:spPr>
+      </p:pic>
+      <p:sp>
+        <p:nvSpPr>
+          <p:cNvPr id="8" name="TextBox 7">
+            <a:extLst>
+              <a:ext uri="{FF2B5EF4-FFF2-40B4-BE49-F238E27FC236}">
+                <a16:creationId xmlns:a16="http://schemas.microsoft.com/office/drawing/2014/main" id="{29446C98-7362-4E61-8F46-FB66422410D2}"/>
               </a:ext>
             </a:extLst>
           </p:cNvPr>
@@ -4219,8 +4572,8 @@
         </p:nvSpPr>
         <p:spPr>
           <a:xfrm>
-            <a:off x="298579" y="230157"/>
-            <a:ext cx="7564017" cy="369332"/>
+            <a:off x="1091340" y="6025280"/>
+            <a:ext cx="3607053" cy="369332"/>
           </a:xfrm>
           <a:prstGeom prst="rect">
             <a:avLst/>
@@ -4235,16 +4588,50 @@
           <a:p>
             <a:r>
               <a:rPr lang="en-US" dirty="0"/>
-              <a:t>How have you analyzed and interpreted these results?</a:t>
-            </a:r>
-            <a:endParaRPr lang="en-GB" dirty="0"/>
+              <a:t>Random controller after 10 Games</a:t>
+            </a:r>
+          </a:p>
+        </p:txBody>
+      </p:sp>
+      <p:sp>
+        <p:nvSpPr>
+          <p:cNvPr id="9" name="TextBox 8">
+            <a:extLst>
+              <a:ext uri="{FF2B5EF4-FFF2-40B4-BE49-F238E27FC236}">
+                <a16:creationId xmlns:a16="http://schemas.microsoft.com/office/drawing/2014/main" id="{79FFED36-85A3-48DB-91A0-280C3BBAD323}"/>
+              </a:ext>
+            </a:extLst>
+          </p:cNvPr>
+          <p:cNvSpPr txBox="1"/>
+          <p:nvPr/>
+        </p:nvSpPr>
+        <p:spPr>
+          <a:xfrm>
+            <a:off x="7782291" y="5851412"/>
+            <a:ext cx="3165232" cy="369332"/>
+          </a:xfrm>
+          <a:prstGeom prst="rect">
+            <a:avLst/>
+          </a:prstGeom>
+          <a:noFill/>
+        </p:spPr>
+        <p:txBody>
+          <a:bodyPr wrap="square" rtlCol="0">
+            <a:spAutoFit/>
+          </a:bodyPr>
+          <a:lstStyle/>
+          <a:p>
+            <a:r>
+              <a:rPr lang="en-US" dirty="0"/>
+              <a:t>MCTS controller after 10 Games</a:t>
+            </a:r>
           </a:p>
         </p:txBody>
       </p:sp>
     </p:spTree>
     <p:extLst>
       <p:ext uri="{BB962C8B-B14F-4D97-AF65-F5344CB8AC3E}">
-        <p14:creationId xmlns:p14="http://schemas.microsoft.com/office/powerpoint/2010/main" val="376911726"/>
+        <p14:creationId xmlns:p14="http://schemas.microsoft.com/office/powerpoint/2010/main" val="1236290162"/>
       </p:ext>
     </p:extLst>
   </p:cSld>
@@ -4301,6 +4688,72 @@
           <a:p>
             <a:r>
               <a:rPr lang="en-US" dirty="0"/>
+              <a:t>How have you analyzed and interpreted these results?</a:t>
+            </a:r>
+            <a:endParaRPr lang="en-GB" dirty="0"/>
+          </a:p>
+        </p:txBody>
+      </p:sp>
+    </p:spTree>
+    <p:extLst>
+      <p:ext uri="{BB962C8B-B14F-4D97-AF65-F5344CB8AC3E}">
+        <p14:creationId xmlns:p14="http://schemas.microsoft.com/office/powerpoint/2010/main" val="376911726"/>
+      </p:ext>
+    </p:extLst>
+  </p:cSld>
+  <p:clrMapOvr>
+    <a:masterClrMapping/>
+  </p:clrMapOvr>
+</p:sld>
+</file>
+
+<file path=ppt/slides/slide8.xml><?xml version="1.0" encoding="utf-8"?>
+<p:sld xmlns:a="http://schemas.openxmlformats.org/drawingml/2006/main" xmlns:r="http://schemas.openxmlformats.org/officeDocument/2006/relationships" xmlns:p="http://schemas.openxmlformats.org/presentationml/2006/main">
+  <p:cSld>
+    <p:spTree>
+      <p:nvGrpSpPr>
+        <p:cNvPr id="1" name=""/>
+        <p:cNvGrpSpPr/>
+        <p:nvPr/>
+      </p:nvGrpSpPr>
+      <p:grpSpPr>
+        <a:xfrm>
+          <a:off x="0" y="0"/>
+          <a:ext cx="0" cy="0"/>
+          <a:chOff x="0" y="0"/>
+          <a:chExt cx="0" cy="0"/>
+        </a:xfrm>
+      </p:grpSpPr>
+      <p:sp>
+        <p:nvSpPr>
+          <p:cNvPr id="4" name="TextBox 3">
+            <a:extLst>
+              <a:ext uri="{FF2B5EF4-FFF2-40B4-BE49-F238E27FC236}">
+                <a16:creationId xmlns:a16="http://schemas.microsoft.com/office/drawing/2014/main" id="{0D421A23-4C62-4BA8-BC69-FD7475CCFB27}"/>
+              </a:ext>
+            </a:extLst>
+          </p:cNvPr>
+          <p:cNvSpPr txBox="1"/>
+          <p:nvPr/>
+        </p:nvSpPr>
+        <p:spPr>
+          <a:xfrm>
+            <a:off x="298579" y="230157"/>
+            <a:ext cx="7564017" cy="369332"/>
+          </a:xfrm>
+          <a:prstGeom prst="rect">
+            <a:avLst/>
+          </a:prstGeom>
+          <a:noFill/>
+        </p:spPr>
+        <p:txBody>
+          <a:bodyPr wrap="square" rtlCol="0">
+            <a:spAutoFit/>
+          </a:bodyPr>
+          <a:lstStyle/>
+          <a:p>
+            <a:r>
+              <a:rPr lang="en-US" dirty="0"/>
               <a:t>What are you likely to conclude on the basis of this research?</a:t>
             </a:r>
             <a:endParaRPr lang="en-GB" dirty="0"/>
@@ -4320,7 +4773,7 @@
 </p:sld>
 </file>
 
-<file path=ppt/slides/slide8.xml><?xml version="1.0" encoding="utf-8"?>
+<file path=ppt/slides/slide9.xml><?xml version="1.0" encoding="utf-8"?>
 <p:sld xmlns:a="http://schemas.openxmlformats.org/drawingml/2006/main" xmlns:r="http://schemas.openxmlformats.org/officeDocument/2006/relationships" xmlns:p="http://schemas.openxmlformats.org/presentationml/2006/main">
   <p:cSld>
     <p:spTree>

--- a/Presentations/Findings Presentation/Findings.pptx
+++ b/Presentations/Findings Presentation/Findings.pptx
@@ -3370,7 +3370,7 @@
         <p:spPr>
           <a:xfrm>
             <a:off x="298579" y="230157"/>
-            <a:ext cx="7564017" cy="646331"/>
+            <a:ext cx="7564017" cy="369332"/>
           </a:xfrm>
           <a:prstGeom prst="rect">
             <a:avLst/>
@@ -3385,7 +3385,7 @@
           <a:p>
             <a:r>
               <a:rPr lang="en-US" dirty="0"/>
-              <a:t>What is (are) the key research question(s) that you will seek to answer in your project? </a:t>
+              <a:t>Project Research Questions:</a:t>
             </a:r>
             <a:endParaRPr lang="en-GB" dirty="0"/>
           </a:p>
@@ -3405,8 +3405,8 @@
         </p:nvSpPr>
         <p:spPr>
           <a:xfrm>
-            <a:off x="298579" y="1198736"/>
-            <a:ext cx="9075576" cy="1200329"/>
+            <a:off x="298579" y="912597"/>
+            <a:ext cx="9075576" cy="1477328"/>
           </a:xfrm>
           <a:prstGeom prst="rect">
             <a:avLst/>
@@ -3444,7 +3444,17 @@
             </a:pPr>
             <a:r>
               <a:rPr lang="en-GB" dirty="0"/>
-              <a:t>What are the best proposed methods of improving their limitations for this competition </a:t>
+              <a:t>What are the best proposed methods of improving their limitations for this competition</a:t>
+            </a:r>
+          </a:p>
+          <a:p>
+            <a:pPr marL="285750" indent="-285750">
+              <a:buFont typeface="Arial" panose="020B0604020202020204" pitchFamily="34" charset="0"/>
+              <a:buChar char="•"/>
+            </a:pPr>
+            <a:r>
+              <a:rPr lang="en-GB" dirty="0"/>
+              <a:t>Which MCTS modifications prove to be the best for </a:t>
             </a:r>
           </a:p>
         </p:txBody>
@@ -3463,8 +3473,8 @@
         </p:nvSpPr>
         <p:spPr>
           <a:xfrm>
-            <a:off x="175487" y="5227121"/>
-            <a:ext cx="9075576" cy="1200329"/>
+            <a:off x="298579" y="4782101"/>
+            <a:ext cx="9075576" cy="1754326"/>
           </a:xfrm>
           <a:prstGeom prst="rect">
             <a:avLst/>
@@ -3497,6 +3507,18 @@
               <a:t>What is the most effective modification to MCTS</a:t>
             </a:r>
           </a:p>
+          <a:p>
+            <a:r>
+              <a:rPr lang="en-GB" dirty="0"/>
+              <a:t>Benchmarking MCTS variants for GVG-AI</a:t>
+            </a:r>
+          </a:p>
+          <a:p>
+            <a:r>
+              <a:rPr lang="en-GB" dirty="0"/>
+              <a:t>Does any modifications to MCTS </a:t>
+            </a:r>
+          </a:p>
         </p:txBody>
       </p:sp>
       <p:sp>
@@ -3513,7 +3535,7 @@
         </p:nvSpPr>
         <p:spPr>
           <a:xfrm>
-            <a:off x="298579" y="2828835"/>
+            <a:off x="298579" y="2708849"/>
             <a:ext cx="9075576" cy="1477328"/>
           </a:xfrm>
           <a:prstGeom prst="rect">
@@ -3592,7 +3614,7 @@
         <p:spPr>
           <a:xfrm>
             <a:off x="263410" y="220083"/>
-            <a:ext cx="9075576" cy="1477328"/>
+            <a:ext cx="9075576" cy="923330"/>
           </a:xfrm>
           <a:prstGeom prst="rect">
             <a:avLst/>
@@ -3613,6 +3635,35 @@
           <a:p>
             <a:endParaRPr lang="en-US" dirty="0"/>
           </a:p>
+        </p:txBody>
+      </p:sp>
+      <p:sp>
+        <p:nvSpPr>
+          <p:cNvPr id="5" name="TextBox 4">
+            <a:extLst>
+              <a:ext uri="{FF2B5EF4-FFF2-40B4-BE49-F238E27FC236}">
+                <a16:creationId xmlns:a16="http://schemas.microsoft.com/office/drawing/2014/main" id="{18D3A235-65E9-43D6-B80C-6CB81816A0A6}"/>
+              </a:ext>
+            </a:extLst>
+          </p:cNvPr>
+          <p:cNvSpPr txBox="1"/>
+          <p:nvPr/>
+        </p:nvSpPr>
+        <p:spPr>
+          <a:xfrm>
+            <a:off x="263410" y="2429883"/>
+            <a:ext cx="9075576" cy="2308324"/>
+          </a:xfrm>
+          <a:prstGeom prst="rect">
+            <a:avLst/>
+          </a:prstGeom>
+          <a:noFill/>
+        </p:spPr>
+        <p:txBody>
+          <a:bodyPr wrap="square" rtlCol="0">
+            <a:spAutoFit/>
+          </a:bodyPr>
+          <a:lstStyle/>
           <a:p>
             <a:pPr marL="285750" indent="-285750">
               <a:buFont typeface="Arial" panose="020B0604020202020204" pitchFamily="34" charset="0"/>
@@ -3620,39 +3671,13 @@
             </a:pPr>
             <a:r>
               <a:rPr lang="en-US" dirty="0"/>
-              <a:t>This research will help gather knowledge into the limitations of different game tree search techniques for AI.</a:t>
-            </a:r>
-            <a:endParaRPr lang="en-GB" dirty="0"/>
-          </a:p>
-        </p:txBody>
-      </p:sp>
-      <p:sp>
-        <p:nvSpPr>
-          <p:cNvPr id="5" name="TextBox 4">
-            <a:extLst>
-              <a:ext uri="{FF2B5EF4-FFF2-40B4-BE49-F238E27FC236}">
-                <a16:creationId xmlns:a16="http://schemas.microsoft.com/office/drawing/2014/main" id="{18D3A235-65E9-43D6-B80C-6CB81816A0A6}"/>
-              </a:ext>
-            </a:extLst>
-          </p:cNvPr>
-          <p:cNvSpPr txBox="1"/>
-          <p:nvPr/>
-        </p:nvSpPr>
-        <p:spPr>
-          <a:xfrm>
-            <a:off x="263410" y="2429883"/>
-            <a:ext cx="9075576" cy="1754326"/>
-          </a:xfrm>
-          <a:prstGeom prst="rect">
-            <a:avLst/>
-          </a:prstGeom>
-          <a:noFill/>
-        </p:spPr>
-        <p:txBody>
-          <a:bodyPr wrap="square" rtlCol="0">
-            <a:spAutoFit/>
-          </a:bodyPr>
-          <a:lstStyle/>
+              <a:t>This research will help gather knowledge into the limitations of different game tree search techniques for </a:t>
+            </a:r>
+            <a:r>
+              <a:rPr lang="en-US"/>
+              <a:t>AI.</a:t>
+            </a:r>
+          </a:p>
           <a:p>
             <a:pPr marL="285750" indent="-285750">
               <a:buFont typeface="Arial" panose="020B0604020202020204" pitchFamily="34" charset="0"/>
@@ -3845,7 +3870,7 @@
         </p:blipFill>
         <p:spPr>
           <a:xfrm>
-            <a:off x="7275487" y="1692312"/>
+            <a:off x="1419268" y="1794628"/>
             <a:ext cx="4251230" cy="1437190"/>
           </a:xfrm>
           <a:prstGeom prst="rect">
@@ -3881,115 +3906,8 @@
         </p:blipFill>
         <p:spPr>
           <a:xfrm>
-            <a:off x="7442539" y="3164056"/>
+            <a:off x="5983016" y="634043"/>
             <a:ext cx="4251230" cy="1437190"/>
-          </a:xfrm>
-          <a:prstGeom prst="rect">
-            <a:avLst/>
-          </a:prstGeom>
-        </p:spPr>
-      </p:pic>
-      <p:pic>
-        <p:nvPicPr>
-          <p:cNvPr id="8" name="Picture 7">
-            <a:extLst>
-              <a:ext uri="{FF2B5EF4-FFF2-40B4-BE49-F238E27FC236}">
-                <a16:creationId xmlns:a16="http://schemas.microsoft.com/office/drawing/2014/main" id="{CE6845B2-998D-49A6-8C6D-E6ADF187677D}"/>
-              </a:ext>
-            </a:extLst>
-          </p:cNvPr>
-          <p:cNvPicPr>
-            <a:picLocks noChangeAspect="1"/>
-          </p:cNvPicPr>
-          <p:nvPr/>
-        </p:nvPicPr>
-        <p:blipFill>
-          <a:blip r:embed="rId4">
-            <a:extLst>
-              <a:ext uri="{28A0092B-C50C-407E-A947-70E740481C1C}">
-                <a14:useLocalDpi xmlns:a14="http://schemas.microsoft.com/office/drawing/2010/main" val="0"/>
-              </a:ext>
-            </a:extLst>
-          </a:blip>
-          <a:stretch>
-            <a:fillRect/>
-          </a:stretch>
-        </p:blipFill>
-        <p:spPr>
-          <a:xfrm>
-            <a:off x="498231" y="3164056"/>
-            <a:ext cx="4175045" cy="2890416"/>
-          </a:xfrm>
-          <a:prstGeom prst="rect">
-            <a:avLst/>
-          </a:prstGeom>
-        </p:spPr>
-      </p:pic>
-      <p:sp>
-        <p:nvSpPr>
-          <p:cNvPr id="9" name="TextBox 8">
-            <a:extLst>
-              <a:ext uri="{FF2B5EF4-FFF2-40B4-BE49-F238E27FC236}">
-                <a16:creationId xmlns:a16="http://schemas.microsoft.com/office/drawing/2014/main" id="{D101D859-425D-4DB4-9169-08E18CFA6AC8}"/>
-              </a:ext>
-            </a:extLst>
-          </p:cNvPr>
-          <p:cNvSpPr txBox="1"/>
-          <p:nvPr/>
-        </p:nvSpPr>
-        <p:spPr>
-          <a:xfrm>
-            <a:off x="498231" y="2760170"/>
-            <a:ext cx="1877245" cy="369332"/>
-          </a:xfrm>
-          <a:prstGeom prst="rect">
-            <a:avLst/>
-          </a:prstGeom>
-          <a:noFill/>
-        </p:spPr>
-        <p:txBody>
-          <a:bodyPr wrap="none" rtlCol="0">
-            <a:spAutoFit/>
-          </a:bodyPr>
-          <a:lstStyle/>
-          <a:p>
-            <a:r>
-              <a:rPr lang="en-GB" dirty="0"/>
-              <a:t>One game played:</a:t>
-            </a:r>
-          </a:p>
-        </p:txBody>
-      </p:sp>
-      <p:pic>
-        <p:nvPicPr>
-          <p:cNvPr id="11" name="Picture 10">
-            <a:extLst>
-              <a:ext uri="{FF2B5EF4-FFF2-40B4-BE49-F238E27FC236}">
-                <a16:creationId xmlns:a16="http://schemas.microsoft.com/office/drawing/2014/main" id="{51D833BB-F252-4D74-95AA-0C3EFAB9D18E}"/>
-              </a:ext>
-            </a:extLst>
-          </p:cNvPr>
-          <p:cNvPicPr>
-            <a:picLocks noChangeAspect="1"/>
-          </p:cNvPicPr>
-          <p:nvPr/>
-        </p:nvPicPr>
-        <p:blipFill>
-          <a:blip r:embed="rId5">
-            <a:extLst>
-              <a:ext uri="{28A0092B-C50C-407E-A947-70E740481C1C}">
-                <a14:useLocalDpi xmlns:a14="http://schemas.microsoft.com/office/drawing/2010/main" val="0"/>
-              </a:ext>
-            </a:extLst>
-          </a:blip>
-          <a:stretch>
-            <a:fillRect/>
-          </a:stretch>
-        </p:blipFill>
-        <p:spPr>
-          <a:xfrm>
-            <a:off x="4999556" y="3129502"/>
-            <a:ext cx="3968598" cy="2913881"/>
           </a:xfrm>
           <a:prstGeom prst="rect">
             <a:avLst/>

--- a/Presentations/Findings Presentation/Findings.pptx
+++ b/Presentations/Findings Presentation/Findings.pptx
@@ -2,18 +2,19 @@
 <file path=ppt/presentation.xml><?xml version="1.0" encoding="utf-8"?>
 <p:presentation xmlns:a="http://schemas.openxmlformats.org/drawingml/2006/main" xmlns:r="http://schemas.openxmlformats.org/officeDocument/2006/relationships" xmlns:p="http://schemas.openxmlformats.org/presentationml/2006/main" saveSubsetFonts="1">
   <p:sldMasterIdLst>
-    <p:sldMasterId id="2147483648" r:id="rId1"/>
+    <p:sldMasterId id="2147483648" r:id="rId2"/>
   </p:sldMasterIdLst>
   <p:sldIdLst>
-    <p:sldId id="256" r:id="rId2"/>
-    <p:sldId id="257" r:id="rId3"/>
-    <p:sldId id="258" r:id="rId4"/>
-    <p:sldId id="259" r:id="rId5"/>
-    <p:sldId id="263" r:id="rId6"/>
-    <p:sldId id="264" r:id="rId7"/>
-    <p:sldId id="260" r:id="rId8"/>
-    <p:sldId id="261" r:id="rId9"/>
-    <p:sldId id="262" r:id="rId10"/>
+    <p:sldId id="256" r:id="rId3"/>
+    <p:sldId id="265" r:id="rId4"/>
+    <p:sldId id="257" r:id="rId5"/>
+    <p:sldId id="266" r:id="rId6"/>
+    <p:sldId id="259" r:id="rId7"/>
+    <p:sldId id="263" r:id="rId8"/>
+    <p:sldId id="264" r:id="rId9"/>
+    <p:sldId id="258" r:id="rId10"/>
+    <p:sldId id="261" r:id="rId11"/>
+    <p:sldId id="262" r:id="rId12"/>
   </p:sldIdLst>
   <p:sldSz cx="12192000" cy="6858000"/>
   <p:notesSz cx="6858000" cy="9144000"/>
@@ -269,7 +270,7 @@
           <a:p>
             <a:fld id="{C63CCCAA-046B-4FA1-910A-554349CB7EF0}" type="datetimeFigureOut">
               <a:rPr lang="en-GB" smtClean="0"/>
-              <a:t>11/03/2018</a:t>
+              <a:t>12/03/2018</a:t>
             </a:fld>
             <a:endParaRPr lang="en-GB"/>
           </a:p>
@@ -469,7 +470,7 @@
           <a:p>
             <a:fld id="{C63CCCAA-046B-4FA1-910A-554349CB7EF0}" type="datetimeFigureOut">
               <a:rPr lang="en-GB" smtClean="0"/>
-              <a:t>11/03/2018</a:t>
+              <a:t>12/03/2018</a:t>
             </a:fld>
             <a:endParaRPr lang="en-GB"/>
           </a:p>
@@ -679,7 +680,7 @@
           <a:p>
             <a:fld id="{C63CCCAA-046B-4FA1-910A-554349CB7EF0}" type="datetimeFigureOut">
               <a:rPr lang="en-GB" smtClean="0"/>
-              <a:t>11/03/2018</a:t>
+              <a:t>12/03/2018</a:t>
             </a:fld>
             <a:endParaRPr lang="en-GB"/>
           </a:p>
@@ -879,7 +880,7 @@
           <a:p>
             <a:fld id="{C63CCCAA-046B-4FA1-910A-554349CB7EF0}" type="datetimeFigureOut">
               <a:rPr lang="en-GB" smtClean="0"/>
-              <a:t>11/03/2018</a:t>
+              <a:t>12/03/2018</a:t>
             </a:fld>
             <a:endParaRPr lang="en-GB"/>
           </a:p>
@@ -1155,7 +1156,7 @@
           <a:p>
             <a:fld id="{C63CCCAA-046B-4FA1-910A-554349CB7EF0}" type="datetimeFigureOut">
               <a:rPr lang="en-GB" smtClean="0"/>
-              <a:t>11/03/2018</a:t>
+              <a:t>12/03/2018</a:t>
             </a:fld>
             <a:endParaRPr lang="en-GB"/>
           </a:p>
@@ -1423,7 +1424,7 @@
           <a:p>
             <a:fld id="{C63CCCAA-046B-4FA1-910A-554349CB7EF0}" type="datetimeFigureOut">
               <a:rPr lang="en-GB" smtClean="0"/>
-              <a:t>11/03/2018</a:t>
+              <a:t>12/03/2018</a:t>
             </a:fld>
             <a:endParaRPr lang="en-GB"/>
           </a:p>
@@ -1838,7 +1839,7 @@
           <a:p>
             <a:fld id="{C63CCCAA-046B-4FA1-910A-554349CB7EF0}" type="datetimeFigureOut">
               <a:rPr lang="en-GB" smtClean="0"/>
-              <a:t>11/03/2018</a:t>
+              <a:t>12/03/2018</a:t>
             </a:fld>
             <a:endParaRPr lang="en-GB"/>
           </a:p>
@@ -1980,7 +1981,7 @@
           <a:p>
             <a:fld id="{C63CCCAA-046B-4FA1-910A-554349CB7EF0}" type="datetimeFigureOut">
               <a:rPr lang="en-GB" smtClean="0"/>
-              <a:t>11/03/2018</a:t>
+              <a:t>12/03/2018</a:t>
             </a:fld>
             <a:endParaRPr lang="en-GB"/>
           </a:p>
@@ -2093,7 +2094,7 @@
           <a:p>
             <a:fld id="{C63CCCAA-046B-4FA1-910A-554349CB7EF0}" type="datetimeFigureOut">
               <a:rPr lang="en-GB" smtClean="0"/>
-              <a:t>11/03/2018</a:t>
+              <a:t>12/03/2018</a:t>
             </a:fld>
             <a:endParaRPr lang="en-GB"/>
           </a:p>
@@ -2406,7 +2407,7 @@
           <a:p>
             <a:fld id="{C63CCCAA-046B-4FA1-910A-554349CB7EF0}" type="datetimeFigureOut">
               <a:rPr lang="en-GB" smtClean="0"/>
-              <a:t>11/03/2018</a:t>
+              <a:t>12/03/2018</a:t>
             </a:fld>
             <a:endParaRPr lang="en-GB"/>
           </a:p>
@@ -2695,7 +2696,7 @@
           <a:p>
             <a:fld id="{C63CCCAA-046B-4FA1-910A-554349CB7EF0}" type="datetimeFigureOut">
               <a:rPr lang="en-GB" smtClean="0"/>
-              <a:t>11/03/2018</a:t>
+              <a:t>12/03/2018</a:t>
             </a:fld>
             <a:endParaRPr lang="en-GB"/>
           </a:p>
@@ -2938,7 +2939,7 @@
           <a:p>
             <a:fld id="{C63CCCAA-046B-4FA1-910A-554349CB7EF0}" type="datetimeFigureOut">
               <a:rPr lang="en-GB" smtClean="0"/>
-              <a:t>11/03/2018</a:t>
+              <a:t>12/03/2018</a:t>
             </a:fld>
             <a:endParaRPr lang="en-GB"/>
           </a:p>
@@ -3370,7 +3371,7 @@
         <p:spPr>
           <a:xfrm>
             <a:off x="298579" y="230157"/>
-            <a:ext cx="7564017" cy="369332"/>
+            <a:ext cx="7564017" cy="584775"/>
           </a:xfrm>
           <a:prstGeom prst="rect">
             <a:avLst/>
@@ -3384,10 +3385,10 @@
           <a:lstStyle/>
           <a:p>
             <a:r>
-              <a:rPr lang="en-US" dirty="0"/>
+              <a:rPr lang="en-US" sz="3200" b="1" dirty="0"/>
               <a:t>Project Research Questions:</a:t>
             </a:r>
-            <a:endParaRPr lang="en-GB" dirty="0"/>
+            <a:endParaRPr lang="en-GB" sz="3200" b="1" dirty="0"/>
           </a:p>
         </p:txBody>
       </p:sp>
@@ -3401,12 +3402,16 @@
             </a:extLst>
           </p:cNvPr>
           <p:cNvSpPr txBox="1"/>
-          <p:nvPr/>
+          <p:nvPr>
+            <p:custDataLst>
+              <p:custData r:id="rId1"/>
+            </p:custDataLst>
+          </p:nvPr>
         </p:nvSpPr>
         <p:spPr>
           <a:xfrm>
             <a:off x="298579" y="912597"/>
-            <a:ext cx="9075576" cy="1477328"/>
+            <a:ext cx="9075576" cy="3108543"/>
           </a:xfrm>
           <a:prstGeom prst="rect">
             <a:avLst/>
@@ -3420,12 +3425,12 @@
           <a:lstStyle/>
           <a:p>
             <a:r>
-              <a:rPr lang="en-GB" dirty="0"/>
+              <a:rPr lang="en-GB" sz="2800" dirty="0"/>
               <a:t>Key research Questions:</a:t>
             </a:r>
           </a:p>
           <a:p>
-            <a:endParaRPr lang="en-GB" dirty="0"/>
+            <a:endParaRPr lang="en-GB" sz="2800" dirty="0"/>
           </a:p>
           <a:p>
             <a:pPr marL="285750" indent="-285750">
@@ -3433,7 +3438,7 @@
               <a:buChar char="•"/>
             </a:pPr>
             <a:r>
-              <a:rPr lang="en-GB" dirty="0"/>
+              <a:rPr lang="en-GB" sz="2800" dirty="0"/>
               <a:t>What are the weaknesses of tree search algorithms within the GVG-AI competition</a:t>
             </a:r>
           </a:p>
@@ -3443,7 +3448,7 @@
               <a:buChar char="•"/>
             </a:pPr>
             <a:r>
-              <a:rPr lang="en-GB" dirty="0"/>
+              <a:rPr lang="en-GB" sz="2800" dirty="0"/>
               <a:t>What are the best proposed methods of improving their limitations for this competition</a:t>
             </a:r>
           </a:p>
@@ -3453,18 +3458,18 @@
               <a:buChar char="•"/>
             </a:pPr>
             <a:r>
-              <a:rPr lang="en-GB" dirty="0"/>
-              <a:t>Which MCTS modifications prove to be the best for </a:t>
-            </a:r>
-          </a:p>
-        </p:txBody>
-      </p:sp>
-      <p:sp>
-        <p:nvSpPr>
-          <p:cNvPr id="7" name="TextBox 6">
-            <a:extLst>
-              <a:ext uri="{FF2B5EF4-FFF2-40B4-BE49-F238E27FC236}">
-                <a16:creationId xmlns:a16="http://schemas.microsoft.com/office/drawing/2014/main" id="{E3384245-F67D-43B5-9836-EBF90AD8DB27}"/>
+              <a:rPr lang="en-GB" sz="2800" dirty="0"/>
+              <a:t>What are the best kind of MCTS enhancements for GVG-AI</a:t>
+            </a:r>
+          </a:p>
+        </p:txBody>
+      </p:sp>
+      <p:sp>
+        <p:nvSpPr>
+          <p:cNvPr id="8" name="TextBox 7">
+            <a:extLst>
+              <a:ext uri="{FF2B5EF4-FFF2-40B4-BE49-F238E27FC236}">
+                <a16:creationId xmlns:a16="http://schemas.microsoft.com/office/drawing/2014/main" id="{046CEED7-4C30-4FDF-AD61-A809875F5BD7}"/>
               </a:ext>
             </a:extLst>
           </p:cNvPr>
@@ -3473,8 +3478,8 @@
         </p:nvSpPr>
         <p:spPr>
           <a:xfrm>
-            <a:off x="298579" y="4782101"/>
-            <a:ext cx="9075576" cy="1754326"/>
+            <a:off x="450978" y="4639249"/>
+            <a:ext cx="11055221" cy="954107"/>
           </a:xfrm>
           <a:prstGeom prst="rect">
             <a:avLst/>
@@ -3488,45 +3493,278 @@
           <a:lstStyle/>
           <a:p>
             <a:r>
-              <a:rPr lang="en-GB" dirty="0"/>
-              <a:t>Hypothesis:</a:t>
-            </a:r>
-          </a:p>
-          <a:p>
-            <a:endParaRPr lang="en-GB" dirty="0"/>
-          </a:p>
-          <a:p>
-            <a:r>
-              <a:rPr lang="en-GB" dirty="0"/>
-              <a:t>Analysis of different MCTS improvements for GVG-AI</a:t>
-            </a:r>
-          </a:p>
-          <a:p>
-            <a:r>
-              <a:rPr lang="en-GB" dirty="0"/>
-              <a:t>What is the most effective modification to MCTS</a:t>
-            </a:r>
-          </a:p>
-          <a:p>
-            <a:r>
-              <a:rPr lang="en-GB" dirty="0"/>
-              <a:t>Benchmarking MCTS variants for GVG-AI</a:t>
-            </a:r>
-          </a:p>
-          <a:p>
-            <a:r>
-              <a:rPr lang="en-GB" dirty="0"/>
-              <a:t>Does any modifications to MCTS </a:t>
-            </a:r>
-          </a:p>
-        </p:txBody>
-      </p:sp>
-      <p:sp>
-        <p:nvSpPr>
-          <p:cNvPr id="8" name="TextBox 7">
-            <a:extLst>
-              <a:ext uri="{FF2B5EF4-FFF2-40B4-BE49-F238E27FC236}">
-                <a16:creationId xmlns:a16="http://schemas.microsoft.com/office/drawing/2014/main" id="{046CEED7-4C30-4FDF-AD61-A809875F5BD7}"/>
+              <a:rPr lang="en-US" sz="2800" dirty="0"/>
+              <a:t>Could a hyper-heuristic be created from the strengths of multiple MCTS modifications?</a:t>
+            </a:r>
+            <a:endParaRPr lang="en-GB" sz="2800" dirty="0"/>
+          </a:p>
+        </p:txBody>
+      </p:sp>
+    </p:spTree>
+    <p:extLst>
+      <p:ext uri="{BB962C8B-B14F-4D97-AF65-F5344CB8AC3E}">
+        <p14:creationId xmlns:p14="http://schemas.microsoft.com/office/powerpoint/2010/main" val="4138281835"/>
+      </p:ext>
+    </p:extLst>
+  </p:cSld>
+  <p:clrMapOvr>
+    <a:masterClrMapping/>
+  </p:clrMapOvr>
+  <p:timing>
+    <p:tnLst>
+      <p:par>
+        <p:cTn id="1" dur="indefinite" restart="never" nodeType="tmRoot">
+          <p:childTnLst>
+            <p:seq concurrent="1" nextAc="seek">
+              <p:cTn id="2" dur="indefinite" nodeType="mainSeq">
+                <p:childTnLst>
+                  <p:par>
+                    <p:cTn id="3" fill="hold">
+                      <p:stCondLst>
+                        <p:cond delay="indefinite"/>
+                      </p:stCondLst>
+                      <p:childTnLst>
+                        <p:par>
+                          <p:cTn id="4" fill="hold">
+                            <p:stCondLst>
+                              <p:cond delay="0"/>
+                            </p:stCondLst>
+                            <p:childTnLst>
+                              <p:par>
+                                <p:cTn id="5" presetID="1" presetClass="entr" presetSubtype="0" fill="hold" grpId="0" nodeType="clickEffect">
+                                  <p:stCondLst>
+                                    <p:cond delay="0"/>
+                                  </p:stCondLst>
+                                  <p:childTnLst>
+                                    <p:set>
+                                      <p:cBhvr>
+                                        <p:cTn id="6" dur="1" fill="hold">
+                                          <p:stCondLst>
+                                            <p:cond delay="0"/>
+                                          </p:stCondLst>
+                                        </p:cTn>
+                                        <p:tgtEl>
+                                          <p:spTgt spid="5">
+                                            <p:txEl>
+                                              <p:pRg st="0" end="0"/>
+                                            </p:txEl>
+                                          </p:spTgt>
+                                        </p:tgtEl>
+                                        <p:attrNameLst>
+                                          <p:attrName>style.visibility</p:attrName>
+                                        </p:attrNameLst>
+                                      </p:cBhvr>
+                                      <p:to>
+                                        <p:strVal val="visible"/>
+                                      </p:to>
+                                    </p:set>
+                                  </p:childTnLst>
+                                </p:cTn>
+                              </p:par>
+                            </p:childTnLst>
+                          </p:cTn>
+                        </p:par>
+                      </p:childTnLst>
+                    </p:cTn>
+                  </p:par>
+                  <p:par>
+                    <p:cTn id="7" fill="hold">
+                      <p:stCondLst>
+                        <p:cond delay="indefinite"/>
+                      </p:stCondLst>
+                      <p:childTnLst>
+                        <p:par>
+                          <p:cTn id="8" fill="hold">
+                            <p:stCondLst>
+                              <p:cond delay="0"/>
+                            </p:stCondLst>
+                            <p:childTnLst>
+                              <p:par>
+                                <p:cTn id="9" presetID="1" presetClass="entr" presetSubtype="0" fill="hold" grpId="0" nodeType="clickEffect">
+                                  <p:stCondLst>
+                                    <p:cond delay="0"/>
+                                  </p:stCondLst>
+                                  <p:childTnLst>
+                                    <p:set>
+                                      <p:cBhvr>
+                                        <p:cTn id="10" dur="1" fill="hold">
+                                          <p:stCondLst>
+                                            <p:cond delay="0"/>
+                                          </p:stCondLst>
+                                        </p:cTn>
+                                        <p:tgtEl>
+                                          <p:spTgt spid="5">
+                                            <p:txEl>
+                                              <p:pRg st="2" end="2"/>
+                                            </p:txEl>
+                                          </p:spTgt>
+                                        </p:tgtEl>
+                                        <p:attrNameLst>
+                                          <p:attrName>style.visibility</p:attrName>
+                                        </p:attrNameLst>
+                                      </p:cBhvr>
+                                      <p:to>
+                                        <p:strVal val="visible"/>
+                                      </p:to>
+                                    </p:set>
+                                  </p:childTnLst>
+                                </p:cTn>
+                              </p:par>
+                            </p:childTnLst>
+                          </p:cTn>
+                        </p:par>
+                      </p:childTnLst>
+                    </p:cTn>
+                  </p:par>
+                  <p:par>
+                    <p:cTn id="11" fill="hold">
+                      <p:stCondLst>
+                        <p:cond delay="indefinite"/>
+                      </p:stCondLst>
+                      <p:childTnLst>
+                        <p:par>
+                          <p:cTn id="12" fill="hold">
+                            <p:stCondLst>
+                              <p:cond delay="0"/>
+                            </p:stCondLst>
+                            <p:childTnLst>
+                              <p:par>
+                                <p:cTn id="13" presetID="1" presetClass="entr" presetSubtype="0" fill="hold" grpId="0" nodeType="clickEffect">
+                                  <p:stCondLst>
+                                    <p:cond delay="0"/>
+                                  </p:stCondLst>
+                                  <p:childTnLst>
+                                    <p:set>
+                                      <p:cBhvr>
+                                        <p:cTn id="14" dur="1" fill="hold">
+                                          <p:stCondLst>
+                                            <p:cond delay="0"/>
+                                          </p:stCondLst>
+                                        </p:cTn>
+                                        <p:tgtEl>
+                                          <p:spTgt spid="5">
+                                            <p:txEl>
+                                              <p:pRg st="3" end="3"/>
+                                            </p:txEl>
+                                          </p:spTgt>
+                                        </p:tgtEl>
+                                        <p:attrNameLst>
+                                          <p:attrName>style.visibility</p:attrName>
+                                        </p:attrNameLst>
+                                      </p:cBhvr>
+                                      <p:to>
+                                        <p:strVal val="visible"/>
+                                      </p:to>
+                                    </p:set>
+                                  </p:childTnLst>
+                                </p:cTn>
+                              </p:par>
+                            </p:childTnLst>
+                          </p:cTn>
+                        </p:par>
+                      </p:childTnLst>
+                    </p:cTn>
+                  </p:par>
+                  <p:par>
+                    <p:cTn id="15" fill="hold">
+                      <p:stCondLst>
+                        <p:cond delay="indefinite"/>
+                      </p:stCondLst>
+                      <p:childTnLst>
+                        <p:par>
+                          <p:cTn id="16" fill="hold">
+                            <p:stCondLst>
+                              <p:cond delay="0"/>
+                            </p:stCondLst>
+                            <p:childTnLst>
+                              <p:par>
+                                <p:cTn id="17" presetID="1" presetClass="entr" presetSubtype="0" fill="hold" grpId="0" nodeType="clickEffect">
+                                  <p:stCondLst>
+                                    <p:cond delay="0"/>
+                                  </p:stCondLst>
+                                  <p:childTnLst>
+                                    <p:set>
+                                      <p:cBhvr>
+                                        <p:cTn id="18" dur="1" fill="hold">
+                                          <p:stCondLst>
+                                            <p:cond delay="0"/>
+                                          </p:stCondLst>
+                                        </p:cTn>
+                                        <p:tgtEl>
+                                          <p:spTgt spid="5">
+                                            <p:txEl>
+                                              <p:pRg st="4" end="4"/>
+                                            </p:txEl>
+                                          </p:spTgt>
+                                        </p:tgtEl>
+                                        <p:attrNameLst>
+                                          <p:attrName>style.visibility</p:attrName>
+                                        </p:attrNameLst>
+                                      </p:cBhvr>
+                                      <p:to>
+                                        <p:strVal val="visible"/>
+                                      </p:to>
+                                    </p:set>
+                                  </p:childTnLst>
+                                </p:cTn>
+                              </p:par>
+                            </p:childTnLst>
+                          </p:cTn>
+                        </p:par>
+                      </p:childTnLst>
+                    </p:cTn>
+                  </p:par>
+                </p:childTnLst>
+              </p:cTn>
+              <p:prevCondLst>
+                <p:cond evt="onPrev" delay="0">
+                  <p:tgtEl>
+                    <p:sldTgt/>
+                  </p:tgtEl>
+                </p:cond>
+              </p:prevCondLst>
+              <p:nextCondLst>
+                <p:cond evt="onNext" delay="0">
+                  <p:tgtEl>
+                    <p:sldTgt/>
+                  </p:tgtEl>
+                </p:cond>
+              </p:nextCondLst>
+            </p:seq>
+          </p:childTnLst>
+        </p:cTn>
+      </p:par>
+    </p:tnLst>
+    <p:bldLst>
+      <p:bldP spid="5" grpId="0" build="p"/>
+    </p:bldLst>
+  </p:timing>
+</p:sld>
+</file>
+
+<file path=ppt/slides/slide10.xml><?xml version="1.0" encoding="utf-8"?>
+<p:sld xmlns:a="http://schemas.openxmlformats.org/drawingml/2006/main" xmlns:r="http://schemas.openxmlformats.org/officeDocument/2006/relationships" xmlns:p="http://schemas.openxmlformats.org/presentationml/2006/main">
+  <p:cSld>
+    <p:spTree>
+      <p:nvGrpSpPr>
+        <p:cNvPr id="1" name=""/>
+        <p:cNvGrpSpPr/>
+        <p:nvPr/>
+      </p:nvGrpSpPr>
+      <p:grpSpPr>
+        <a:xfrm>
+          <a:off x="0" y="0"/>
+          <a:ext cx="0" cy="0"/>
+          <a:chOff x="0" y="0"/>
+          <a:chExt cx="0" cy="0"/>
+        </a:xfrm>
+      </p:grpSpPr>
+      <p:sp>
+        <p:nvSpPr>
+          <p:cNvPr id="4" name="TextBox 3">
+            <a:extLst>
+              <a:ext uri="{FF2B5EF4-FFF2-40B4-BE49-F238E27FC236}">
+                <a16:creationId xmlns:a16="http://schemas.microsoft.com/office/drawing/2014/main" id="{0D421A23-4C62-4BA8-BC69-FD7475CCFB27}"/>
               </a:ext>
             </a:extLst>
           </p:cNvPr>
@@ -3535,8 +3773,8 @@
         </p:nvSpPr>
         <p:spPr>
           <a:xfrm>
-            <a:off x="298579" y="2708849"/>
-            <a:ext cx="9075576" cy="1477328"/>
+            <a:off x="298579" y="230157"/>
+            <a:ext cx="9753471" cy="584775"/>
           </a:xfrm>
           <a:prstGeom prst="rect">
             <a:avLst/>
@@ -3550,29 +3788,17 @@
           <a:lstStyle/>
           <a:p>
             <a:r>
-              <a:rPr lang="en-US" dirty="0"/>
-              <a:t> Can visualizing the actions an agent may take in the competition lead to insights about the strengths and weakness’ of each tree search algorithm </a:t>
-            </a:r>
-          </a:p>
-          <a:p>
-            <a:r>
-              <a:rPr lang="en-US" dirty="0"/>
-              <a:t>How can the scaling of different metrics within the competition affect the performance of different tree search algorithms </a:t>
-            </a:r>
-          </a:p>
-          <a:p>
-            <a:r>
-              <a:rPr lang="en-US" dirty="0"/>
-              <a:t>Could a hyper-heuristic be created from the strengths of multiple tree search algorithms</a:t>
-            </a:r>
-            <a:endParaRPr lang="en-GB" dirty="0"/>
+              <a:rPr lang="en-US" sz="3200" b="1" dirty="0"/>
+              <a:t>Questions?</a:t>
+            </a:r>
+            <a:endParaRPr lang="en-GB" sz="3200" b="1" dirty="0"/>
           </a:p>
         </p:txBody>
       </p:sp>
     </p:spTree>
     <p:extLst>
       <p:ext uri="{BB962C8B-B14F-4D97-AF65-F5344CB8AC3E}">
-        <p14:creationId xmlns:p14="http://schemas.microsoft.com/office/powerpoint/2010/main" val="4138281835"/>
+        <p14:creationId xmlns:p14="http://schemas.microsoft.com/office/powerpoint/2010/main" val="4045719142"/>
       </p:ext>
     </p:extLst>
   </p:cSld>
@@ -3601,10 +3827,10 @@
       </p:grpSpPr>
       <p:sp>
         <p:nvSpPr>
-          <p:cNvPr id="3" name="TextBox 2">
-            <a:extLst>
-              <a:ext uri="{FF2B5EF4-FFF2-40B4-BE49-F238E27FC236}">
-                <a16:creationId xmlns:a16="http://schemas.microsoft.com/office/drawing/2014/main" id="{68C80D07-2D9E-4EF1-B881-78700500CE25}"/>
+          <p:cNvPr id="4" name="TextBox 3">
+            <a:extLst>
+              <a:ext uri="{FF2B5EF4-FFF2-40B4-BE49-F238E27FC236}">
+                <a16:creationId xmlns:a16="http://schemas.microsoft.com/office/drawing/2014/main" id="{509E25D7-A8F8-4C8F-860D-47C8A01C30CB}"/>
               </a:ext>
             </a:extLst>
           </p:cNvPr>
@@ -3613,8 +3839,8 @@
         </p:nvSpPr>
         <p:spPr>
           <a:xfrm>
-            <a:off x="263410" y="220083"/>
-            <a:ext cx="9075576" cy="923330"/>
+            <a:off x="336678" y="668320"/>
+            <a:ext cx="11169521" cy="3170099"/>
           </a:xfrm>
           <a:prstGeom prst="rect">
             <a:avLst/>
@@ -3628,99 +3854,226 @@
           <a:lstStyle/>
           <a:p>
             <a:r>
-              <a:rPr lang="en-US" dirty="0"/>
-              <a:t>How will answering these questions contribute to the state of knowledge in the field of your project?</a:t>
-            </a:r>
-          </a:p>
-          <a:p>
-            <a:endParaRPr lang="en-US" dirty="0"/>
-          </a:p>
-        </p:txBody>
-      </p:sp>
-      <p:sp>
-        <p:nvSpPr>
-          <p:cNvPr id="5" name="TextBox 4">
-            <a:extLst>
-              <a:ext uri="{FF2B5EF4-FFF2-40B4-BE49-F238E27FC236}">
-                <a16:creationId xmlns:a16="http://schemas.microsoft.com/office/drawing/2014/main" id="{18D3A235-65E9-43D6-B80C-6CB81816A0A6}"/>
-              </a:ext>
-            </a:extLst>
-          </p:cNvPr>
-          <p:cNvSpPr txBox="1"/>
-          <p:nvPr/>
-        </p:nvSpPr>
-        <p:spPr>
-          <a:xfrm>
-            <a:off x="263410" y="2429883"/>
-            <a:ext cx="9075576" cy="2308324"/>
-          </a:xfrm>
-          <a:prstGeom prst="rect">
-            <a:avLst/>
-          </a:prstGeom>
-          <a:noFill/>
-        </p:spPr>
-        <p:txBody>
-          <a:bodyPr wrap="square" rtlCol="0">
-            <a:spAutoFit/>
-          </a:bodyPr>
-          <a:lstStyle/>
-          <a:p>
-            <a:pPr marL="285750" indent="-285750">
-              <a:buFont typeface="Arial" panose="020B0604020202020204" pitchFamily="34" charset="0"/>
-              <a:buChar char="•"/>
-            </a:pPr>
-            <a:r>
-              <a:rPr lang="en-US" dirty="0"/>
-              <a:t>This research will help gather knowledge into the limitations of different game tree search techniques for </a:t>
-            </a:r>
-            <a:r>
-              <a:rPr lang="en-US"/>
-              <a:t>AI.</a:t>
-            </a:r>
-          </a:p>
-          <a:p>
-            <a:pPr marL="285750" indent="-285750">
-              <a:buFont typeface="Arial" panose="020B0604020202020204" pitchFamily="34" charset="0"/>
-              <a:buChar char="•"/>
-            </a:pPr>
-            <a:r>
-              <a:rPr lang="en-US" dirty="0"/>
-              <a:t>To create a hyper heuristic agent that has been modified from the strengths and weaknesses found in different tree search techniques. </a:t>
-            </a:r>
-          </a:p>
-          <a:p>
-            <a:pPr marL="285750" indent="-285750">
-              <a:buFont typeface="Arial" panose="020B0604020202020204" pitchFamily="34" charset="0"/>
-              <a:buChar char="•"/>
-            </a:pPr>
-            <a:r>
-              <a:rPr lang="en-US" dirty="0"/>
-              <a:t>The strengths and weaknesses will be found by visualizing and analyzing the search space of a tree search algorithm. </a:t>
-            </a:r>
-          </a:p>
-          <a:p>
-            <a:pPr marL="285750" indent="-285750">
-              <a:buFont typeface="Arial" panose="020B0604020202020204" pitchFamily="34" charset="0"/>
-              <a:buChar char="•"/>
-            </a:pPr>
-            <a:r>
-              <a:rPr lang="en-US" dirty="0"/>
-              <a:t>Also by looking at how the scaling of different metrics within the competition frame work and seeing how they affect the performance of different agents.</a:t>
-            </a:r>
-            <a:endParaRPr lang="en-GB" dirty="0"/>
+              <a:rPr lang="en-GB" sz="3200" b="1" dirty="0"/>
+              <a:t>Hypothesis:</a:t>
+            </a:r>
+          </a:p>
+          <a:p>
+            <a:endParaRPr lang="en-GB" sz="2800" dirty="0"/>
+          </a:p>
+          <a:p>
+            <a:endParaRPr lang="en-GB" sz="2800" dirty="0"/>
+          </a:p>
+          <a:p>
+            <a:r>
+              <a:rPr lang="en-GB" sz="2800" dirty="0"/>
+              <a:t>Does MCTS with enhancement x perform better than vanilla MCTS</a:t>
+            </a:r>
+          </a:p>
+          <a:p>
+            <a:r>
+              <a:rPr lang="en-GB" sz="2800" dirty="0"/>
+              <a:t>Does MCTS with enhancement y perform better than vanilla MCTS</a:t>
+            </a:r>
+          </a:p>
+          <a:p>
+            <a:endParaRPr lang="en-GB" sz="2800" dirty="0"/>
+          </a:p>
+          <a:p>
+            <a:endParaRPr lang="en-GB" sz="2800" dirty="0"/>
           </a:p>
         </p:txBody>
       </p:sp>
     </p:spTree>
     <p:extLst>
       <p:ext uri="{BB962C8B-B14F-4D97-AF65-F5344CB8AC3E}">
-        <p14:creationId xmlns:p14="http://schemas.microsoft.com/office/powerpoint/2010/main" val="1713842602"/>
+        <p14:creationId xmlns:p14="http://schemas.microsoft.com/office/powerpoint/2010/main" val="1581139075"/>
       </p:ext>
     </p:extLst>
   </p:cSld>
   <p:clrMapOvr>
     <a:masterClrMapping/>
   </p:clrMapOvr>
+  <p:timing>
+    <p:tnLst>
+      <p:par>
+        <p:cTn id="1" dur="indefinite" restart="never" nodeType="tmRoot">
+          <p:childTnLst>
+            <p:seq concurrent="1" nextAc="seek">
+              <p:cTn id="2" dur="indefinite" nodeType="mainSeq">
+                <p:childTnLst>
+                  <p:par>
+                    <p:cTn id="3" fill="hold">
+                      <p:stCondLst>
+                        <p:cond delay="indefinite"/>
+                      </p:stCondLst>
+                      <p:childTnLst>
+                        <p:par>
+                          <p:cTn id="4" fill="hold">
+                            <p:stCondLst>
+                              <p:cond delay="0"/>
+                            </p:stCondLst>
+                            <p:childTnLst>
+                              <p:par>
+                                <p:cTn id="5" presetID="1" presetClass="entr" presetSubtype="0" fill="hold" grpId="0" nodeType="clickEffect">
+                                  <p:stCondLst>
+                                    <p:cond delay="0"/>
+                                  </p:stCondLst>
+                                  <p:childTnLst>
+                                    <p:set>
+                                      <p:cBhvr>
+                                        <p:cTn id="6" dur="1" fill="hold">
+                                          <p:stCondLst>
+                                            <p:cond delay="0"/>
+                                          </p:stCondLst>
+                                        </p:cTn>
+                                        <p:tgtEl>
+                                          <p:spTgt spid="4">
+                                            <p:txEl>
+                                              <p:pRg st="0" end="0"/>
+                                            </p:txEl>
+                                          </p:spTgt>
+                                        </p:tgtEl>
+                                        <p:attrNameLst>
+                                          <p:attrName>style.visibility</p:attrName>
+                                        </p:attrNameLst>
+                                      </p:cBhvr>
+                                      <p:to>
+                                        <p:strVal val="visible"/>
+                                      </p:to>
+                                    </p:set>
+                                  </p:childTnLst>
+                                </p:cTn>
+                              </p:par>
+                            </p:childTnLst>
+                          </p:cTn>
+                        </p:par>
+                      </p:childTnLst>
+                    </p:cTn>
+                  </p:par>
+                  <p:par>
+                    <p:cTn id="7" fill="hold">
+                      <p:stCondLst>
+                        <p:cond delay="indefinite"/>
+                      </p:stCondLst>
+                      <p:childTnLst>
+                        <p:par>
+                          <p:cTn id="8" fill="hold">
+                            <p:stCondLst>
+                              <p:cond delay="0"/>
+                            </p:stCondLst>
+                            <p:childTnLst>
+                              <p:par>
+                                <p:cTn id="9" presetID="1" presetClass="entr" presetSubtype="0" fill="hold" grpId="0" nodeType="clickEffect">
+                                  <p:stCondLst>
+                                    <p:cond delay="0"/>
+                                  </p:stCondLst>
+                                  <p:childTnLst>
+                                    <p:set>
+                                      <p:cBhvr>
+                                        <p:cTn id="10" dur="1" fill="hold">
+                                          <p:stCondLst>
+                                            <p:cond delay="0"/>
+                                          </p:stCondLst>
+                                        </p:cTn>
+                                        <p:tgtEl>
+                                          <p:spTgt spid="4">
+                                            <p:txEl>
+                                              <p:pRg st="3" end="3"/>
+                                            </p:txEl>
+                                          </p:spTgt>
+                                        </p:tgtEl>
+                                        <p:attrNameLst>
+                                          <p:attrName>style.visibility</p:attrName>
+                                        </p:attrNameLst>
+                                      </p:cBhvr>
+                                      <p:to>
+                                        <p:strVal val="visible"/>
+                                      </p:to>
+                                    </p:set>
+                                  </p:childTnLst>
+                                </p:cTn>
+                              </p:par>
+                            </p:childTnLst>
+                          </p:cTn>
+                        </p:par>
+                      </p:childTnLst>
+                    </p:cTn>
+                  </p:par>
+                  <p:par>
+                    <p:cTn id="11" fill="hold">
+                      <p:stCondLst>
+                        <p:cond delay="indefinite"/>
+                      </p:stCondLst>
+                      <p:childTnLst>
+                        <p:par>
+                          <p:cTn id="12" fill="hold">
+                            <p:stCondLst>
+                              <p:cond delay="0"/>
+                            </p:stCondLst>
+                            <p:childTnLst>
+                              <p:par>
+                                <p:cTn id="13" presetID="1" presetClass="entr" presetSubtype="0" fill="hold" grpId="0" nodeType="clickEffect">
+                                  <p:stCondLst>
+                                    <p:cond delay="0"/>
+                                  </p:stCondLst>
+                                  <p:childTnLst>
+                                    <p:set>
+                                      <p:cBhvr>
+                                        <p:cTn id="14" dur="1" fill="hold">
+                                          <p:stCondLst>
+                                            <p:cond delay="0"/>
+                                          </p:stCondLst>
+                                        </p:cTn>
+                                        <p:tgtEl>
+                                          <p:spTgt spid="4">
+                                            <p:txEl>
+                                              <p:pRg st="4" end="4"/>
+                                            </p:txEl>
+                                          </p:spTgt>
+                                        </p:tgtEl>
+                                        <p:attrNameLst>
+                                          <p:attrName>style.visibility</p:attrName>
+                                        </p:attrNameLst>
+                                      </p:cBhvr>
+                                      <p:to>
+                                        <p:strVal val="visible"/>
+                                      </p:to>
+                                    </p:set>
+                                  </p:childTnLst>
+                                </p:cTn>
+                              </p:par>
+                            </p:childTnLst>
+                          </p:cTn>
+                        </p:par>
+                      </p:childTnLst>
+                    </p:cTn>
+                  </p:par>
+                </p:childTnLst>
+              </p:cTn>
+              <p:prevCondLst>
+                <p:cond evt="onPrev" delay="0">
+                  <p:tgtEl>
+                    <p:sldTgt/>
+                  </p:tgtEl>
+                </p:cond>
+              </p:prevCondLst>
+              <p:nextCondLst>
+                <p:cond evt="onNext" delay="0">
+                  <p:tgtEl>
+                    <p:sldTgt/>
+                  </p:tgtEl>
+                </p:cond>
+              </p:nextCondLst>
+            </p:seq>
+          </p:childTnLst>
+        </p:cTn>
+      </p:par>
+    </p:tnLst>
+    <p:bldLst>
+      <p:bldP spid="4" grpId="0" build="p"/>
+    </p:bldLst>
+  </p:timing>
 </p:sld>
 </file>
 
@@ -3743,10 +4096,10 @@
       </p:grpSpPr>
       <p:sp>
         <p:nvSpPr>
-          <p:cNvPr id="4" name="TextBox 3">
-            <a:extLst>
-              <a:ext uri="{FF2B5EF4-FFF2-40B4-BE49-F238E27FC236}">
-                <a16:creationId xmlns:a16="http://schemas.microsoft.com/office/drawing/2014/main" id="{0D421A23-4C62-4BA8-BC69-FD7475CCFB27}"/>
+          <p:cNvPr id="3" name="TextBox 2">
+            <a:extLst>
+              <a:ext uri="{FF2B5EF4-FFF2-40B4-BE49-F238E27FC236}">
+                <a16:creationId xmlns:a16="http://schemas.microsoft.com/office/drawing/2014/main" id="{68C80D07-2D9E-4EF1-B881-78700500CE25}"/>
               </a:ext>
             </a:extLst>
           </p:cNvPr>
@@ -3755,8 +4108,8 @@
         </p:nvSpPr>
         <p:spPr>
           <a:xfrm>
-            <a:off x="298579" y="230157"/>
-            <a:ext cx="7564017" cy="646331"/>
+            <a:off x="263410" y="220083"/>
+            <a:ext cx="9075576" cy="1077218"/>
           </a:xfrm>
           <a:prstGeom prst="rect">
             <a:avLst/>
@@ -3770,23 +4123,334 @@
           <a:lstStyle/>
           <a:p>
             <a:r>
-              <a:rPr lang="en-US" dirty="0"/>
-              <a:t>Why have you applied particular methods in seeking answers to these questions?</a:t>
-            </a:r>
-            <a:endParaRPr lang="en-GB" dirty="0"/>
+              <a:rPr lang="en-US" sz="3200" b="1" dirty="0"/>
+              <a:t>How does this contribute to knowledge in this field?</a:t>
+            </a:r>
+          </a:p>
+          <a:p>
+            <a:endParaRPr lang="en-US" sz="3200" dirty="0"/>
+          </a:p>
+        </p:txBody>
+      </p:sp>
+      <p:sp>
+        <p:nvSpPr>
+          <p:cNvPr id="5" name="TextBox 4">
+            <a:extLst>
+              <a:ext uri="{FF2B5EF4-FFF2-40B4-BE49-F238E27FC236}">
+                <a16:creationId xmlns:a16="http://schemas.microsoft.com/office/drawing/2014/main" id="{18D3A235-65E9-43D6-B80C-6CB81816A0A6}"/>
+              </a:ext>
+            </a:extLst>
+          </p:cNvPr>
+          <p:cNvSpPr txBox="1"/>
+          <p:nvPr/>
+        </p:nvSpPr>
+        <p:spPr>
+          <a:xfrm>
+            <a:off x="220605" y="1521833"/>
+            <a:ext cx="11750790" cy="4832092"/>
+          </a:xfrm>
+          <a:prstGeom prst="rect">
+            <a:avLst/>
+          </a:prstGeom>
+          <a:noFill/>
+        </p:spPr>
+        <p:txBody>
+          <a:bodyPr wrap="square" rtlCol="0">
+            <a:spAutoFit/>
+          </a:bodyPr>
+          <a:lstStyle/>
+          <a:p>
+            <a:pPr marL="285750" indent="-285750">
+              <a:buFont typeface="Arial" panose="020B0604020202020204" pitchFamily="34" charset="0"/>
+              <a:buChar char="•"/>
+            </a:pPr>
+            <a:r>
+              <a:rPr lang="en-US" sz="2800" dirty="0"/>
+              <a:t>This research will help gather knowledge into the limitations of different game tree search techniques for AI.</a:t>
+            </a:r>
+          </a:p>
+          <a:p>
+            <a:pPr marL="285750" indent="-285750">
+              <a:buFont typeface="Arial" panose="020B0604020202020204" pitchFamily="34" charset="0"/>
+              <a:buChar char="•"/>
+            </a:pPr>
+            <a:endParaRPr lang="en-US" sz="2800" dirty="0"/>
+          </a:p>
+          <a:p>
+            <a:pPr marL="285750" indent="-285750">
+              <a:buFont typeface="Arial" panose="020B0604020202020204" pitchFamily="34" charset="0"/>
+              <a:buChar char="•"/>
+            </a:pPr>
+            <a:r>
+              <a:rPr lang="en-US" sz="2800" dirty="0"/>
+              <a:t>To create a hyper heuristic agent that has been modified from the strengths and weaknesses found in different tree search techniques. </a:t>
+            </a:r>
+          </a:p>
+          <a:p>
+            <a:endParaRPr lang="en-US" sz="2800" dirty="0"/>
+          </a:p>
+          <a:p>
+            <a:pPr marL="285750" indent="-285750">
+              <a:buFont typeface="Arial" panose="020B0604020202020204" pitchFamily="34" charset="0"/>
+              <a:buChar char="•"/>
+            </a:pPr>
+            <a:r>
+              <a:rPr lang="en-US" sz="2800" dirty="0"/>
+              <a:t>Also by looking at how the scaling of different metrics within the competition frame work and seeing how they affect the performance of different agents.</a:t>
+            </a:r>
+          </a:p>
+          <a:p>
+            <a:pPr marL="285750" indent="-285750">
+              <a:buFont typeface="Arial" panose="020B0604020202020204" pitchFamily="34" charset="0"/>
+              <a:buChar char="•"/>
+            </a:pPr>
+            <a:r>
+              <a:rPr lang="en-US" sz="2800" dirty="0"/>
+              <a:t>There are a lot of different controllers that are modifications to MCTS, but there has been little research as to how the modifications compare with each other.</a:t>
+            </a:r>
+            <a:endParaRPr lang="en-GB" sz="2800" dirty="0"/>
           </a:p>
         </p:txBody>
       </p:sp>
     </p:spTree>
     <p:extLst>
       <p:ext uri="{BB962C8B-B14F-4D97-AF65-F5344CB8AC3E}">
-        <p14:creationId xmlns:p14="http://schemas.microsoft.com/office/powerpoint/2010/main" val="278686775"/>
+        <p14:creationId xmlns:p14="http://schemas.microsoft.com/office/powerpoint/2010/main" val="1713842602"/>
       </p:ext>
     </p:extLst>
   </p:cSld>
   <p:clrMapOvr>
     <a:masterClrMapping/>
   </p:clrMapOvr>
+  <p:timing>
+    <p:tnLst>
+      <p:par>
+        <p:cTn id="1" dur="indefinite" restart="never" nodeType="tmRoot">
+          <p:childTnLst>
+            <p:seq concurrent="1" nextAc="seek">
+              <p:cTn id="2" dur="indefinite" nodeType="mainSeq">
+                <p:childTnLst>
+                  <p:par>
+                    <p:cTn id="3" fill="hold">
+                      <p:stCondLst>
+                        <p:cond delay="indefinite"/>
+                      </p:stCondLst>
+                      <p:childTnLst>
+                        <p:par>
+                          <p:cTn id="4" fill="hold">
+                            <p:stCondLst>
+                              <p:cond delay="0"/>
+                            </p:stCondLst>
+                            <p:childTnLst>
+                              <p:par>
+                                <p:cTn id="5" presetID="1" presetClass="entr" presetSubtype="0" fill="hold" grpId="0" nodeType="clickEffect">
+                                  <p:stCondLst>
+                                    <p:cond delay="0"/>
+                                  </p:stCondLst>
+                                  <p:childTnLst>
+                                    <p:set>
+                                      <p:cBhvr>
+                                        <p:cTn id="6" dur="1" fill="hold">
+                                          <p:stCondLst>
+                                            <p:cond delay="0"/>
+                                          </p:stCondLst>
+                                        </p:cTn>
+                                        <p:tgtEl>
+                                          <p:spTgt spid="5">
+                                            <p:txEl>
+                                              <p:pRg st="0" end="0"/>
+                                            </p:txEl>
+                                          </p:spTgt>
+                                        </p:tgtEl>
+                                        <p:attrNameLst>
+                                          <p:attrName>style.visibility</p:attrName>
+                                        </p:attrNameLst>
+                                      </p:cBhvr>
+                                      <p:to>
+                                        <p:strVal val="visible"/>
+                                      </p:to>
+                                    </p:set>
+                                  </p:childTnLst>
+                                </p:cTn>
+                              </p:par>
+                            </p:childTnLst>
+                          </p:cTn>
+                        </p:par>
+                      </p:childTnLst>
+                    </p:cTn>
+                  </p:par>
+                  <p:par>
+                    <p:cTn id="7" fill="hold">
+                      <p:stCondLst>
+                        <p:cond delay="indefinite"/>
+                      </p:stCondLst>
+                      <p:childTnLst>
+                        <p:par>
+                          <p:cTn id="8" fill="hold">
+                            <p:stCondLst>
+                              <p:cond delay="0"/>
+                            </p:stCondLst>
+                            <p:childTnLst>
+                              <p:par>
+                                <p:cTn id="9" presetID="1" presetClass="entr" presetSubtype="0" fill="hold" grpId="0" nodeType="clickEffect">
+                                  <p:stCondLst>
+                                    <p:cond delay="0"/>
+                                  </p:stCondLst>
+                                  <p:childTnLst>
+                                    <p:set>
+                                      <p:cBhvr>
+                                        <p:cTn id="10" dur="1" fill="hold">
+                                          <p:stCondLst>
+                                            <p:cond delay="0"/>
+                                          </p:stCondLst>
+                                        </p:cTn>
+                                        <p:tgtEl>
+                                          <p:spTgt spid="5">
+                                            <p:txEl>
+                                              <p:pRg st="2" end="2"/>
+                                            </p:txEl>
+                                          </p:spTgt>
+                                        </p:tgtEl>
+                                        <p:attrNameLst>
+                                          <p:attrName>style.visibility</p:attrName>
+                                        </p:attrNameLst>
+                                      </p:cBhvr>
+                                      <p:to>
+                                        <p:strVal val="visible"/>
+                                      </p:to>
+                                    </p:set>
+                                  </p:childTnLst>
+                                </p:cTn>
+                              </p:par>
+                            </p:childTnLst>
+                          </p:cTn>
+                        </p:par>
+                      </p:childTnLst>
+                    </p:cTn>
+                  </p:par>
+                  <p:par>
+                    <p:cTn id="11" fill="hold">
+                      <p:stCondLst>
+                        <p:cond delay="indefinite"/>
+                      </p:stCondLst>
+                      <p:childTnLst>
+                        <p:par>
+                          <p:cTn id="12" fill="hold">
+                            <p:stCondLst>
+                              <p:cond delay="0"/>
+                            </p:stCondLst>
+                            <p:childTnLst>
+                              <p:par>
+                                <p:cTn id="13" presetID="1" presetClass="entr" presetSubtype="0" fill="hold" grpId="0" nodeType="clickEffect">
+                                  <p:stCondLst>
+                                    <p:cond delay="0"/>
+                                  </p:stCondLst>
+                                  <p:childTnLst>
+                                    <p:set>
+                                      <p:cBhvr>
+                                        <p:cTn id="14" dur="1" fill="hold">
+                                          <p:stCondLst>
+                                            <p:cond delay="0"/>
+                                          </p:stCondLst>
+                                        </p:cTn>
+                                        <p:tgtEl>
+                                          <p:spTgt spid="5">
+                                            <p:txEl>
+                                              <p:pRg st="4" end="4"/>
+                                            </p:txEl>
+                                          </p:spTgt>
+                                        </p:tgtEl>
+                                        <p:attrNameLst>
+                                          <p:attrName>style.visibility</p:attrName>
+                                        </p:attrNameLst>
+                                      </p:cBhvr>
+                                      <p:to>
+                                        <p:strVal val="visible"/>
+                                      </p:to>
+                                    </p:set>
+                                  </p:childTnLst>
+                                </p:cTn>
+                              </p:par>
+                            </p:childTnLst>
+                          </p:cTn>
+                        </p:par>
+                      </p:childTnLst>
+                    </p:cTn>
+                  </p:par>
+                  <p:par>
+                    <p:cTn id="15" fill="hold">
+                      <p:stCondLst>
+                        <p:cond delay="indefinite"/>
+                      </p:stCondLst>
+                      <p:childTnLst>
+                        <p:par>
+                          <p:cTn id="16" fill="hold">
+                            <p:stCondLst>
+                              <p:cond delay="0"/>
+                            </p:stCondLst>
+                            <p:childTnLst>
+                              <p:par>
+                                <p:cTn id="17" presetID="1" presetClass="entr" presetSubtype="0" fill="hold" grpId="0" nodeType="clickEffect">
+                                  <p:stCondLst>
+                                    <p:cond delay="0"/>
+                                  </p:stCondLst>
+                                  <p:childTnLst>
+                                    <p:set>
+                                      <p:cBhvr>
+                                        <p:cTn id="18" dur="1" fill="hold">
+                                          <p:stCondLst>
+                                            <p:cond delay="0"/>
+                                          </p:stCondLst>
+                                        </p:cTn>
+                                        <p:tgtEl>
+                                          <p:spTgt spid="5">
+                                            <p:txEl>
+                                              <p:pRg st="5" end="5"/>
+                                            </p:txEl>
+                                          </p:spTgt>
+                                        </p:tgtEl>
+                                        <p:attrNameLst>
+                                          <p:attrName>style.visibility</p:attrName>
+                                        </p:attrNameLst>
+                                      </p:cBhvr>
+                                      <p:to>
+                                        <p:strVal val="visible"/>
+                                      </p:to>
+                                    </p:set>
+                                  </p:childTnLst>
+                                </p:cTn>
+                              </p:par>
+                            </p:childTnLst>
+                          </p:cTn>
+                        </p:par>
+                      </p:childTnLst>
+                    </p:cTn>
+                  </p:par>
+                </p:childTnLst>
+              </p:cTn>
+              <p:prevCondLst>
+                <p:cond evt="onPrev" delay="0">
+                  <p:tgtEl>
+                    <p:sldTgt/>
+                  </p:tgtEl>
+                </p:cond>
+              </p:prevCondLst>
+              <p:nextCondLst>
+                <p:cond evt="onNext" delay="0">
+                  <p:tgtEl>
+                    <p:sldTgt/>
+                  </p:tgtEl>
+                </p:cond>
+              </p:nextCondLst>
+            </p:seq>
+          </p:childTnLst>
+        </p:cTn>
+      </p:par>
+    </p:tnLst>
+    <p:bldLst>
+      <p:bldP spid="5" grpId="0" build="p"/>
+    </p:bldLst>
+  </p:timing>
 </p:sld>
 </file>
 
@@ -3812,7 +4476,7 @@
           <p:cNvPr id="4" name="TextBox 3">
             <a:extLst>
               <a:ext uri="{FF2B5EF4-FFF2-40B4-BE49-F238E27FC236}">
-                <a16:creationId xmlns:a16="http://schemas.microsoft.com/office/drawing/2014/main" id="{0D421A23-4C62-4BA8-BC69-FD7475CCFB27}"/>
+                <a16:creationId xmlns:a16="http://schemas.microsoft.com/office/drawing/2014/main" id="{72FB468F-680D-42FA-B18E-7F42AF072AED}"/>
               </a:ext>
             </a:extLst>
           </p:cNvPr>
@@ -3821,8 +4485,8 @@
         </p:nvSpPr>
         <p:spPr>
           <a:xfrm>
-            <a:off x="298579" y="230157"/>
-            <a:ext cx="7564017" cy="369332"/>
+            <a:off x="263410" y="220083"/>
+            <a:ext cx="9075576" cy="584775"/>
           </a:xfrm>
           <a:prstGeom prst="rect">
             <a:avLst/>
@@ -3836,94 +4500,269 @@
           <a:lstStyle/>
           <a:p>
             <a:r>
-              <a:rPr lang="en-US" dirty="0"/>
-              <a:t>Current Results:</a:t>
-            </a:r>
-          </a:p>
-        </p:txBody>
-      </p:sp>
-      <p:pic>
-        <p:nvPicPr>
-          <p:cNvPr id="3" name="Picture 2">
-            <a:extLst>
-              <a:ext uri="{FF2B5EF4-FFF2-40B4-BE49-F238E27FC236}">
-                <a16:creationId xmlns:a16="http://schemas.microsoft.com/office/drawing/2014/main" id="{332603B8-6CBE-4361-8DF7-96C49E91E2AE}"/>
-              </a:ext>
-            </a:extLst>
-          </p:cNvPr>
-          <p:cNvPicPr>
-            <a:picLocks noChangeAspect="1"/>
-          </p:cNvPicPr>
+              <a:rPr lang="en-US" sz="3200" dirty="0"/>
+              <a:t>How the data is being collected</a:t>
+            </a:r>
+          </a:p>
+        </p:txBody>
+      </p:sp>
+      <p:sp>
+        <p:nvSpPr>
+          <p:cNvPr id="5" name="TextBox 4">
+            <a:extLst>
+              <a:ext uri="{FF2B5EF4-FFF2-40B4-BE49-F238E27FC236}">
+                <a16:creationId xmlns:a16="http://schemas.microsoft.com/office/drawing/2014/main" id="{44E8140D-E8A3-4683-ACB7-0FD451A28485}"/>
+              </a:ext>
+            </a:extLst>
+          </p:cNvPr>
+          <p:cNvSpPr txBox="1"/>
           <p:nvPr/>
-        </p:nvPicPr>
-        <p:blipFill>
-          <a:blip r:embed="rId2">
-            <a:extLst>
-              <a:ext uri="{28A0092B-C50C-407E-A947-70E740481C1C}">
-                <a14:useLocalDpi xmlns:a14="http://schemas.microsoft.com/office/drawing/2010/main" val="0"/>
-              </a:ext>
-            </a:extLst>
-          </a:blip>
-          <a:stretch>
-            <a:fillRect/>
-          </a:stretch>
-        </p:blipFill>
+        </p:nvSpPr>
         <p:spPr>
           <a:xfrm>
-            <a:off x="1419268" y="1794628"/>
-            <a:ext cx="4251230" cy="1437190"/>
+            <a:off x="220605" y="1521833"/>
+            <a:ext cx="11750790" cy="1815882"/>
           </a:xfrm>
           <a:prstGeom prst="rect">
             <a:avLst/>
           </a:prstGeom>
+          <a:noFill/>
         </p:spPr>
-      </p:pic>
-      <p:pic>
-        <p:nvPicPr>
-          <p:cNvPr id="6" name="Picture 5">
-            <a:extLst>
-              <a:ext uri="{FF2B5EF4-FFF2-40B4-BE49-F238E27FC236}">
-                <a16:creationId xmlns:a16="http://schemas.microsoft.com/office/drawing/2014/main" id="{1564A6E9-7BAF-439B-B923-0E74F6729408}"/>
-              </a:ext>
-            </a:extLst>
-          </p:cNvPr>
-          <p:cNvPicPr>
-            <a:picLocks noChangeAspect="1"/>
-          </p:cNvPicPr>
-          <p:nvPr/>
-        </p:nvPicPr>
-        <p:blipFill>
-          <a:blip r:embed="rId3">
-            <a:extLst>
-              <a:ext uri="{28A0092B-C50C-407E-A947-70E740481C1C}">
-                <a14:useLocalDpi xmlns:a14="http://schemas.microsoft.com/office/drawing/2010/main" val="0"/>
-              </a:ext>
-            </a:extLst>
-          </a:blip>
-          <a:stretch>
-            <a:fillRect/>
-          </a:stretch>
-        </p:blipFill>
-        <p:spPr>
-          <a:xfrm>
-            <a:off x="5983016" y="634043"/>
-            <a:ext cx="4251230" cy="1437190"/>
-          </a:xfrm>
-          <a:prstGeom prst="rect">
-            <a:avLst/>
-          </a:prstGeom>
-        </p:spPr>
-      </p:pic>
+        <p:txBody>
+          <a:bodyPr wrap="square" rtlCol="0">
+            <a:spAutoFit/>
+          </a:bodyPr>
+          <a:lstStyle/>
+          <a:p>
+            <a:pPr marL="285750" indent="-285750">
+              <a:buFont typeface="Arial" panose="020B0604020202020204" pitchFamily="34" charset="0"/>
+              <a:buChar char="•"/>
+            </a:pPr>
+            <a:r>
+              <a:rPr lang="en-GB" sz="2800" dirty="0"/>
+              <a:t>A </a:t>
+            </a:r>
+            <a:r>
+              <a:rPr lang="en-GB" sz="2800" dirty="0" err="1"/>
+              <a:t>json</a:t>
+            </a:r>
+            <a:r>
+              <a:rPr lang="en-GB" sz="2800" dirty="0"/>
+              <a:t> file is created with the stats from the end of the game</a:t>
+            </a:r>
+          </a:p>
+          <a:p>
+            <a:pPr marL="285750" indent="-285750">
+              <a:buFont typeface="Arial" panose="020B0604020202020204" pitchFamily="34" charset="0"/>
+              <a:buChar char="•"/>
+            </a:pPr>
+            <a:r>
+              <a:rPr lang="en-GB" sz="2800" dirty="0"/>
+              <a:t>A screen capture of the game with an overlay of how long the agent spent in each cell</a:t>
+            </a:r>
+          </a:p>
+          <a:p>
+            <a:pPr marL="285750" indent="-285750">
+              <a:buFont typeface="Arial" panose="020B0604020202020204" pitchFamily="34" charset="0"/>
+              <a:buChar char="•"/>
+            </a:pPr>
+            <a:r>
+              <a:rPr lang="en-GB" sz="2800" dirty="0"/>
+              <a:t>That data will help show the agents patterns, within the different games.</a:t>
+            </a:r>
+          </a:p>
+        </p:txBody>
+      </p:sp>
     </p:spTree>
     <p:extLst>
       <p:ext uri="{BB962C8B-B14F-4D97-AF65-F5344CB8AC3E}">
-        <p14:creationId xmlns:p14="http://schemas.microsoft.com/office/powerpoint/2010/main" val="1832757319"/>
+        <p14:creationId xmlns:p14="http://schemas.microsoft.com/office/powerpoint/2010/main" val="1227347805"/>
       </p:ext>
     </p:extLst>
   </p:cSld>
   <p:clrMapOvr>
     <a:masterClrMapping/>
   </p:clrMapOvr>
+  <p:timing>
+    <p:tnLst>
+      <p:par>
+        <p:cTn id="1" dur="indefinite" restart="never" nodeType="tmRoot">
+          <p:childTnLst>
+            <p:seq concurrent="1" nextAc="seek">
+              <p:cTn id="2" dur="indefinite" nodeType="mainSeq">
+                <p:childTnLst>
+                  <p:par>
+                    <p:cTn id="3" fill="hold">
+                      <p:stCondLst>
+                        <p:cond delay="indefinite"/>
+                      </p:stCondLst>
+                      <p:childTnLst>
+                        <p:par>
+                          <p:cTn id="4" fill="hold">
+                            <p:stCondLst>
+                              <p:cond delay="0"/>
+                            </p:stCondLst>
+                            <p:childTnLst>
+                              <p:par>
+                                <p:cTn id="5" presetID="1" presetClass="entr" presetSubtype="0" fill="hold" grpId="0" nodeType="clickEffect">
+                                  <p:stCondLst>
+                                    <p:cond delay="0"/>
+                                  </p:stCondLst>
+                                  <p:childTnLst>
+                                    <p:set>
+                                      <p:cBhvr>
+                                        <p:cTn id="6" dur="1" fill="hold">
+                                          <p:stCondLst>
+                                            <p:cond delay="0"/>
+                                          </p:stCondLst>
+                                        </p:cTn>
+                                        <p:tgtEl>
+                                          <p:spTgt spid="5">
+                                            <p:txEl>
+                                              <p:pRg st="0" end="0"/>
+                                            </p:txEl>
+                                          </p:spTgt>
+                                        </p:tgtEl>
+                                        <p:attrNameLst>
+                                          <p:attrName>style.visibility</p:attrName>
+                                        </p:attrNameLst>
+                                      </p:cBhvr>
+                                      <p:to>
+                                        <p:strVal val="visible"/>
+                                      </p:to>
+                                    </p:set>
+                                  </p:childTnLst>
+                                </p:cTn>
+                              </p:par>
+                            </p:childTnLst>
+                          </p:cTn>
+                        </p:par>
+                      </p:childTnLst>
+                    </p:cTn>
+                  </p:par>
+                  <p:par>
+                    <p:cTn id="7" fill="hold">
+                      <p:stCondLst>
+                        <p:cond delay="indefinite"/>
+                      </p:stCondLst>
+                      <p:childTnLst>
+                        <p:par>
+                          <p:cTn id="8" fill="hold">
+                            <p:stCondLst>
+                              <p:cond delay="0"/>
+                            </p:stCondLst>
+                            <p:childTnLst>
+                              <p:par>
+                                <p:cTn id="9" presetID="1" presetClass="entr" presetSubtype="0" fill="hold" grpId="0" nodeType="clickEffect">
+                                  <p:stCondLst>
+                                    <p:cond delay="0"/>
+                                  </p:stCondLst>
+                                  <p:childTnLst>
+                                    <p:set>
+                                      <p:cBhvr>
+                                        <p:cTn id="10" dur="1" fill="hold">
+                                          <p:stCondLst>
+                                            <p:cond delay="0"/>
+                                          </p:stCondLst>
+                                        </p:cTn>
+                                        <p:tgtEl>
+                                          <p:spTgt spid="5">
+                                            <p:txEl>
+                                              <p:pRg st="1" end="1"/>
+                                            </p:txEl>
+                                          </p:spTgt>
+                                        </p:tgtEl>
+                                        <p:attrNameLst>
+                                          <p:attrName>style.visibility</p:attrName>
+                                        </p:attrNameLst>
+                                      </p:cBhvr>
+                                      <p:to>
+                                        <p:strVal val="visible"/>
+                                      </p:to>
+                                    </p:set>
+                                  </p:childTnLst>
+                                </p:cTn>
+                              </p:par>
+                            </p:childTnLst>
+                          </p:cTn>
+                        </p:par>
+                      </p:childTnLst>
+                    </p:cTn>
+                  </p:par>
+                  <p:par>
+                    <p:cTn id="11" fill="hold">
+                      <p:stCondLst>
+                        <p:cond delay="indefinite"/>
+                      </p:stCondLst>
+                      <p:childTnLst>
+                        <p:par>
+                          <p:cTn id="12" fill="hold">
+                            <p:stCondLst>
+                              <p:cond delay="0"/>
+                            </p:stCondLst>
+                            <p:childTnLst>
+                              <p:par>
+                                <p:cTn id="13" presetID="1" presetClass="entr" presetSubtype="0" fill="hold" grpId="0" nodeType="clickEffect">
+                                  <p:stCondLst>
+                                    <p:cond delay="0"/>
+                                  </p:stCondLst>
+                                  <p:childTnLst>
+                                    <p:set>
+                                      <p:cBhvr>
+                                        <p:cTn id="14" dur="1" fill="hold">
+                                          <p:stCondLst>
+                                            <p:cond delay="0"/>
+                                          </p:stCondLst>
+                                        </p:cTn>
+                                        <p:tgtEl>
+                                          <p:spTgt spid="5">
+                                            <p:txEl>
+                                              <p:pRg st="2" end="2"/>
+                                            </p:txEl>
+                                          </p:spTgt>
+                                        </p:tgtEl>
+                                        <p:attrNameLst>
+                                          <p:attrName>style.visibility</p:attrName>
+                                        </p:attrNameLst>
+                                      </p:cBhvr>
+                                      <p:to>
+                                        <p:strVal val="visible"/>
+                                      </p:to>
+                                    </p:set>
+                                  </p:childTnLst>
+                                </p:cTn>
+                              </p:par>
+                            </p:childTnLst>
+                          </p:cTn>
+                        </p:par>
+                      </p:childTnLst>
+                    </p:cTn>
+                  </p:par>
+                </p:childTnLst>
+              </p:cTn>
+              <p:prevCondLst>
+                <p:cond evt="onPrev" delay="0">
+                  <p:tgtEl>
+                    <p:sldTgt/>
+                  </p:tgtEl>
+                </p:cond>
+              </p:prevCondLst>
+              <p:nextCondLst>
+                <p:cond evt="onNext" delay="0">
+                  <p:tgtEl>
+                    <p:sldTgt/>
+                  </p:tgtEl>
+                </p:cond>
+              </p:nextCondLst>
+            </p:seq>
+          </p:childTnLst>
+        </p:cTn>
+      </p:par>
+    </p:tnLst>
+    <p:bldLst>
+      <p:bldP spid="5" grpId="0" build="p"/>
+    </p:bldLst>
+  </p:timing>
 </p:sld>
 </file>
 
@@ -3946,10 +4785,10 @@
       </p:grpSpPr>
       <p:sp>
         <p:nvSpPr>
-          <p:cNvPr id="9" name="TextBox 8">
-            <a:extLst>
-              <a:ext uri="{FF2B5EF4-FFF2-40B4-BE49-F238E27FC236}">
-                <a16:creationId xmlns:a16="http://schemas.microsoft.com/office/drawing/2014/main" id="{B98A23F0-E5DC-4BF9-8070-445C2786466A}"/>
+          <p:cNvPr id="4" name="TextBox 3">
+            <a:extLst>
+              <a:ext uri="{FF2B5EF4-FFF2-40B4-BE49-F238E27FC236}">
+                <a16:creationId xmlns:a16="http://schemas.microsoft.com/office/drawing/2014/main" id="{0D421A23-4C62-4BA8-BC69-FD7475CCFB27}"/>
               </a:ext>
             </a:extLst>
           </p:cNvPr>
@@ -3958,8 +4797,8 @@
         </p:nvSpPr>
         <p:spPr>
           <a:xfrm>
-            <a:off x="370369" y="3578298"/>
-            <a:ext cx="3607053" cy="369332"/>
+            <a:off x="298579" y="230157"/>
+            <a:ext cx="7564017" cy="584775"/>
           </a:xfrm>
           <a:prstGeom prst="rect">
             <a:avLst/>
@@ -3973,42 +4812,7 @@
           <a:lstStyle/>
           <a:p>
             <a:r>
-              <a:rPr lang="en-US" dirty="0"/>
-              <a:t>OLMCTS controller after 10 Games</a:t>
-            </a:r>
-          </a:p>
-        </p:txBody>
-      </p:sp>
-      <p:sp>
-        <p:nvSpPr>
-          <p:cNvPr id="10" name="TextBox 9">
-            <a:extLst>
-              <a:ext uri="{FF2B5EF4-FFF2-40B4-BE49-F238E27FC236}">
-                <a16:creationId xmlns:a16="http://schemas.microsoft.com/office/drawing/2014/main" id="{43B34843-0FB6-4B20-9292-5A3A7135B975}"/>
-              </a:ext>
-            </a:extLst>
-          </p:cNvPr>
-          <p:cNvSpPr txBox="1"/>
-          <p:nvPr/>
-        </p:nvSpPr>
-        <p:spPr>
-          <a:xfrm>
-            <a:off x="298579" y="201579"/>
-            <a:ext cx="7564017" cy="523220"/>
-          </a:xfrm>
-          <a:prstGeom prst="rect">
-            <a:avLst/>
-          </a:prstGeom>
-          <a:noFill/>
-        </p:spPr>
-        <p:txBody>
-          <a:bodyPr wrap="square" rtlCol="0">
-            <a:spAutoFit/>
-          </a:bodyPr>
-          <a:lstStyle/>
-          <a:p>
-            <a:r>
-              <a:rPr lang="en-US" sz="2800" b="1" dirty="0"/>
+              <a:rPr lang="en-US" sz="3200" b="1" dirty="0"/>
               <a:t>Current Results:</a:t>
             </a:r>
           </a:p>
@@ -4019,7 +4823,7 @@
           <p:cNvPr id="3" name="Picture 2">
             <a:extLst>
               <a:ext uri="{FF2B5EF4-FFF2-40B4-BE49-F238E27FC236}">
-                <a16:creationId xmlns:a16="http://schemas.microsoft.com/office/drawing/2014/main" id="{EED427F1-8E74-4EDF-AB39-779E478FB614}"/>
+                <a16:creationId xmlns:a16="http://schemas.microsoft.com/office/drawing/2014/main" id="{332603B8-6CBE-4361-8DF7-96C49E91E2AE}"/>
               </a:ext>
             </a:extLst>
           </p:cNvPr>
@@ -4042,8 +4846,8 @@
         </p:blipFill>
         <p:spPr>
           <a:xfrm>
-            <a:off x="4399630" y="1118119"/>
-            <a:ext cx="3392737" cy="2348818"/>
+            <a:off x="0" y="1832334"/>
+            <a:ext cx="6130551" cy="2072522"/>
           </a:xfrm>
           <a:prstGeom prst="rect">
             <a:avLst/>
@@ -4052,10 +4856,10 @@
       </p:pic>
       <p:pic>
         <p:nvPicPr>
-          <p:cNvPr id="5" name="Picture 4">
-            <a:extLst>
-              <a:ext uri="{FF2B5EF4-FFF2-40B4-BE49-F238E27FC236}">
-                <a16:creationId xmlns:a16="http://schemas.microsoft.com/office/drawing/2014/main" id="{F8E7D04A-91C8-4931-A83C-EB2970E09002}"/>
+          <p:cNvPr id="6" name="Picture 5">
+            <a:extLst>
+              <a:ext uri="{FF2B5EF4-FFF2-40B4-BE49-F238E27FC236}">
+                <a16:creationId xmlns:a16="http://schemas.microsoft.com/office/drawing/2014/main" id="{1564A6E9-7BAF-439B-B923-0E74F6729408}"/>
               </a:ext>
             </a:extLst>
           </p:cNvPr>
@@ -4078,8 +4882,8 @@
         </p:blipFill>
         <p:spPr>
           <a:xfrm>
-            <a:off x="370369" y="1118119"/>
-            <a:ext cx="3392737" cy="2348818"/>
+            <a:off x="6499442" y="1903955"/>
+            <a:ext cx="5393979" cy="1823513"/>
           </a:xfrm>
           <a:prstGeom prst="rect">
             <a:avLst/>
@@ -4088,10 +4892,10 @@
       </p:pic>
       <p:sp>
         <p:nvSpPr>
-          <p:cNvPr id="11" name="TextBox 10">
-            <a:extLst>
-              <a:ext uri="{FF2B5EF4-FFF2-40B4-BE49-F238E27FC236}">
-                <a16:creationId xmlns:a16="http://schemas.microsoft.com/office/drawing/2014/main" id="{A39BBDF7-E670-4C9D-9FBB-ACA0CFA46BC0}"/>
+          <p:cNvPr id="5" name="TextBox 4">
+            <a:extLst>
+              <a:ext uri="{FF2B5EF4-FFF2-40B4-BE49-F238E27FC236}">
+                <a16:creationId xmlns:a16="http://schemas.microsoft.com/office/drawing/2014/main" id="{DFC8FDC3-E2FC-44F1-A94D-929736E71CEF}"/>
               </a:ext>
             </a:extLst>
           </p:cNvPr>
@@ -4100,85 +4904,13 @@
         </p:nvSpPr>
         <p:spPr>
           <a:xfrm>
-            <a:off x="4513383" y="3578298"/>
-            <a:ext cx="3165232" cy="369332"/>
-          </a:xfrm>
-          <a:prstGeom prst="rect">
-            <a:avLst/>
-          </a:prstGeom>
-          <a:noFill/>
-        </p:spPr>
-        <p:txBody>
-          <a:bodyPr wrap="square" rtlCol="0">
-            <a:spAutoFit/>
-          </a:bodyPr>
-          <a:lstStyle/>
-          <a:p>
-            <a:r>
-              <a:rPr lang="en-US" dirty="0"/>
-              <a:t>MCTS controller after 10 Games</a:t>
-            </a:r>
-          </a:p>
-        </p:txBody>
-      </p:sp>
-      <p:pic>
-        <p:nvPicPr>
-          <p:cNvPr id="7" name="Picture 6">
-            <a:extLst>
-              <a:ext uri="{FF2B5EF4-FFF2-40B4-BE49-F238E27FC236}">
-                <a16:creationId xmlns:a16="http://schemas.microsoft.com/office/drawing/2014/main" id="{A45A19D7-89FC-4155-86BC-8A343C9B4936}"/>
-              </a:ext>
-            </a:extLst>
-          </p:cNvPr>
-          <p:cNvPicPr>
-            <a:picLocks noChangeAspect="1"/>
-          </p:cNvPicPr>
-          <p:nvPr/>
-        </p:nvPicPr>
-        <p:blipFill>
-          <a:blip r:embed="rId4">
-            <a:extLst>
-              <a:ext uri="{28A0092B-C50C-407E-A947-70E740481C1C}">
-                <a14:useLocalDpi xmlns:a14="http://schemas.microsoft.com/office/drawing/2010/main" val="0"/>
-              </a:ext>
-            </a:extLst>
-          </a:blip>
-          <a:stretch>
-            <a:fillRect/>
-          </a:stretch>
-        </p:blipFill>
-        <p:spPr>
-          <a:xfrm>
-            <a:off x="8428891" y="1118119"/>
-            <a:ext cx="3392736" cy="2348818"/>
+            <a:off x="298579" y="1496475"/>
+            <a:ext cx="8210421" cy="523220"/>
           </a:xfrm>
           <a:prstGeom prst="rect">
             <a:avLst/>
           </a:prstGeom>
         </p:spPr>
-      </p:pic>
-      <p:sp>
-        <p:nvSpPr>
-          <p:cNvPr id="12" name="TextBox 11">
-            <a:extLst>
-              <a:ext uri="{FF2B5EF4-FFF2-40B4-BE49-F238E27FC236}">
-                <a16:creationId xmlns:a16="http://schemas.microsoft.com/office/drawing/2014/main" id="{57E24049-FFEB-4DDE-AF0C-CA13C7E91B35}"/>
-              </a:ext>
-            </a:extLst>
-          </p:cNvPr>
-          <p:cNvSpPr txBox="1"/>
-          <p:nvPr/>
-        </p:nvSpPr>
-        <p:spPr>
-          <a:xfrm>
-            <a:off x="8343899" y="3578298"/>
-            <a:ext cx="3477728" cy="369332"/>
-          </a:xfrm>
-          <a:prstGeom prst="rect">
-            <a:avLst/>
-          </a:prstGeom>
-          <a:noFill/>
-        </p:spPr>
         <p:txBody>
           <a:bodyPr wrap="square" rtlCol="0">
             <a:spAutoFit/>
@@ -4186,22 +4918,19 @@
           <a:lstStyle/>
           <a:p>
             <a:r>
-              <a:rPr lang="en-US" dirty="0" err="1"/>
-              <a:t>FlatMCTS</a:t>
-            </a:r>
-            <a:r>
-              <a:rPr lang="en-US" dirty="0"/>
-              <a:t> controller after 10 games</a:t>
-            </a:r>
-          </a:p>
-        </p:txBody>
-      </p:sp>
-      <p:sp>
-        <p:nvSpPr>
-          <p:cNvPr id="13" name="TextBox 12">
-            <a:extLst>
-              <a:ext uri="{FF2B5EF4-FFF2-40B4-BE49-F238E27FC236}">
-                <a16:creationId xmlns:a16="http://schemas.microsoft.com/office/drawing/2014/main" id="{222EAFA0-527C-44E1-B7A1-277C8C2142E7}"/>
+              <a:rPr lang="en-US" sz="2800" dirty="0"/>
+              <a:t>Measuring the score over time</a:t>
+            </a:r>
+            <a:endParaRPr lang="en-GB" sz="2800" dirty="0"/>
+          </a:p>
+        </p:txBody>
+      </p:sp>
+      <p:sp>
+        <p:nvSpPr>
+          <p:cNvPr id="8" name="TextBox 7">
+            <a:extLst>
+              <a:ext uri="{FF2B5EF4-FFF2-40B4-BE49-F238E27FC236}">
+                <a16:creationId xmlns:a16="http://schemas.microsoft.com/office/drawing/2014/main" id="{4A5396C1-4E66-4FBB-8E7F-963DA6FE373D}"/>
               </a:ext>
             </a:extLst>
           </p:cNvPr>
@@ -4210,140 +4939,33 @@
         </p:nvSpPr>
         <p:spPr>
           <a:xfrm>
-            <a:off x="298579" y="728752"/>
-            <a:ext cx="3607053" cy="369332"/>
-          </a:xfrm>
-          <a:prstGeom prst="rect">
-            <a:avLst/>
-          </a:prstGeom>
-          <a:noFill/>
-        </p:spPr>
-        <p:txBody>
-          <a:bodyPr wrap="square" rtlCol="0">
-            <a:spAutoFit/>
-          </a:bodyPr>
-          <a:lstStyle/>
-          <a:p>
-            <a:r>
-              <a:rPr lang="en-US" dirty="0"/>
-              <a:t>Different MCTS variations:</a:t>
-            </a:r>
-          </a:p>
-        </p:txBody>
-      </p:sp>
-      <p:sp>
-        <p:nvSpPr>
-          <p:cNvPr id="14" name="TextBox 13">
-            <a:extLst>
-              <a:ext uri="{FF2B5EF4-FFF2-40B4-BE49-F238E27FC236}">
-                <a16:creationId xmlns:a16="http://schemas.microsoft.com/office/drawing/2014/main" id="{98C36839-4ACD-4B97-8391-835246893FC0}"/>
-              </a:ext>
-            </a:extLst>
-          </p:cNvPr>
-          <p:cNvSpPr txBox="1"/>
-          <p:nvPr/>
-        </p:nvSpPr>
-        <p:spPr>
-          <a:xfrm>
-            <a:off x="370368" y="3933500"/>
-            <a:ext cx="3607053" cy="461665"/>
-          </a:xfrm>
-          <a:prstGeom prst="rect">
-            <a:avLst/>
-          </a:prstGeom>
-          <a:noFill/>
-        </p:spPr>
-        <p:txBody>
-          <a:bodyPr wrap="square" rtlCol="0">
-            <a:spAutoFit/>
-          </a:bodyPr>
-          <a:lstStyle/>
-          <a:p>
-            <a:r>
-              <a:rPr lang="en-US" sz="2400" b="1" dirty="0"/>
-              <a:t>Others</a:t>
-            </a:r>
-          </a:p>
-        </p:txBody>
-      </p:sp>
-      <p:pic>
-        <p:nvPicPr>
-          <p:cNvPr id="18" name="Picture 17">
-            <a:extLst>
-              <a:ext uri="{FF2B5EF4-FFF2-40B4-BE49-F238E27FC236}">
-                <a16:creationId xmlns:a16="http://schemas.microsoft.com/office/drawing/2014/main" id="{DA99B19B-4A0E-4BAB-B4BC-6C9371BBFA6F}"/>
-              </a:ext>
-            </a:extLst>
-          </p:cNvPr>
-          <p:cNvPicPr>
-            <a:picLocks noChangeAspect="1"/>
-          </p:cNvPicPr>
-          <p:nvPr/>
-        </p:nvPicPr>
-        <p:blipFill>
-          <a:blip r:embed="rId5">
-            <a:extLst>
-              <a:ext uri="{28A0092B-C50C-407E-A947-70E740481C1C}">
-                <a14:useLocalDpi xmlns:a14="http://schemas.microsoft.com/office/drawing/2010/main" val="0"/>
-              </a:ext>
-            </a:extLst>
-          </a:blip>
-          <a:stretch>
-            <a:fillRect/>
-          </a:stretch>
-        </p:blipFill>
-        <p:spPr>
-          <a:xfrm>
-            <a:off x="1764049" y="4540818"/>
-            <a:ext cx="3238774" cy="2242228"/>
+            <a:off x="298579" y="5354860"/>
+            <a:ext cx="10972671" cy="523220"/>
           </a:xfrm>
           <a:prstGeom prst="rect">
             <a:avLst/>
           </a:prstGeom>
         </p:spPr>
-      </p:pic>
-      <p:sp>
-        <p:nvSpPr>
-          <p:cNvPr id="19" name="TextBox 18">
-            <a:extLst>
-              <a:ext uri="{FF2B5EF4-FFF2-40B4-BE49-F238E27FC236}">
-                <a16:creationId xmlns:a16="http://schemas.microsoft.com/office/drawing/2014/main" id="{E4901FBB-0928-4676-A091-43880D844110}"/>
-              </a:ext>
-            </a:extLst>
-          </p:cNvPr>
-          <p:cNvSpPr txBox="1"/>
-          <p:nvPr/>
-        </p:nvSpPr>
-        <p:spPr>
-          <a:xfrm>
-            <a:off x="1764050" y="4141232"/>
-            <a:ext cx="3238774" cy="369332"/>
-          </a:xfrm>
-          <a:prstGeom prst="rect">
-            <a:avLst/>
-          </a:prstGeom>
-          <a:noFill/>
-        </p:spPr>
         <p:txBody>
           <a:bodyPr wrap="square" rtlCol="0">
             <a:spAutoFit/>
           </a:bodyPr>
           <a:lstStyle/>
           <a:p>
-            <a:pPr algn="ctr"/>
-            <a:r>
-              <a:rPr lang="en-US" dirty="0"/>
-              <a:t>Random</a:t>
-            </a:r>
-          </a:p>
-        </p:txBody>
-      </p:sp>
-      <p:sp>
-        <p:nvSpPr>
-          <p:cNvPr id="20" name="TextBox 19">
-            <a:extLst>
-              <a:ext uri="{FF2B5EF4-FFF2-40B4-BE49-F238E27FC236}">
-                <a16:creationId xmlns:a16="http://schemas.microsoft.com/office/drawing/2014/main" id="{FE29109A-54C2-41B5-B536-C658373175B6}"/>
+            <a:r>
+              <a:rPr lang="en-US" sz="2800" dirty="0"/>
+              <a:t>From this data, it can show how fast the agent can find rewards in a game</a:t>
+            </a:r>
+            <a:endParaRPr lang="en-GB" sz="2800" dirty="0"/>
+          </a:p>
+        </p:txBody>
+      </p:sp>
+      <p:sp>
+        <p:nvSpPr>
+          <p:cNvPr id="9" name="TextBox 8">
+            <a:extLst>
+              <a:ext uri="{FF2B5EF4-FFF2-40B4-BE49-F238E27FC236}">
+                <a16:creationId xmlns:a16="http://schemas.microsoft.com/office/drawing/2014/main" id="{69F9B90D-E74F-448F-B4AA-5000333B84E6}"/>
               </a:ext>
             </a:extLst>
           </p:cNvPr>
@@ -4352,68 +4974,66 @@
         </p:nvSpPr>
         <p:spPr>
           <a:xfrm>
-            <a:off x="6595194" y="4075587"/>
-            <a:ext cx="3238774" cy="369332"/>
-          </a:xfrm>
-          <a:prstGeom prst="rect">
-            <a:avLst/>
-          </a:prstGeom>
-          <a:noFill/>
-        </p:spPr>
-        <p:txBody>
-          <a:bodyPr wrap="square" rtlCol="0">
-            <a:spAutoFit/>
-          </a:bodyPr>
-          <a:lstStyle/>
-          <a:p>
-            <a:pPr algn="ctr"/>
-            <a:r>
-              <a:rPr lang="en-US" dirty="0"/>
-              <a:t>OSLA(One Step Look Ahead)</a:t>
-            </a:r>
-          </a:p>
-        </p:txBody>
-      </p:sp>
-      <p:pic>
-        <p:nvPicPr>
-          <p:cNvPr id="22" name="Picture 21">
-            <a:extLst>
-              <a:ext uri="{FF2B5EF4-FFF2-40B4-BE49-F238E27FC236}">
-                <a16:creationId xmlns:a16="http://schemas.microsoft.com/office/drawing/2014/main" id="{AB951F74-8989-400C-AD0D-EB7D2CCE7E8E}"/>
-              </a:ext>
-            </a:extLst>
-          </p:cNvPr>
-          <p:cNvPicPr>
-            <a:picLocks noChangeAspect="1"/>
-          </p:cNvPicPr>
-          <p:nvPr/>
-        </p:nvPicPr>
-        <p:blipFill>
-          <a:blip r:embed="rId6">
-            <a:extLst>
-              <a:ext uri="{28A0092B-C50C-407E-A947-70E740481C1C}">
-                <a14:useLocalDpi xmlns:a14="http://schemas.microsoft.com/office/drawing/2010/main" val="0"/>
-              </a:ext>
-            </a:extLst>
-          </a:blip>
-          <a:stretch>
-            <a:fillRect/>
-          </a:stretch>
-        </p:blipFill>
-        <p:spPr>
-          <a:xfrm>
-            <a:off x="6724512" y="4540818"/>
-            <a:ext cx="3238774" cy="2242229"/>
+            <a:off x="2336929" y="3789116"/>
+            <a:ext cx="2444621" cy="523220"/>
           </a:xfrm>
           <a:prstGeom prst="rect">
             <a:avLst/>
           </a:prstGeom>
         </p:spPr>
-      </p:pic>
+        <p:txBody>
+          <a:bodyPr wrap="square" rtlCol="0">
+            <a:spAutoFit/>
+          </a:bodyPr>
+          <a:lstStyle/>
+          <a:p>
+            <a:r>
+              <a:rPr lang="en-US" sz="2800" dirty="0" err="1"/>
+              <a:t>sampleMCTS</a:t>
+            </a:r>
+            <a:endParaRPr lang="en-GB" sz="2800" dirty="0"/>
+          </a:p>
+        </p:txBody>
+      </p:sp>
+      <p:sp>
+        <p:nvSpPr>
+          <p:cNvPr id="10" name="TextBox 9">
+            <a:extLst>
+              <a:ext uri="{FF2B5EF4-FFF2-40B4-BE49-F238E27FC236}">
+                <a16:creationId xmlns:a16="http://schemas.microsoft.com/office/drawing/2014/main" id="{B6580430-90FE-4420-8539-527B2A26DBBB}"/>
+              </a:ext>
+            </a:extLst>
+          </p:cNvPr>
+          <p:cNvSpPr txBox="1"/>
+          <p:nvPr/>
+        </p:nvSpPr>
+        <p:spPr>
+          <a:xfrm>
+            <a:off x="8318629" y="3643246"/>
+            <a:ext cx="2444621" cy="523220"/>
+          </a:xfrm>
+          <a:prstGeom prst="rect">
+            <a:avLst/>
+          </a:prstGeom>
+        </p:spPr>
+        <p:txBody>
+          <a:bodyPr wrap="square" rtlCol="0">
+            <a:spAutoFit/>
+          </a:bodyPr>
+          <a:lstStyle/>
+          <a:p>
+            <a:r>
+              <a:rPr lang="en-US" sz="2800" dirty="0" err="1"/>
+              <a:t>sampleOLMCTS</a:t>
+            </a:r>
+            <a:endParaRPr lang="en-GB" sz="2800" dirty="0"/>
+          </a:p>
+        </p:txBody>
+      </p:sp>
     </p:spTree>
     <p:extLst>
       <p:ext uri="{BB962C8B-B14F-4D97-AF65-F5344CB8AC3E}">
-        <p14:creationId xmlns:p14="http://schemas.microsoft.com/office/powerpoint/2010/main" val="3204695554"/>
+        <p14:creationId xmlns:p14="http://schemas.microsoft.com/office/powerpoint/2010/main" val="1832757319"/>
       </p:ext>
     </p:extLst>
   </p:cSld>
@@ -4440,12 +5060,47 @@
           <a:chExt cx="0" cy="0"/>
         </a:xfrm>
       </p:grpSpPr>
+      <p:sp>
+        <p:nvSpPr>
+          <p:cNvPr id="9" name="TextBox 8">
+            <a:extLst>
+              <a:ext uri="{FF2B5EF4-FFF2-40B4-BE49-F238E27FC236}">
+                <a16:creationId xmlns:a16="http://schemas.microsoft.com/office/drawing/2014/main" id="{B98A23F0-E5DC-4BF9-8070-445C2786466A}"/>
+              </a:ext>
+            </a:extLst>
+          </p:cNvPr>
+          <p:cNvSpPr txBox="1"/>
+          <p:nvPr/>
+        </p:nvSpPr>
+        <p:spPr>
+          <a:xfrm>
+            <a:off x="370369" y="3578298"/>
+            <a:ext cx="3607053" cy="369332"/>
+          </a:xfrm>
+          <a:prstGeom prst="rect">
+            <a:avLst/>
+          </a:prstGeom>
+          <a:noFill/>
+        </p:spPr>
+        <p:txBody>
+          <a:bodyPr wrap="square" rtlCol="0">
+            <a:spAutoFit/>
+          </a:bodyPr>
+          <a:lstStyle/>
+          <a:p>
+            <a:r>
+              <a:rPr lang="en-US" dirty="0"/>
+              <a:t>OLMCTS controller after 10 Games</a:t>
+            </a:r>
+          </a:p>
+        </p:txBody>
+      </p:sp>
       <p:pic>
         <p:nvPicPr>
-          <p:cNvPr id="7" name="Picture 6">
-            <a:extLst>
-              <a:ext uri="{FF2B5EF4-FFF2-40B4-BE49-F238E27FC236}">
-                <a16:creationId xmlns:a16="http://schemas.microsoft.com/office/drawing/2014/main" id="{30C4C06C-A57F-4D51-9D46-7A716E264E60}"/>
+          <p:cNvPr id="3" name="Picture 2">
+            <a:extLst>
+              <a:ext uri="{FF2B5EF4-FFF2-40B4-BE49-F238E27FC236}">
+                <a16:creationId xmlns:a16="http://schemas.microsoft.com/office/drawing/2014/main" id="{EED427F1-8E74-4EDF-AB39-779E478FB614}"/>
               </a:ext>
             </a:extLst>
           </p:cNvPr>
@@ -4468,8 +5123,8 @@
         </p:blipFill>
         <p:spPr>
           <a:xfrm>
-            <a:off x="1127614" y="1943100"/>
-            <a:ext cx="3959225" cy="2741002"/>
+            <a:off x="4399630" y="1118119"/>
+            <a:ext cx="3392737" cy="2348818"/>
           </a:xfrm>
           <a:prstGeom prst="rect">
             <a:avLst/>
@@ -4478,10 +5133,10 @@
       </p:pic>
       <p:sp>
         <p:nvSpPr>
-          <p:cNvPr id="8" name="TextBox 7">
-            <a:extLst>
-              <a:ext uri="{FF2B5EF4-FFF2-40B4-BE49-F238E27FC236}">
-                <a16:creationId xmlns:a16="http://schemas.microsoft.com/office/drawing/2014/main" id="{29446C98-7362-4E61-8F46-FB66422410D2}"/>
+          <p:cNvPr id="11" name="TextBox 10">
+            <a:extLst>
+              <a:ext uri="{FF2B5EF4-FFF2-40B4-BE49-F238E27FC236}">
+                <a16:creationId xmlns:a16="http://schemas.microsoft.com/office/drawing/2014/main" id="{A39BBDF7-E670-4C9D-9FBB-ACA0CFA46BC0}"/>
               </a:ext>
             </a:extLst>
           </p:cNvPr>
@@ -4490,7 +5145,81 @@
         </p:nvSpPr>
         <p:spPr>
           <a:xfrm>
-            <a:off x="1091340" y="6025280"/>
+            <a:off x="4513383" y="3578298"/>
+            <a:ext cx="3165232" cy="369332"/>
+          </a:xfrm>
+          <a:prstGeom prst="rect">
+            <a:avLst/>
+          </a:prstGeom>
+          <a:noFill/>
+        </p:spPr>
+        <p:txBody>
+          <a:bodyPr wrap="square" rtlCol="0">
+            <a:spAutoFit/>
+          </a:bodyPr>
+          <a:lstStyle/>
+          <a:p>
+            <a:r>
+              <a:rPr lang="en-US" dirty="0"/>
+              <a:t>MCTS controller after 10 Games</a:t>
+            </a:r>
+          </a:p>
+        </p:txBody>
+      </p:sp>
+      <p:sp>
+        <p:nvSpPr>
+          <p:cNvPr id="12" name="TextBox 11">
+            <a:extLst>
+              <a:ext uri="{FF2B5EF4-FFF2-40B4-BE49-F238E27FC236}">
+                <a16:creationId xmlns:a16="http://schemas.microsoft.com/office/drawing/2014/main" id="{57E24049-FFEB-4DDE-AF0C-CA13C7E91B35}"/>
+              </a:ext>
+            </a:extLst>
+          </p:cNvPr>
+          <p:cNvSpPr txBox="1"/>
+          <p:nvPr/>
+        </p:nvSpPr>
+        <p:spPr>
+          <a:xfrm>
+            <a:off x="8343899" y="3578298"/>
+            <a:ext cx="3477728" cy="369332"/>
+          </a:xfrm>
+          <a:prstGeom prst="rect">
+            <a:avLst/>
+          </a:prstGeom>
+          <a:noFill/>
+        </p:spPr>
+        <p:txBody>
+          <a:bodyPr wrap="square" rtlCol="0">
+            <a:spAutoFit/>
+          </a:bodyPr>
+          <a:lstStyle/>
+          <a:p>
+            <a:r>
+              <a:rPr lang="en-US" dirty="0" err="1"/>
+              <a:t>FlatMCTS</a:t>
+            </a:r>
+            <a:r>
+              <a:rPr lang="en-US" dirty="0"/>
+              <a:t> controller after 10 games</a:t>
+            </a:r>
+          </a:p>
+        </p:txBody>
+      </p:sp>
+      <p:sp>
+        <p:nvSpPr>
+          <p:cNvPr id="13" name="TextBox 12">
+            <a:extLst>
+              <a:ext uri="{FF2B5EF4-FFF2-40B4-BE49-F238E27FC236}">
+                <a16:creationId xmlns:a16="http://schemas.microsoft.com/office/drawing/2014/main" id="{222EAFA0-527C-44E1-B7A1-277C8C2142E7}"/>
+              </a:ext>
+            </a:extLst>
+          </p:cNvPr>
+          <p:cNvSpPr txBox="1"/>
+          <p:nvPr/>
+        </p:nvSpPr>
+        <p:spPr>
+          <a:xfrm>
+            <a:off x="298579" y="728752"/>
             <a:ext cx="3607053" cy="369332"/>
           </a:xfrm>
           <a:prstGeom prst="rect">
@@ -4506,17 +5235,17 @@
           <a:p>
             <a:r>
               <a:rPr lang="en-US" dirty="0"/>
-              <a:t>Random controller after 10 Games</a:t>
-            </a:r>
-          </a:p>
-        </p:txBody>
-      </p:sp>
-      <p:sp>
-        <p:nvSpPr>
-          <p:cNvPr id="9" name="TextBox 8">
-            <a:extLst>
-              <a:ext uri="{FF2B5EF4-FFF2-40B4-BE49-F238E27FC236}">
-                <a16:creationId xmlns:a16="http://schemas.microsoft.com/office/drawing/2014/main" id="{79FFED36-85A3-48DB-91A0-280C3BBAD323}"/>
+              <a:t>Different MCTS variations:</a:t>
+            </a:r>
+          </a:p>
+        </p:txBody>
+      </p:sp>
+      <p:sp>
+        <p:nvSpPr>
+          <p:cNvPr id="15" name="TextBox 14">
+            <a:extLst>
+              <a:ext uri="{FF2B5EF4-FFF2-40B4-BE49-F238E27FC236}">
+                <a16:creationId xmlns:a16="http://schemas.microsoft.com/office/drawing/2014/main" id="{496E1A83-475E-41EF-A862-BDAB1E9092DD}"/>
               </a:ext>
             </a:extLst>
           </p:cNvPr>
@@ -4525,8 +5254,8 @@
         </p:nvSpPr>
         <p:spPr>
           <a:xfrm>
-            <a:off x="7782291" y="5851412"/>
-            <a:ext cx="3165232" cy="369332"/>
+            <a:off x="123623" y="109633"/>
+            <a:ext cx="7564017" cy="523220"/>
           </a:xfrm>
           <a:prstGeom prst="rect">
             <a:avLst/>
@@ -4540,22 +5269,598 @@
           <a:lstStyle/>
           <a:p>
             <a:r>
+              <a:rPr lang="en-US" sz="2800" b="1" dirty="0"/>
+              <a:t>Current Results:</a:t>
+            </a:r>
+          </a:p>
+        </p:txBody>
+      </p:sp>
+      <p:sp>
+        <p:nvSpPr>
+          <p:cNvPr id="16" name="TextBox 15">
+            <a:extLst>
+              <a:ext uri="{FF2B5EF4-FFF2-40B4-BE49-F238E27FC236}">
+                <a16:creationId xmlns:a16="http://schemas.microsoft.com/office/drawing/2014/main" id="{F9C83C52-9FE4-4579-9E69-1B999A93C41A}"/>
+              </a:ext>
+            </a:extLst>
+          </p:cNvPr>
+          <p:cNvSpPr txBox="1"/>
+          <p:nvPr/>
+        </p:nvSpPr>
+        <p:spPr>
+          <a:xfrm>
+            <a:off x="209780" y="3889050"/>
+            <a:ext cx="3607053" cy="461665"/>
+          </a:xfrm>
+          <a:prstGeom prst="rect">
+            <a:avLst/>
+          </a:prstGeom>
+          <a:noFill/>
+        </p:spPr>
+        <p:txBody>
+          <a:bodyPr wrap="square" rtlCol="0">
+            <a:spAutoFit/>
+          </a:bodyPr>
+          <a:lstStyle/>
+          <a:p>
+            <a:r>
+              <a:rPr lang="en-US" sz="2400" b="1" dirty="0"/>
+              <a:t>Others:</a:t>
+            </a:r>
+          </a:p>
+        </p:txBody>
+      </p:sp>
+      <p:pic>
+        <p:nvPicPr>
+          <p:cNvPr id="17" name="Picture 16">
+            <a:extLst>
+              <a:ext uri="{FF2B5EF4-FFF2-40B4-BE49-F238E27FC236}">
+                <a16:creationId xmlns:a16="http://schemas.microsoft.com/office/drawing/2014/main" id="{1A6D0460-B7DF-4332-BCAF-F615BA0E0CCB}"/>
+              </a:ext>
+            </a:extLst>
+          </p:cNvPr>
+          <p:cNvPicPr>
+            <a:picLocks noChangeAspect="1"/>
+          </p:cNvPicPr>
+          <p:nvPr/>
+        </p:nvPicPr>
+        <p:blipFill>
+          <a:blip r:embed="rId3">
+            <a:extLst>
+              <a:ext uri="{28A0092B-C50C-407E-A947-70E740481C1C}">
+                <a14:useLocalDpi xmlns:a14="http://schemas.microsoft.com/office/drawing/2010/main" val="0"/>
+              </a:ext>
+            </a:extLst>
+          </a:blip>
+          <a:stretch>
+            <a:fillRect/>
+          </a:stretch>
+        </p:blipFill>
+        <p:spPr>
+          <a:xfrm>
+            <a:off x="1878349" y="4451851"/>
+            <a:ext cx="3238774" cy="2242228"/>
+          </a:xfrm>
+          <a:prstGeom prst="rect">
+            <a:avLst/>
+          </a:prstGeom>
+        </p:spPr>
+      </p:pic>
+      <p:sp>
+        <p:nvSpPr>
+          <p:cNvPr id="21" name="TextBox 20">
+            <a:extLst>
+              <a:ext uri="{FF2B5EF4-FFF2-40B4-BE49-F238E27FC236}">
+                <a16:creationId xmlns:a16="http://schemas.microsoft.com/office/drawing/2014/main" id="{C9AA9B0A-BF65-461B-B6D8-D8F821BDD29D}"/>
+              </a:ext>
+            </a:extLst>
+          </p:cNvPr>
+          <p:cNvSpPr txBox="1"/>
+          <p:nvPr/>
+        </p:nvSpPr>
+        <p:spPr>
+          <a:xfrm>
+            <a:off x="1878350" y="4052265"/>
+            <a:ext cx="3238774" cy="369332"/>
+          </a:xfrm>
+          <a:prstGeom prst="rect">
+            <a:avLst/>
+          </a:prstGeom>
+          <a:noFill/>
+        </p:spPr>
+        <p:txBody>
+          <a:bodyPr wrap="square" rtlCol="0">
+            <a:spAutoFit/>
+          </a:bodyPr>
+          <a:lstStyle/>
+          <a:p>
+            <a:pPr algn="ctr"/>
+            <a:r>
               <a:rPr lang="en-US" dirty="0"/>
-              <a:t>MCTS controller after 10 Games</a:t>
-            </a:r>
-          </a:p>
-        </p:txBody>
-      </p:sp>
+              <a:t>Random</a:t>
+            </a:r>
+          </a:p>
+        </p:txBody>
+      </p:sp>
+      <p:sp>
+        <p:nvSpPr>
+          <p:cNvPr id="23" name="TextBox 22">
+            <a:extLst>
+              <a:ext uri="{FF2B5EF4-FFF2-40B4-BE49-F238E27FC236}">
+                <a16:creationId xmlns:a16="http://schemas.microsoft.com/office/drawing/2014/main" id="{FFD6DB09-CDF8-4070-A71B-48480E625783}"/>
+              </a:ext>
+            </a:extLst>
+          </p:cNvPr>
+          <p:cNvSpPr txBox="1"/>
+          <p:nvPr/>
+        </p:nvSpPr>
+        <p:spPr>
+          <a:xfrm>
+            <a:off x="6785694" y="4052265"/>
+            <a:ext cx="3238774" cy="369332"/>
+          </a:xfrm>
+          <a:prstGeom prst="rect">
+            <a:avLst/>
+          </a:prstGeom>
+          <a:noFill/>
+        </p:spPr>
+        <p:txBody>
+          <a:bodyPr wrap="square" rtlCol="0">
+            <a:spAutoFit/>
+          </a:bodyPr>
+          <a:lstStyle/>
+          <a:p>
+            <a:pPr algn="ctr"/>
+            <a:r>
+              <a:rPr lang="en-US" dirty="0"/>
+              <a:t>OSLA(One Step Look Ahead)</a:t>
+            </a:r>
+          </a:p>
+        </p:txBody>
+      </p:sp>
+      <p:pic>
+        <p:nvPicPr>
+          <p:cNvPr id="24" name="Picture 23">
+            <a:extLst>
+              <a:ext uri="{FF2B5EF4-FFF2-40B4-BE49-F238E27FC236}">
+                <a16:creationId xmlns:a16="http://schemas.microsoft.com/office/drawing/2014/main" id="{E3083EDB-32D2-43D0-A663-EA7A2282DAB3}"/>
+              </a:ext>
+            </a:extLst>
+          </p:cNvPr>
+          <p:cNvPicPr>
+            <a:picLocks noChangeAspect="1"/>
+          </p:cNvPicPr>
+          <p:nvPr/>
+        </p:nvPicPr>
+        <p:blipFill>
+          <a:blip r:embed="rId4">
+            <a:extLst>
+              <a:ext uri="{28A0092B-C50C-407E-A947-70E740481C1C}">
+                <a14:useLocalDpi xmlns:a14="http://schemas.microsoft.com/office/drawing/2010/main" val="0"/>
+              </a:ext>
+            </a:extLst>
+          </a:blip>
+          <a:stretch>
+            <a:fillRect/>
+          </a:stretch>
+        </p:blipFill>
+        <p:spPr>
+          <a:xfrm>
+            <a:off x="6915012" y="4517496"/>
+            <a:ext cx="3238774" cy="2242229"/>
+          </a:xfrm>
+          <a:prstGeom prst="rect">
+            <a:avLst/>
+          </a:prstGeom>
+        </p:spPr>
+      </p:pic>
+      <p:pic>
+        <p:nvPicPr>
+          <p:cNvPr id="4" name="Picture 3">
+            <a:extLst>
+              <a:ext uri="{FF2B5EF4-FFF2-40B4-BE49-F238E27FC236}">
+                <a16:creationId xmlns:a16="http://schemas.microsoft.com/office/drawing/2014/main" id="{0F93FA45-D582-49A7-90A0-416665DFD043}"/>
+              </a:ext>
+            </a:extLst>
+          </p:cNvPr>
+          <p:cNvPicPr>
+            <a:picLocks noChangeAspect="1"/>
+          </p:cNvPicPr>
+          <p:nvPr/>
+        </p:nvPicPr>
+        <p:blipFill>
+          <a:blip r:embed="rId5">
+            <a:extLst>
+              <a:ext uri="{28A0092B-C50C-407E-A947-70E740481C1C}">
+                <a14:useLocalDpi xmlns:a14="http://schemas.microsoft.com/office/drawing/2010/main" val="0"/>
+              </a:ext>
+            </a:extLst>
+          </a:blip>
+          <a:stretch>
+            <a:fillRect/>
+          </a:stretch>
+        </p:blipFill>
+        <p:spPr>
+          <a:xfrm>
+            <a:off x="299397" y="1136577"/>
+            <a:ext cx="3483230" cy="2411467"/>
+          </a:xfrm>
+          <a:prstGeom prst="rect">
+            <a:avLst/>
+          </a:prstGeom>
+        </p:spPr>
+      </p:pic>
+      <p:pic>
+        <p:nvPicPr>
+          <p:cNvPr id="8" name="Picture 7">
+            <a:extLst>
+              <a:ext uri="{FF2B5EF4-FFF2-40B4-BE49-F238E27FC236}">
+                <a16:creationId xmlns:a16="http://schemas.microsoft.com/office/drawing/2014/main" id="{99C6117E-EFCD-4CC7-BA91-03EA9C410A73}"/>
+              </a:ext>
+            </a:extLst>
+          </p:cNvPr>
+          <p:cNvPicPr>
+            <a:picLocks noChangeAspect="1"/>
+          </p:cNvPicPr>
+          <p:nvPr/>
+        </p:nvPicPr>
+        <p:blipFill>
+          <a:blip r:embed="rId6">
+            <a:extLst>
+              <a:ext uri="{28A0092B-C50C-407E-A947-70E740481C1C}">
+                <a14:useLocalDpi xmlns:a14="http://schemas.microsoft.com/office/drawing/2010/main" val="0"/>
+              </a:ext>
+            </a:extLst>
+          </a:blip>
+          <a:stretch>
+            <a:fillRect/>
+          </a:stretch>
+        </p:blipFill>
+        <p:spPr>
+          <a:xfrm>
+            <a:off x="8412171" y="1086794"/>
+            <a:ext cx="3483230" cy="2411467"/>
+          </a:xfrm>
+          <a:prstGeom prst="rect">
+            <a:avLst/>
+          </a:prstGeom>
+        </p:spPr>
+      </p:pic>
     </p:spTree>
     <p:extLst>
       <p:ext uri="{BB962C8B-B14F-4D97-AF65-F5344CB8AC3E}">
-        <p14:creationId xmlns:p14="http://schemas.microsoft.com/office/powerpoint/2010/main" val="1236290162"/>
+        <p14:creationId xmlns:p14="http://schemas.microsoft.com/office/powerpoint/2010/main" val="3204695554"/>
       </p:ext>
     </p:extLst>
   </p:cSld>
   <p:clrMapOvr>
     <a:masterClrMapping/>
   </p:clrMapOvr>
+  <p:timing>
+    <p:tnLst>
+      <p:par>
+        <p:cTn id="1" dur="indefinite" restart="never" nodeType="tmRoot">
+          <p:childTnLst>
+            <p:seq concurrent="1" nextAc="seek">
+              <p:cTn id="2" dur="indefinite" nodeType="mainSeq">
+                <p:childTnLst>
+                  <p:par>
+                    <p:cTn id="3" fill="hold">
+                      <p:stCondLst>
+                        <p:cond delay="indefinite"/>
+                      </p:stCondLst>
+                      <p:childTnLst>
+                        <p:par>
+                          <p:cTn id="4" fill="hold">
+                            <p:stCondLst>
+                              <p:cond delay="0"/>
+                            </p:stCondLst>
+                            <p:childTnLst>
+                              <p:par>
+                                <p:cTn id="5" presetID="1" presetClass="entr" presetSubtype="0" fill="hold" grpId="0" nodeType="clickEffect">
+                                  <p:stCondLst>
+                                    <p:cond delay="0"/>
+                                  </p:stCondLst>
+                                  <p:childTnLst>
+                                    <p:set>
+                                      <p:cBhvr>
+                                        <p:cTn id="6" dur="1" fill="hold">
+                                          <p:stCondLst>
+                                            <p:cond delay="0"/>
+                                          </p:stCondLst>
+                                        </p:cTn>
+                                        <p:tgtEl>
+                                          <p:spTgt spid="9"/>
+                                        </p:tgtEl>
+                                        <p:attrNameLst>
+                                          <p:attrName>style.visibility</p:attrName>
+                                        </p:attrNameLst>
+                                      </p:cBhvr>
+                                      <p:to>
+                                        <p:strVal val="visible"/>
+                                      </p:to>
+                                    </p:set>
+                                  </p:childTnLst>
+                                </p:cTn>
+                              </p:par>
+                            </p:childTnLst>
+                          </p:cTn>
+                        </p:par>
+                      </p:childTnLst>
+                    </p:cTn>
+                  </p:par>
+                  <p:par>
+                    <p:cTn id="7" fill="hold">
+                      <p:stCondLst>
+                        <p:cond delay="indefinite"/>
+                      </p:stCondLst>
+                      <p:childTnLst>
+                        <p:par>
+                          <p:cTn id="8" fill="hold">
+                            <p:stCondLst>
+                              <p:cond delay="0"/>
+                            </p:stCondLst>
+                            <p:childTnLst>
+                              <p:par>
+                                <p:cTn id="9" presetID="1" presetClass="entr" presetSubtype="0" fill="hold" nodeType="clickEffect">
+                                  <p:stCondLst>
+                                    <p:cond delay="0"/>
+                                  </p:stCondLst>
+                                  <p:childTnLst>
+                                    <p:set>
+                                      <p:cBhvr>
+                                        <p:cTn id="10" dur="1" fill="hold">
+                                          <p:stCondLst>
+                                            <p:cond delay="0"/>
+                                          </p:stCondLst>
+                                        </p:cTn>
+                                        <p:tgtEl>
+                                          <p:spTgt spid="3"/>
+                                        </p:tgtEl>
+                                        <p:attrNameLst>
+                                          <p:attrName>style.visibility</p:attrName>
+                                        </p:attrNameLst>
+                                      </p:cBhvr>
+                                      <p:to>
+                                        <p:strVal val="visible"/>
+                                      </p:to>
+                                    </p:set>
+                                  </p:childTnLst>
+                                </p:cTn>
+                              </p:par>
+                              <p:par>
+                                <p:cTn id="11" presetID="1" presetClass="entr" presetSubtype="0" fill="hold" grpId="0" nodeType="withEffect">
+                                  <p:stCondLst>
+                                    <p:cond delay="0"/>
+                                  </p:stCondLst>
+                                  <p:childTnLst>
+                                    <p:set>
+                                      <p:cBhvr>
+                                        <p:cTn id="12" dur="1" fill="hold">
+                                          <p:stCondLst>
+                                            <p:cond delay="0"/>
+                                          </p:stCondLst>
+                                        </p:cTn>
+                                        <p:tgtEl>
+                                          <p:spTgt spid="11"/>
+                                        </p:tgtEl>
+                                        <p:attrNameLst>
+                                          <p:attrName>style.visibility</p:attrName>
+                                        </p:attrNameLst>
+                                      </p:cBhvr>
+                                      <p:to>
+                                        <p:strVal val="visible"/>
+                                      </p:to>
+                                    </p:set>
+                                  </p:childTnLst>
+                                </p:cTn>
+                              </p:par>
+                              <p:par>
+                                <p:cTn id="13" presetID="1" presetClass="entr" presetSubtype="0" fill="hold" grpId="0" nodeType="withEffect">
+                                  <p:stCondLst>
+                                    <p:cond delay="0"/>
+                                  </p:stCondLst>
+                                  <p:childTnLst>
+                                    <p:set>
+                                      <p:cBhvr>
+                                        <p:cTn id="14" dur="1" fill="hold">
+                                          <p:stCondLst>
+                                            <p:cond delay="0"/>
+                                          </p:stCondLst>
+                                        </p:cTn>
+                                        <p:tgtEl>
+                                          <p:spTgt spid="12"/>
+                                        </p:tgtEl>
+                                        <p:attrNameLst>
+                                          <p:attrName>style.visibility</p:attrName>
+                                        </p:attrNameLst>
+                                      </p:cBhvr>
+                                      <p:to>
+                                        <p:strVal val="visible"/>
+                                      </p:to>
+                                    </p:set>
+                                  </p:childTnLst>
+                                </p:cTn>
+                              </p:par>
+                            </p:childTnLst>
+                          </p:cTn>
+                        </p:par>
+                      </p:childTnLst>
+                    </p:cTn>
+                  </p:par>
+                  <p:par>
+                    <p:cTn id="15" fill="hold">
+                      <p:stCondLst>
+                        <p:cond delay="indefinite"/>
+                      </p:stCondLst>
+                      <p:childTnLst>
+                        <p:par>
+                          <p:cTn id="16" fill="hold">
+                            <p:stCondLst>
+                              <p:cond delay="0"/>
+                            </p:stCondLst>
+                            <p:childTnLst>
+                              <p:par>
+                                <p:cTn id="17" presetID="1" presetClass="entr" presetSubtype="0" fill="hold" nodeType="clickEffect">
+                                  <p:stCondLst>
+                                    <p:cond delay="0"/>
+                                  </p:stCondLst>
+                                  <p:childTnLst>
+                                    <p:set>
+                                      <p:cBhvr>
+                                        <p:cTn id="18" dur="1" fill="hold">
+                                          <p:stCondLst>
+                                            <p:cond delay="0"/>
+                                          </p:stCondLst>
+                                        </p:cTn>
+                                        <p:tgtEl>
+                                          <p:spTgt spid="17"/>
+                                        </p:tgtEl>
+                                        <p:attrNameLst>
+                                          <p:attrName>style.visibility</p:attrName>
+                                        </p:attrNameLst>
+                                      </p:cBhvr>
+                                      <p:to>
+                                        <p:strVal val="visible"/>
+                                      </p:to>
+                                    </p:set>
+                                  </p:childTnLst>
+                                </p:cTn>
+                              </p:par>
+                              <p:par>
+                                <p:cTn id="19" presetID="1" presetClass="entr" presetSubtype="0" fill="hold" grpId="0" nodeType="withEffect">
+                                  <p:stCondLst>
+                                    <p:cond delay="0"/>
+                                  </p:stCondLst>
+                                  <p:childTnLst>
+                                    <p:set>
+                                      <p:cBhvr>
+                                        <p:cTn id="20" dur="1" fill="hold">
+                                          <p:stCondLst>
+                                            <p:cond delay="0"/>
+                                          </p:stCondLst>
+                                        </p:cTn>
+                                        <p:tgtEl>
+                                          <p:spTgt spid="21"/>
+                                        </p:tgtEl>
+                                        <p:attrNameLst>
+                                          <p:attrName>style.visibility</p:attrName>
+                                        </p:attrNameLst>
+                                      </p:cBhvr>
+                                      <p:to>
+                                        <p:strVal val="visible"/>
+                                      </p:to>
+                                    </p:set>
+                                  </p:childTnLst>
+                                </p:cTn>
+                              </p:par>
+                            </p:childTnLst>
+                          </p:cTn>
+                        </p:par>
+                      </p:childTnLst>
+                    </p:cTn>
+                  </p:par>
+                  <p:par>
+                    <p:cTn id="21" fill="hold">
+                      <p:stCondLst>
+                        <p:cond delay="indefinite"/>
+                      </p:stCondLst>
+                      <p:childTnLst>
+                        <p:par>
+                          <p:cTn id="22" fill="hold">
+                            <p:stCondLst>
+                              <p:cond delay="0"/>
+                            </p:stCondLst>
+                            <p:childTnLst>
+                              <p:par>
+                                <p:cTn id="23" presetID="1" presetClass="entr" presetSubtype="0" fill="hold" grpId="0" nodeType="clickEffect">
+                                  <p:stCondLst>
+                                    <p:cond delay="0"/>
+                                  </p:stCondLst>
+                                  <p:childTnLst>
+                                    <p:set>
+                                      <p:cBhvr>
+                                        <p:cTn id="24" dur="1" fill="hold">
+                                          <p:stCondLst>
+                                            <p:cond delay="0"/>
+                                          </p:stCondLst>
+                                        </p:cTn>
+                                        <p:tgtEl>
+                                          <p:spTgt spid="23"/>
+                                        </p:tgtEl>
+                                        <p:attrNameLst>
+                                          <p:attrName>style.visibility</p:attrName>
+                                        </p:attrNameLst>
+                                      </p:cBhvr>
+                                      <p:to>
+                                        <p:strVal val="visible"/>
+                                      </p:to>
+                                    </p:set>
+                                  </p:childTnLst>
+                                </p:cTn>
+                              </p:par>
+                              <p:par>
+                                <p:cTn id="25" presetID="1" presetClass="entr" presetSubtype="0" fill="hold" nodeType="withEffect">
+                                  <p:stCondLst>
+                                    <p:cond delay="0"/>
+                                  </p:stCondLst>
+                                  <p:childTnLst>
+                                    <p:set>
+                                      <p:cBhvr>
+                                        <p:cTn id="26" dur="1" fill="hold">
+                                          <p:stCondLst>
+                                            <p:cond delay="0"/>
+                                          </p:stCondLst>
+                                        </p:cTn>
+                                        <p:tgtEl>
+                                          <p:spTgt spid="24"/>
+                                        </p:tgtEl>
+                                        <p:attrNameLst>
+                                          <p:attrName>style.visibility</p:attrName>
+                                        </p:attrNameLst>
+                                      </p:cBhvr>
+                                      <p:to>
+                                        <p:strVal val="visible"/>
+                                      </p:to>
+                                    </p:set>
+                                  </p:childTnLst>
+                                </p:cTn>
+                              </p:par>
+                            </p:childTnLst>
+                          </p:cTn>
+                        </p:par>
+                      </p:childTnLst>
+                    </p:cTn>
+                  </p:par>
+                </p:childTnLst>
+              </p:cTn>
+              <p:prevCondLst>
+                <p:cond evt="onPrev" delay="0">
+                  <p:tgtEl>
+                    <p:sldTgt/>
+                  </p:tgtEl>
+                </p:cond>
+              </p:prevCondLst>
+              <p:nextCondLst>
+                <p:cond evt="onNext" delay="0">
+                  <p:tgtEl>
+                    <p:sldTgt/>
+                  </p:tgtEl>
+                </p:cond>
+              </p:nextCondLst>
+            </p:seq>
+          </p:childTnLst>
+        </p:cTn>
+      </p:par>
+    </p:tnLst>
+    <p:bldLst>
+      <p:bldP spid="9" grpId="0"/>
+      <p:bldP spid="11" grpId="0"/>
+      <p:bldP spid="12" grpId="0"/>
+      <p:bldP spid="21" grpId="0"/>
+      <p:bldP spid="23" grpId="0"/>
+    </p:bldLst>
+  </p:timing>
 </p:sld>
 </file>
 
@@ -4578,10 +5883,10 @@
       </p:grpSpPr>
       <p:sp>
         <p:nvSpPr>
-          <p:cNvPr id="4" name="TextBox 3">
-            <a:extLst>
-              <a:ext uri="{FF2B5EF4-FFF2-40B4-BE49-F238E27FC236}">
-                <a16:creationId xmlns:a16="http://schemas.microsoft.com/office/drawing/2014/main" id="{0D421A23-4C62-4BA8-BC69-FD7475CCFB27}"/>
+          <p:cNvPr id="10" name="TextBox 9">
+            <a:extLst>
+              <a:ext uri="{FF2B5EF4-FFF2-40B4-BE49-F238E27FC236}">
+                <a16:creationId xmlns:a16="http://schemas.microsoft.com/office/drawing/2014/main" id="{CE7E6533-CABD-4AA7-B105-EFCFFFC8EAE8}"/>
               </a:ext>
             </a:extLst>
           </p:cNvPr>
@@ -4590,8 +5895,8 @@
         </p:nvSpPr>
         <p:spPr>
           <a:xfrm>
-            <a:off x="298579" y="230157"/>
-            <a:ext cx="7564017" cy="369332"/>
+            <a:off x="123623" y="109633"/>
+            <a:ext cx="7564017" cy="523220"/>
           </a:xfrm>
           <a:prstGeom prst="rect">
             <a:avLst/>
@@ -4605,17 +5910,94 @@
           <a:lstStyle/>
           <a:p>
             <a:r>
-              <a:rPr lang="en-US" dirty="0"/>
-              <a:t>How have you analyzed and interpreted these results?</a:t>
-            </a:r>
-            <a:endParaRPr lang="en-GB" dirty="0"/>
+              <a:rPr lang="en-US" sz="2800" b="1" dirty="0"/>
+              <a:t>What next:</a:t>
+            </a:r>
+          </a:p>
+        </p:txBody>
+      </p:sp>
+      <p:sp>
+        <p:nvSpPr>
+          <p:cNvPr id="11" name="TextBox 10">
+            <a:extLst>
+              <a:ext uri="{FF2B5EF4-FFF2-40B4-BE49-F238E27FC236}">
+                <a16:creationId xmlns:a16="http://schemas.microsoft.com/office/drawing/2014/main" id="{93279F68-3580-483D-A39C-D19BCCFD8CEB}"/>
+              </a:ext>
+            </a:extLst>
+          </p:cNvPr>
+          <p:cNvSpPr txBox="1"/>
+          <p:nvPr/>
+        </p:nvSpPr>
+        <p:spPr>
+          <a:xfrm>
+            <a:off x="256973" y="1811433"/>
+            <a:ext cx="7564017" cy="3539430"/>
+          </a:xfrm>
+          <a:prstGeom prst="rect">
+            <a:avLst/>
+          </a:prstGeom>
+          <a:noFill/>
+        </p:spPr>
+        <p:txBody>
+          <a:bodyPr wrap="square" rtlCol="0">
+            <a:spAutoFit/>
+          </a:bodyPr>
+          <a:lstStyle/>
+          <a:p>
+            <a:r>
+              <a:rPr lang="en-US" sz="2800" dirty="0"/>
+              <a:t>What next:</a:t>
+            </a:r>
+          </a:p>
+          <a:p>
+            <a:endParaRPr lang="en-US" sz="2800" dirty="0"/>
+          </a:p>
+          <a:p>
+            <a:pPr marL="342900" indent="-342900">
+              <a:buFont typeface="Arial" panose="020B0604020202020204" pitchFamily="34" charset="0"/>
+              <a:buChar char="•"/>
+            </a:pPr>
+            <a:r>
+              <a:rPr lang="en-US" sz="2800" dirty="0"/>
+              <a:t>Gather a list of different MCTS modifications</a:t>
+            </a:r>
+          </a:p>
+          <a:p>
+            <a:pPr marL="342900" indent="-342900">
+              <a:buFont typeface="Arial" panose="020B0604020202020204" pitchFamily="34" charset="0"/>
+              <a:buChar char="•"/>
+            </a:pPr>
+            <a:r>
+              <a:rPr lang="en-US" sz="2800" dirty="0"/>
+              <a:t>Compare the data gathered from the thousands simulations</a:t>
+            </a:r>
+          </a:p>
+          <a:p>
+            <a:pPr marL="342900" indent="-342900">
+              <a:buFont typeface="Arial" panose="020B0604020202020204" pitchFamily="34" charset="0"/>
+              <a:buChar char="•"/>
+            </a:pPr>
+            <a:r>
+              <a:rPr lang="en-US" sz="2800" dirty="0"/>
+              <a:t>Look at the strengths and weaknesses of different modifications</a:t>
+            </a:r>
+          </a:p>
+          <a:p>
+            <a:pPr marL="342900" indent="-342900">
+              <a:buFont typeface="Arial" panose="020B0604020202020204" pitchFamily="34" charset="0"/>
+              <a:buChar char="•"/>
+            </a:pPr>
+            <a:r>
+              <a:rPr lang="en-US" sz="2800" dirty="0"/>
+              <a:t>Create a hyper heuristic based of that data</a:t>
+            </a:r>
           </a:p>
         </p:txBody>
       </p:sp>
     </p:spTree>
     <p:extLst>
       <p:ext uri="{BB962C8B-B14F-4D97-AF65-F5344CB8AC3E}">
-        <p14:creationId xmlns:p14="http://schemas.microsoft.com/office/powerpoint/2010/main" val="376911726"/>
+        <p14:creationId xmlns:p14="http://schemas.microsoft.com/office/powerpoint/2010/main" val="2882401402"/>
       </p:ext>
     </p:extLst>
   </p:cSld>
@@ -4657,7 +6039,7 @@
         <p:spPr>
           <a:xfrm>
             <a:off x="298579" y="230157"/>
-            <a:ext cx="7564017" cy="369332"/>
+            <a:ext cx="8210421" cy="1077218"/>
           </a:xfrm>
           <a:prstGeom prst="rect">
             <a:avLst/>
@@ -4671,23 +6053,485 @@
           <a:lstStyle/>
           <a:p>
             <a:r>
-              <a:rPr lang="en-US" dirty="0"/>
-              <a:t>What are you likely to conclude on the basis of this research?</a:t>
-            </a:r>
-            <a:endParaRPr lang="en-GB" dirty="0"/>
+              <a:rPr lang="en-US" sz="3200" b="1" dirty="0"/>
+              <a:t>What methods have I applied to getting these results?</a:t>
+            </a:r>
+            <a:endParaRPr lang="en-GB" sz="3200" b="1" dirty="0"/>
+          </a:p>
+        </p:txBody>
+      </p:sp>
+      <p:sp>
+        <p:nvSpPr>
+          <p:cNvPr id="3" name="TextBox 2">
+            <a:extLst>
+              <a:ext uri="{FF2B5EF4-FFF2-40B4-BE49-F238E27FC236}">
+                <a16:creationId xmlns:a16="http://schemas.microsoft.com/office/drawing/2014/main" id="{E4055AF8-3A33-44DD-91A6-168D4B6B6897}"/>
+              </a:ext>
+            </a:extLst>
+          </p:cNvPr>
+          <p:cNvSpPr txBox="1"/>
+          <p:nvPr/>
+        </p:nvSpPr>
+        <p:spPr>
+          <a:xfrm>
+            <a:off x="263410" y="1445633"/>
+            <a:ext cx="11744440" cy="5262979"/>
+          </a:xfrm>
+          <a:prstGeom prst="rect">
+            <a:avLst/>
+          </a:prstGeom>
+          <a:noFill/>
+        </p:spPr>
+        <p:txBody>
+          <a:bodyPr wrap="square" rtlCol="0">
+            <a:spAutoFit/>
+          </a:bodyPr>
+          <a:lstStyle/>
+          <a:p>
+            <a:pPr marL="285750" indent="-285750">
+              <a:buFont typeface="Arial" panose="020B0604020202020204" pitchFamily="34" charset="0"/>
+              <a:buChar char="•"/>
+            </a:pPr>
+            <a:r>
+              <a:rPr lang="en-US" sz="2800" dirty="0"/>
+              <a:t>By visualizing where the controllers spend most of their time within the levels of different games, conclusions can be drawn from whether the agents get stuck or explore the level</a:t>
+            </a:r>
+          </a:p>
+          <a:p>
+            <a:pPr marL="285750" indent="-285750">
+              <a:buFont typeface="Arial" panose="020B0604020202020204" pitchFamily="34" charset="0"/>
+              <a:buChar char="•"/>
+            </a:pPr>
+            <a:r>
+              <a:rPr lang="en-US" sz="2800" dirty="0"/>
+              <a:t>From this a hyper heuristic can be formed based on the strengths of different agents.</a:t>
+            </a:r>
+          </a:p>
+          <a:p>
+            <a:pPr marL="285750" indent="-285750">
+              <a:buFont typeface="Arial" panose="020B0604020202020204" pitchFamily="34" charset="0"/>
+              <a:buChar char="•"/>
+            </a:pPr>
+            <a:r>
+              <a:rPr lang="en-US" sz="2800" dirty="0"/>
+              <a:t>Furthermore the additional data collected from the games can be loaded into R and be used to contrast the different statistics of the controllers.</a:t>
+            </a:r>
+          </a:p>
+          <a:p>
+            <a:pPr marL="285750" indent="-285750">
+              <a:buFont typeface="Arial" panose="020B0604020202020204" pitchFamily="34" charset="0"/>
+              <a:buChar char="•"/>
+            </a:pPr>
+            <a:r>
+              <a:rPr lang="en-US" sz="2800" dirty="0"/>
+              <a:t>Examples of the data that will be collected are:</a:t>
+            </a:r>
+          </a:p>
+          <a:p>
+            <a:pPr marL="742950" lvl="1" indent="-285750">
+              <a:buFont typeface="Arial" panose="020B0604020202020204" pitchFamily="34" charset="0"/>
+              <a:buChar char="•"/>
+            </a:pPr>
+            <a:r>
+              <a:rPr lang="en-US" sz="2800" dirty="0"/>
+              <a:t>Score</a:t>
+            </a:r>
+          </a:p>
+          <a:p>
+            <a:pPr marL="742950" lvl="1" indent="-285750">
+              <a:buFont typeface="Arial" panose="020B0604020202020204" pitchFamily="34" charset="0"/>
+              <a:buChar char="•"/>
+            </a:pPr>
+            <a:r>
+              <a:rPr lang="en-US" sz="2800" dirty="0"/>
+              <a:t>Game space searched</a:t>
+            </a:r>
+          </a:p>
+          <a:p>
+            <a:pPr marL="742950" lvl="1" indent="-285750">
+              <a:buFont typeface="Arial" panose="020B0604020202020204" pitchFamily="34" charset="0"/>
+              <a:buChar char="•"/>
+            </a:pPr>
+            <a:r>
+              <a:rPr lang="en-US" sz="2800" dirty="0"/>
+              <a:t>Level size</a:t>
+            </a:r>
+          </a:p>
+          <a:p>
+            <a:pPr marL="742950" lvl="1" indent="-285750">
+              <a:buFont typeface="Arial" panose="020B0604020202020204" pitchFamily="34" charset="0"/>
+              <a:buChar char="•"/>
+            </a:pPr>
+            <a:r>
+              <a:rPr lang="en-US" sz="2800" dirty="0"/>
+              <a:t>Total cells explored</a:t>
+            </a:r>
           </a:p>
         </p:txBody>
       </p:sp>
     </p:spTree>
     <p:extLst>
       <p:ext uri="{BB962C8B-B14F-4D97-AF65-F5344CB8AC3E}">
-        <p14:creationId xmlns:p14="http://schemas.microsoft.com/office/powerpoint/2010/main" val="2456155411"/>
+        <p14:creationId xmlns:p14="http://schemas.microsoft.com/office/powerpoint/2010/main" val="278686775"/>
       </p:ext>
     </p:extLst>
   </p:cSld>
   <p:clrMapOvr>
     <a:masterClrMapping/>
   </p:clrMapOvr>
+  <p:timing>
+    <p:tnLst>
+      <p:par>
+        <p:cTn id="1" dur="indefinite" restart="never" nodeType="tmRoot">
+          <p:childTnLst>
+            <p:seq concurrent="1" nextAc="seek">
+              <p:cTn id="2" dur="indefinite" nodeType="mainSeq">
+                <p:childTnLst>
+                  <p:par>
+                    <p:cTn id="3" fill="hold">
+                      <p:stCondLst>
+                        <p:cond delay="indefinite"/>
+                      </p:stCondLst>
+                      <p:childTnLst>
+                        <p:par>
+                          <p:cTn id="4" fill="hold">
+                            <p:stCondLst>
+                              <p:cond delay="0"/>
+                            </p:stCondLst>
+                            <p:childTnLst>
+                              <p:par>
+                                <p:cTn id="5" presetID="1" presetClass="entr" presetSubtype="0" fill="hold" grpId="0" nodeType="clickEffect">
+                                  <p:stCondLst>
+                                    <p:cond delay="0"/>
+                                  </p:stCondLst>
+                                  <p:childTnLst>
+                                    <p:set>
+                                      <p:cBhvr>
+                                        <p:cTn id="6" dur="1" fill="hold">
+                                          <p:stCondLst>
+                                            <p:cond delay="0"/>
+                                          </p:stCondLst>
+                                        </p:cTn>
+                                        <p:tgtEl>
+                                          <p:spTgt spid="3">
+                                            <p:txEl>
+                                              <p:pRg st="0" end="0"/>
+                                            </p:txEl>
+                                          </p:spTgt>
+                                        </p:tgtEl>
+                                        <p:attrNameLst>
+                                          <p:attrName>style.visibility</p:attrName>
+                                        </p:attrNameLst>
+                                      </p:cBhvr>
+                                      <p:to>
+                                        <p:strVal val="visible"/>
+                                      </p:to>
+                                    </p:set>
+                                  </p:childTnLst>
+                                </p:cTn>
+                              </p:par>
+                            </p:childTnLst>
+                          </p:cTn>
+                        </p:par>
+                      </p:childTnLst>
+                    </p:cTn>
+                  </p:par>
+                  <p:par>
+                    <p:cTn id="7" fill="hold">
+                      <p:stCondLst>
+                        <p:cond delay="indefinite"/>
+                      </p:stCondLst>
+                      <p:childTnLst>
+                        <p:par>
+                          <p:cTn id="8" fill="hold">
+                            <p:stCondLst>
+                              <p:cond delay="0"/>
+                            </p:stCondLst>
+                            <p:childTnLst>
+                              <p:par>
+                                <p:cTn id="9" presetID="1" presetClass="entr" presetSubtype="0" fill="hold" grpId="0" nodeType="clickEffect">
+                                  <p:stCondLst>
+                                    <p:cond delay="0"/>
+                                  </p:stCondLst>
+                                  <p:childTnLst>
+                                    <p:set>
+                                      <p:cBhvr>
+                                        <p:cTn id="10" dur="1" fill="hold">
+                                          <p:stCondLst>
+                                            <p:cond delay="0"/>
+                                          </p:stCondLst>
+                                        </p:cTn>
+                                        <p:tgtEl>
+                                          <p:spTgt spid="3">
+                                            <p:txEl>
+                                              <p:pRg st="1" end="1"/>
+                                            </p:txEl>
+                                          </p:spTgt>
+                                        </p:tgtEl>
+                                        <p:attrNameLst>
+                                          <p:attrName>style.visibility</p:attrName>
+                                        </p:attrNameLst>
+                                      </p:cBhvr>
+                                      <p:to>
+                                        <p:strVal val="visible"/>
+                                      </p:to>
+                                    </p:set>
+                                  </p:childTnLst>
+                                </p:cTn>
+                              </p:par>
+                            </p:childTnLst>
+                          </p:cTn>
+                        </p:par>
+                      </p:childTnLst>
+                    </p:cTn>
+                  </p:par>
+                  <p:par>
+                    <p:cTn id="11" fill="hold">
+                      <p:stCondLst>
+                        <p:cond delay="indefinite"/>
+                      </p:stCondLst>
+                      <p:childTnLst>
+                        <p:par>
+                          <p:cTn id="12" fill="hold">
+                            <p:stCondLst>
+                              <p:cond delay="0"/>
+                            </p:stCondLst>
+                            <p:childTnLst>
+                              <p:par>
+                                <p:cTn id="13" presetID="1" presetClass="entr" presetSubtype="0" fill="hold" grpId="0" nodeType="clickEffect">
+                                  <p:stCondLst>
+                                    <p:cond delay="0"/>
+                                  </p:stCondLst>
+                                  <p:childTnLst>
+                                    <p:set>
+                                      <p:cBhvr>
+                                        <p:cTn id="14" dur="1" fill="hold">
+                                          <p:stCondLst>
+                                            <p:cond delay="0"/>
+                                          </p:stCondLst>
+                                        </p:cTn>
+                                        <p:tgtEl>
+                                          <p:spTgt spid="3">
+                                            <p:txEl>
+                                              <p:pRg st="2" end="2"/>
+                                            </p:txEl>
+                                          </p:spTgt>
+                                        </p:tgtEl>
+                                        <p:attrNameLst>
+                                          <p:attrName>style.visibility</p:attrName>
+                                        </p:attrNameLst>
+                                      </p:cBhvr>
+                                      <p:to>
+                                        <p:strVal val="visible"/>
+                                      </p:to>
+                                    </p:set>
+                                  </p:childTnLst>
+                                </p:cTn>
+                              </p:par>
+                            </p:childTnLst>
+                          </p:cTn>
+                        </p:par>
+                      </p:childTnLst>
+                    </p:cTn>
+                  </p:par>
+                  <p:par>
+                    <p:cTn id="15" fill="hold">
+                      <p:stCondLst>
+                        <p:cond delay="indefinite"/>
+                      </p:stCondLst>
+                      <p:childTnLst>
+                        <p:par>
+                          <p:cTn id="16" fill="hold">
+                            <p:stCondLst>
+                              <p:cond delay="0"/>
+                            </p:stCondLst>
+                            <p:childTnLst>
+                              <p:par>
+                                <p:cTn id="17" presetID="1" presetClass="entr" presetSubtype="0" fill="hold" grpId="0" nodeType="clickEffect">
+                                  <p:stCondLst>
+                                    <p:cond delay="0"/>
+                                  </p:stCondLst>
+                                  <p:childTnLst>
+                                    <p:set>
+                                      <p:cBhvr>
+                                        <p:cTn id="18" dur="1" fill="hold">
+                                          <p:stCondLst>
+                                            <p:cond delay="0"/>
+                                          </p:stCondLst>
+                                        </p:cTn>
+                                        <p:tgtEl>
+                                          <p:spTgt spid="3">
+                                            <p:txEl>
+                                              <p:pRg st="3" end="3"/>
+                                            </p:txEl>
+                                          </p:spTgt>
+                                        </p:tgtEl>
+                                        <p:attrNameLst>
+                                          <p:attrName>style.visibility</p:attrName>
+                                        </p:attrNameLst>
+                                      </p:cBhvr>
+                                      <p:to>
+                                        <p:strVal val="visible"/>
+                                      </p:to>
+                                    </p:set>
+                                  </p:childTnLst>
+                                </p:cTn>
+                              </p:par>
+                              <p:par>
+                                <p:cTn id="19" presetID="1" presetClass="entr" presetSubtype="0" fill="hold" grpId="0" nodeType="withEffect">
+                                  <p:stCondLst>
+                                    <p:cond delay="0"/>
+                                  </p:stCondLst>
+                                  <p:childTnLst>
+                                    <p:set>
+                                      <p:cBhvr>
+                                        <p:cTn id="20" dur="1" fill="hold">
+                                          <p:stCondLst>
+                                            <p:cond delay="0"/>
+                                          </p:stCondLst>
+                                        </p:cTn>
+                                        <p:tgtEl>
+                                          <p:spTgt spid="3">
+                                            <p:txEl>
+                                              <p:pRg st="4" end="4"/>
+                                            </p:txEl>
+                                          </p:spTgt>
+                                        </p:tgtEl>
+                                        <p:attrNameLst>
+                                          <p:attrName>style.visibility</p:attrName>
+                                        </p:attrNameLst>
+                                      </p:cBhvr>
+                                      <p:to>
+                                        <p:strVal val="visible"/>
+                                      </p:to>
+                                    </p:set>
+                                  </p:childTnLst>
+                                </p:cTn>
+                              </p:par>
+                              <p:par>
+                                <p:cTn id="21" presetID="1" presetClass="entr" presetSubtype="0" fill="hold" grpId="0" nodeType="withEffect">
+                                  <p:stCondLst>
+                                    <p:cond delay="0"/>
+                                  </p:stCondLst>
+                                  <p:childTnLst>
+                                    <p:set>
+                                      <p:cBhvr>
+                                        <p:cTn id="22" dur="1" fill="hold">
+                                          <p:stCondLst>
+                                            <p:cond delay="0"/>
+                                          </p:stCondLst>
+                                        </p:cTn>
+                                        <p:tgtEl>
+                                          <p:spTgt spid="3">
+                                            <p:txEl>
+                                              <p:pRg st="5" end="5"/>
+                                            </p:txEl>
+                                          </p:spTgt>
+                                        </p:tgtEl>
+                                        <p:attrNameLst>
+                                          <p:attrName>style.visibility</p:attrName>
+                                        </p:attrNameLst>
+                                      </p:cBhvr>
+                                      <p:to>
+                                        <p:strVal val="visible"/>
+                                      </p:to>
+                                    </p:set>
+                                  </p:childTnLst>
+                                </p:cTn>
+                              </p:par>
+                              <p:par>
+                                <p:cTn id="23" presetID="1" presetClass="entr" presetSubtype="0" fill="hold" grpId="0" nodeType="withEffect">
+                                  <p:stCondLst>
+                                    <p:cond delay="0"/>
+                                  </p:stCondLst>
+                                  <p:childTnLst>
+                                    <p:set>
+                                      <p:cBhvr>
+                                        <p:cTn id="24" dur="1" fill="hold">
+                                          <p:stCondLst>
+                                            <p:cond delay="0"/>
+                                          </p:stCondLst>
+                                        </p:cTn>
+                                        <p:tgtEl>
+                                          <p:spTgt spid="3">
+                                            <p:txEl>
+                                              <p:pRg st="6" end="6"/>
+                                            </p:txEl>
+                                          </p:spTgt>
+                                        </p:tgtEl>
+                                        <p:attrNameLst>
+                                          <p:attrName>style.visibility</p:attrName>
+                                        </p:attrNameLst>
+                                      </p:cBhvr>
+                                      <p:to>
+                                        <p:strVal val="visible"/>
+                                      </p:to>
+                                    </p:set>
+                                  </p:childTnLst>
+                                </p:cTn>
+                              </p:par>
+                              <p:par>
+                                <p:cTn id="25" presetID="1" presetClass="entr" presetSubtype="0" fill="hold" grpId="0" nodeType="withEffect">
+                                  <p:stCondLst>
+                                    <p:cond delay="0"/>
+                                  </p:stCondLst>
+                                  <p:childTnLst>
+                                    <p:set>
+                                      <p:cBhvr>
+                                        <p:cTn id="26" dur="1" fill="hold">
+                                          <p:stCondLst>
+                                            <p:cond delay="0"/>
+                                          </p:stCondLst>
+                                        </p:cTn>
+                                        <p:tgtEl>
+                                          <p:spTgt spid="3">
+                                            <p:txEl>
+                                              <p:pRg st="7" end="7"/>
+                                            </p:txEl>
+                                          </p:spTgt>
+                                        </p:tgtEl>
+                                        <p:attrNameLst>
+                                          <p:attrName>style.visibility</p:attrName>
+                                        </p:attrNameLst>
+                                      </p:cBhvr>
+                                      <p:to>
+                                        <p:strVal val="visible"/>
+                                      </p:to>
+                                    </p:set>
+                                  </p:childTnLst>
+                                </p:cTn>
+                              </p:par>
+                            </p:childTnLst>
+                          </p:cTn>
+                        </p:par>
+                      </p:childTnLst>
+                    </p:cTn>
+                  </p:par>
+                </p:childTnLst>
+              </p:cTn>
+              <p:prevCondLst>
+                <p:cond evt="onPrev" delay="0">
+                  <p:tgtEl>
+                    <p:sldTgt/>
+                  </p:tgtEl>
+                </p:cond>
+              </p:prevCondLst>
+              <p:nextCondLst>
+                <p:cond evt="onNext" delay="0">
+                  <p:tgtEl>
+                    <p:sldTgt/>
+                  </p:tgtEl>
+                </p:cond>
+              </p:nextCondLst>
+            </p:seq>
+          </p:childTnLst>
+        </p:cTn>
+      </p:par>
+    </p:tnLst>
+    <p:bldLst>
+      <p:bldP spid="3" grpId="0" build="p"/>
+    </p:bldLst>
+  </p:timing>
 </p:sld>
 </file>
 
@@ -4723,7 +6567,7 @@
         <p:spPr>
           <a:xfrm>
             <a:off x="298579" y="230157"/>
-            <a:ext cx="7564017" cy="369332"/>
+            <a:ext cx="9918571" cy="1077218"/>
           </a:xfrm>
           <a:prstGeom prst="rect">
             <a:avLst/>
@@ -4737,17 +6581,64 @@
           <a:lstStyle/>
           <a:p>
             <a:r>
-              <a:rPr lang="en-US" dirty="0"/>
-              <a:t>What are the potential implications of your discoveries?</a:t>
-            </a:r>
-            <a:endParaRPr lang="en-GB" dirty="0"/>
+              <a:rPr lang="en-US" sz="3200" b="1" dirty="0"/>
+              <a:t>What are you likely to conclude on the basis of this research?</a:t>
+            </a:r>
+            <a:endParaRPr lang="en-GB" sz="3200" b="1" dirty="0"/>
+          </a:p>
+        </p:txBody>
+      </p:sp>
+      <p:sp>
+        <p:nvSpPr>
+          <p:cNvPr id="3" name="TextBox 2">
+            <a:extLst>
+              <a:ext uri="{FF2B5EF4-FFF2-40B4-BE49-F238E27FC236}">
+                <a16:creationId xmlns:a16="http://schemas.microsoft.com/office/drawing/2014/main" id="{11C52BB2-563A-477A-A4A3-86C7130AB1CD}"/>
+              </a:ext>
+            </a:extLst>
+          </p:cNvPr>
+          <p:cNvSpPr txBox="1"/>
+          <p:nvPr/>
+        </p:nvSpPr>
+        <p:spPr>
+          <a:xfrm>
+            <a:off x="298579" y="1868457"/>
+            <a:ext cx="7564017" cy="2246769"/>
+          </a:xfrm>
+          <a:prstGeom prst="rect">
+            <a:avLst/>
+          </a:prstGeom>
+          <a:noFill/>
+        </p:spPr>
+        <p:txBody>
+          <a:bodyPr wrap="square" rtlCol="0">
+            <a:spAutoFit/>
+          </a:bodyPr>
+          <a:lstStyle/>
+          <a:p>
+            <a:r>
+              <a:rPr lang="en-US" sz="2800" dirty="0"/>
+              <a:t>Need more data for a conclusion.</a:t>
+            </a:r>
+          </a:p>
+          <a:p>
+            <a:endParaRPr lang="en-US" sz="2800" dirty="0"/>
+          </a:p>
+          <a:p>
+            <a:endParaRPr lang="en-US" sz="2800" dirty="0"/>
+          </a:p>
+          <a:p>
+            <a:endParaRPr lang="en-US" sz="2800" dirty="0"/>
+          </a:p>
+          <a:p>
+            <a:endParaRPr lang="en-GB" sz="2800" dirty="0"/>
           </a:p>
         </p:txBody>
       </p:sp>
     </p:spTree>
     <p:extLst>
       <p:ext uri="{BB962C8B-B14F-4D97-AF65-F5344CB8AC3E}">
-        <p14:creationId xmlns:p14="http://schemas.microsoft.com/office/powerpoint/2010/main" val="4045719142"/>
+        <p14:creationId xmlns:p14="http://schemas.microsoft.com/office/powerpoint/2010/main" val="2456155411"/>
       </p:ext>
     </p:extLst>
   </p:cSld>
@@ -5050,4 +6941,18 @@
     </a:ext>
   </a:extLst>
 </a:theme>
+</file>
+
+<file path=customXml/item1.xml><?xml version="1.0" encoding="utf-8"?>
+<Control xmlns="http://schemas.microsoft.com/VisualStudio/2011/storyboarding/control">
+  <Id Name="58b911b9-3ae9-4c4b-a678-b234f06e307d" Revision="1" Stencil="System.MyShapes" StencilVersion="1.0"/>
+</Control>
+</file>
+
+<file path=customXml/itemProps1.xml><?xml version="1.0" encoding="utf-8"?>
+<ds:datastoreItem xmlns:ds="http://schemas.openxmlformats.org/officeDocument/2006/customXml" ds:itemID="{FE911D57-F706-4497-A2DA-20BCBA3A9BB7}">
+  <ds:schemaRefs>
+    <ds:schemaRef ds:uri="http://schemas.microsoft.com/VisualStudio/2011/storyboarding/control"/>
+  </ds:schemaRefs>
+</ds:datastoreItem>
 </file>